--- a/Helios.pptx
+++ b/Helios.pptx
@@ -7,6 +7,9 @@
   <p:sldIdLst>
     <p:sldId id="258" r:id="rId2"/>
     <p:sldId id="256" r:id="rId3"/>
+    <p:sldId id="259" r:id="rId4"/>
+    <p:sldId id="260" r:id="rId5"/>
+    <p:sldId id="261" r:id="rId6"/>
   </p:sldIdLst>
   <p:sldSz cx="12192000" cy="6858000"/>
   <p:notesSz cx="6858000" cy="9144000"/>
@@ -105,6 +108,11 @@
       </a:defRPr>
     </a:lvl9pPr>
   </p:defaultTextStyle>
+  <p:extLst>
+    <p:ext uri="{EFAFB233-063F-42B5-8137-9DF3F51BA10A}">
+      <p15:sldGuideLst xmlns:p15="http://schemas.microsoft.com/office/powerpoint/2012/main"/>
+    </p:ext>
+  </p:extLst>
 </p:presentation>
 </file>
 
@@ -255,7 +263,7 @@
           <a:p>
             <a:fld id="{449F65A8-A104-4659-BCA1-741252EC1BE3}" type="datetimeFigureOut">
               <a:rPr lang="ru-RU" smtClean="0"/>
-              <a:t>03.09.2019</a:t>
+              <a:t>04.09.2019</a:t>
             </a:fld>
             <a:endParaRPr lang="ru-RU"/>
           </a:p>
@@ -453,7 +461,7 @@
           <a:p>
             <a:fld id="{449F65A8-A104-4659-BCA1-741252EC1BE3}" type="datetimeFigureOut">
               <a:rPr lang="ru-RU" smtClean="0"/>
-              <a:t>03.09.2019</a:t>
+              <a:t>04.09.2019</a:t>
             </a:fld>
             <a:endParaRPr lang="ru-RU"/>
           </a:p>
@@ -661,7 +669,7 @@
           <a:p>
             <a:fld id="{449F65A8-A104-4659-BCA1-741252EC1BE3}" type="datetimeFigureOut">
               <a:rPr lang="ru-RU" smtClean="0"/>
-              <a:t>03.09.2019</a:t>
+              <a:t>04.09.2019</a:t>
             </a:fld>
             <a:endParaRPr lang="ru-RU"/>
           </a:p>
@@ -859,7 +867,7 @@
           <a:p>
             <a:fld id="{449F65A8-A104-4659-BCA1-741252EC1BE3}" type="datetimeFigureOut">
               <a:rPr lang="ru-RU" smtClean="0"/>
-              <a:t>03.09.2019</a:t>
+              <a:t>04.09.2019</a:t>
             </a:fld>
             <a:endParaRPr lang="ru-RU"/>
           </a:p>
@@ -1134,7 +1142,7 @@
           <a:p>
             <a:fld id="{449F65A8-A104-4659-BCA1-741252EC1BE3}" type="datetimeFigureOut">
               <a:rPr lang="ru-RU" smtClean="0"/>
-              <a:t>03.09.2019</a:t>
+              <a:t>04.09.2019</a:t>
             </a:fld>
             <a:endParaRPr lang="ru-RU"/>
           </a:p>
@@ -1399,7 +1407,7 @@
           <a:p>
             <a:fld id="{449F65A8-A104-4659-BCA1-741252EC1BE3}" type="datetimeFigureOut">
               <a:rPr lang="ru-RU" smtClean="0"/>
-              <a:t>03.09.2019</a:t>
+              <a:t>04.09.2019</a:t>
             </a:fld>
             <a:endParaRPr lang="ru-RU"/>
           </a:p>
@@ -1811,7 +1819,7 @@
           <a:p>
             <a:fld id="{449F65A8-A104-4659-BCA1-741252EC1BE3}" type="datetimeFigureOut">
               <a:rPr lang="ru-RU" smtClean="0"/>
-              <a:t>03.09.2019</a:t>
+              <a:t>04.09.2019</a:t>
             </a:fld>
             <a:endParaRPr lang="ru-RU"/>
           </a:p>
@@ -1952,7 +1960,7 @@
           <a:p>
             <a:fld id="{449F65A8-A104-4659-BCA1-741252EC1BE3}" type="datetimeFigureOut">
               <a:rPr lang="ru-RU" smtClean="0"/>
-              <a:t>03.09.2019</a:t>
+              <a:t>04.09.2019</a:t>
             </a:fld>
             <a:endParaRPr lang="ru-RU"/>
           </a:p>
@@ -2065,7 +2073,7 @@
           <a:p>
             <a:fld id="{449F65A8-A104-4659-BCA1-741252EC1BE3}" type="datetimeFigureOut">
               <a:rPr lang="ru-RU" smtClean="0"/>
-              <a:t>03.09.2019</a:t>
+              <a:t>04.09.2019</a:t>
             </a:fld>
             <a:endParaRPr lang="ru-RU"/>
           </a:p>
@@ -2376,7 +2384,7 @@
           <a:p>
             <a:fld id="{449F65A8-A104-4659-BCA1-741252EC1BE3}" type="datetimeFigureOut">
               <a:rPr lang="ru-RU" smtClean="0"/>
-              <a:t>03.09.2019</a:t>
+              <a:t>04.09.2019</a:t>
             </a:fld>
             <a:endParaRPr lang="ru-RU"/>
           </a:p>
@@ -2664,7 +2672,7 @@
           <a:p>
             <a:fld id="{449F65A8-A104-4659-BCA1-741252EC1BE3}" type="datetimeFigureOut">
               <a:rPr lang="ru-RU" smtClean="0"/>
-              <a:t>03.09.2019</a:t>
+              <a:t>04.09.2019</a:t>
             </a:fld>
             <a:endParaRPr lang="ru-RU"/>
           </a:p>
@@ -2905,7 +2913,7 @@
           <a:p>
             <a:fld id="{449F65A8-A104-4659-BCA1-741252EC1BE3}" type="datetimeFigureOut">
               <a:rPr lang="ru-RU" smtClean="0"/>
-              <a:t>03.09.2019</a:t>
+              <a:t>04.09.2019</a:t>
             </a:fld>
             <a:endParaRPr lang="ru-RU"/>
           </a:p>
@@ -4128,6 +4136,1651 @@
 </p:sld>
 </file>
 
+<file path=ppt/slides/slide3.xml><?xml version="1.0" encoding="utf-8"?>
+<p:sld xmlns:a="http://schemas.openxmlformats.org/drawingml/2006/main" xmlns:r="http://schemas.openxmlformats.org/officeDocument/2006/relationships" xmlns:p="http://schemas.openxmlformats.org/presentationml/2006/main">
+  <p:cSld>
+    <p:bg>
+      <p:bgPr>
+        <a:solidFill>
+          <a:schemeClr val="bg1"/>
+        </a:solidFill>
+        <a:effectLst/>
+      </p:bgPr>
+    </p:bg>
+    <p:spTree>
+      <p:nvGrpSpPr>
+        <p:cNvPr id="1" name=""/>
+        <p:cNvGrpSpPr/>
+        <p:nvPr/>
+      </p:nvGrpSpPr>
+      <p:grpSpPr>
+        <a:xfrm>
+          <a:off x="0" y="0"/>
+          <a:ext cx="0" cy="0"/>
+          <a:chOff x="0" y="0"/>
+          <a:chExt cx="0" cy="0"/>
+        </a:xfrm>
+      </p:grpSpPr>
+      <p:sp>
+        <p:nvSpPr>
+          <p:cNvPr id="23" name="Rectangle 22">
+            <a:extLst>
+              <a:ext uri="{FF2B5EF4-FFF2-40B4-BE49-F238E27FC236}">
+                <a16:creationId xmlns:a16="http://schemas.microsoft.com/office/drawing/2014/main" id="{B1ED02B1-1BC5-458F-9994-627281CFE7C4}"/>
+              </a:ext>
+              <a:ext uri="{C183D7F6-B498-43B3-948B-1728B52AA6E4}">
+                <adec:decorative xmlns:adec="http://schemas.microsoft.com/office/drawing/2017/decorative" val="1"/>
+              </a:ext>
+            </a:extLst>
+          </p:cNvPr>
+          <p:cNvSpPr>
+            <a:spLocks noGrp="1" noRot="1" noChangeAspect="1" noMove="1" noResize="1" noEditPoints="1" noAdjustHandles="1" noChangeArrowheads="1" noChangeShapeType="1" noTextEdit="1"/>
+          </p:cNvSpPr>
+          <p:nvPr>
+            <p:extLst>
+              <p:ext uri="{386F3935-93C4-4BCD-93E2-E3B085C9AB24}">
+                <p16:designElem xmlns:p16="http://schemas.microsoft.com/office/powerpoint/2015/main" val="1"/>
+              </p:ext>
+            </p:extLst>
+          </p:nvPr>
+        </p:nvSpPr>
+        <p:spPr>
+          <a:xfrm>
+            <a:off x="0" y="4923691"/>
+            <a:ext cx="12192000" cy="1934309"/>
+          </a:xfrm>
+          <a:prstGeom prst="rect">
+            <a:avLst/>
+          </a:prstGeom>
+          <a:solidFill>
+            <a:srgbClr val="6486B1"/>
+          </a:solidFill>
+          <a:ln>
+            <a:noFill/>
+          </a:ln>
+        </p:spPr>
+        <p:style>
+          <a:lnRef idx="2">
+            <a:schemeClr val="accent1">
+              <a:shade val="50000"/>
+            </a:schemeClr>
+          </a:lnRef>
+          <a:fillRef idx="1">
+            <a:schemeClr val="accent1"/>
+          </a:fillRef>
+          <a:effectRef idx="0">
+            <a:schemeClr val="accent1"/>
+          </a:effectRef>
+          <a:fontRef idx="minor">
+            <a:schemeClr val="lt1"/>
+          </a:fontRef>
+        </p:style>
+        <p:txBody>
+          <a:bodyPr rtlCol="0" anchor="ctr"/>
+          <a:lstStyle/>
+          <a:p>
+            <a:pPr algn="ctr"/>
+            <a:endParaRPr lang="en-US"/>
+          </a:p>
+        </p:txBody>
+      </p:sp>
+      <p:sp>
+        <p:nvSpPr>
+          <p:cNvPr id="2" name="Заголовок 1">
+            <a:extLst>
+              <a:ext uri="{FF2B5EF4-FFF2-40B4-BE49-F238E27FC236}">
+                <a16:creationId xmlns:a16="http://schemas.microsoft.com/office/drawing/2014/main" id="{1F0E3C82-77AC-4F44-82E3-EE083F2320CF}"/>
+              </a:ext>
+            </a:extLst>
+          </p:cNvPr>
+          <p:cNvSpPr>
+            <a:spLocks noGrp="1"/>
+          </p:cNvSpPr>
+          <p:nvPr>
+            <p:ph type="title"/>
+          </p:nvPr>
+        </p:nvSpPr>
+        <p:spPr>
+          <a:xfrm>
+            <a:off x="2231136" y="4388020"/>
+            <a:ext cx="7729728" cy="1188720"/>
+          </a:xfrm>
+          <a:solidFill>
+            <a:schemeClr val="bg1"/>
+          </a:solidFill>
+          <a:ln w="31750">
+            <a:solidFill>
+              <a:schemeClr val="tx1">
+                <a:lumMod val="75000"/>
+                <a:lumOff val="25000"/>
+              </a:schemeClr>
+            </a:solidFill>
+          </a:ln>
+        </p:spPr>
+        <p:txBody>
+          <a:bodyPr vert="horz" lIns="91440" tIns="45720" rIns="91440" bIns="45720" rtlCol="0" anchor="ctr">
+            <a:normAutofit/>
+          </a:bodyPr>
+          <a:lstStyle/>
+          <a:p>
+            <a:pPr algn="ctr"/>
+            <a:r>
+              <a:rPr lang="en-US" sz="3200" kern="1200">
+                <a:solidFill>
+                  <a:schemeClr val="tx1"/>
+                </a:solidFill>
+                <a:latin typeface="+mj-lt"/>
+                <a:ea typeface="+mj-ea"/>
+                <a:cs typeface="+mj-cs"/>
+              </a:rPr>
+              <a:t>Схема работы</a:t>
+            </a:r>
+            <a:endParaRPr lang="en-US" sz="3200" kern="1200" dirty="0">
+              <a:solidFill>
+                <a:schemeClr val="tx1"/>
+              </a:solidFill>
+              <a:latin typeface="+mj-lt"/>
+              <a:ea typeface="+mj-ea"/>
+              <a:cs typeface="+mj-cs"/>
+            </a:endParaRPr>
+          </a:p>
+        </p:txBody>
+      </p:sp>
+      <p:pic>
+        <p:nvPicPr>
+          <p:cNvPr id="13" name="Объект 12">
+            <a:extLst>
+              <a:ext uri="{FF2B5EF4-FFF2-40B4-BE49-F238E27FC236}">
+                <a16:creationId xmlns:a16="http://schemas.microsoft.com/office/drawing/2014/main" id="{054FAB6D-D08A-4539-8482-750BBFA2E336}"/>
+              </a:ext>
+            </a:extLst>
+          </p:cNvPr>
+          <p:cNvPicPr>
+            <a:picLocks noGrp="1" noChangeAspect="1"/>
+          </p:cNvPicPr>
+          <p:nvPr>
+            <p:ph idx="1"/>
+          </p:nvPr>
+        </p:nvPicPr>
+        <p:blipFill>
+          <a:blip r:embed="rId2">
+            <a:extLst>
+              <a:ext uri="{28A0092B-C50C-407E-A947-70E740481C1C}">
+                <a14:useLocalDpi xmlns:a14="http://schemas.microsoft.com/office/drawing/2010/main" val="0"/>
+              </a:ext>
+            </a:extLst>
+          </a:blip>
+          <a:stretch>
+            <a:fillRect/>
+          </a:stretch>
+        </p:blipFill>
+        <p:spPr>
+          <a:xfrm>
+            <a:off x="2231136" y="1955277"/>
+            <a:ext cx="7729728" cy="1120810"/>
+          </a:xfrm>
+          <a:prstGeom prst="rect">
+            <a:avLst/>
+          </a:prstGeom>
+        </p:spPr>
+      </p:pic>
+    </p:spTree>
+    <p:extLst>
+      <p:ext uri="{BB962C8B-B14F-4D97-AF65-F5344CB8AC3E}">
+        <p14:creationId xmlns:p14="http://schemas.microsoft.com/office/powerpoint/2010/main" val="1274533172"/>
+      </p:ext>
+    </p:extLst>
+  </p:cSld>
+  <p:clrMapOvr>
+    <a:masterClrMapping/>
+  </p:clrMapOvr>
+</p:sld>
+</file>
+
+<file path=ppt/slides/slide4.xml><?xml version="1.0" encoding="utf-8"?>
+<p:sld xmlns:a="http://schemas.openxmlformats.org/drawingml/2006/main" xmlns:r="http://schemas.openxmlformats.org/officeDocument/2006/relationships" xmlns:p="http://schemas.openxmlformats.org/presentationml/2006/main">
+  <p:cSld>
+    <p:bg>
+      <p:bgPr>
+        <a:solidFill>
+          <a:schemeClr val="bg1"/>
+        </a:solidFill>
+        <a:effectLst/>
+      </p:bgPr>
+    </p:bg>
+    <p:spTree>
+      <p:nvGrpSpPr>
+        <p:cNvPr id="1" name=""/>
+        <p:cNvGrpSpPr/>
+        <p:nvPr/>
+      </p:nvGrpSpPr>
+      <p:grpSpPr>
+        <a:xfrm>
+          <a:off x="0" y="0"/>
+          <a:ext cx="0" cy="0"/>
+          <a:chOff x="0" y="0"/>
+          <a:chExt cx="0" cy="0"/>
+        </a:xfrm>
+      </p:grpSpPr>
+      <p:pic>
+        <p:nvPicPr>
+          <p:cNvPr id="5" name="Объект 4" descr="Изображение выглядит как снимок экрана&#10;&#10;Автоматически созданное описание">
+            <a:extLst>
+              <a:ext uri="{FF2B5EF4-FFF2-40B4-BE49-F238E27FC236}">
+                <a16:creationId xmlns:a16="http://schemas.microsoft.com/office/drawing/2014/main" id="{9A8C2FD9-4E4D-4F90-A3CF-6759FDDC900B}"/>
+              </a:ext>
+            </a:extLst>
+          </p:cNvPr>
+          <p:cNvPicPr>
+            <a:picLocks noGrp="1" noChangeAspect="1"/>
+          </p:cNvPicPr>
+          <p:nvPr>
+            <p:ph idx="1"/>
+          </p:nvPr>
+        </p:nvPicPr>
+        <p:blipFill>
+          <a:blip r:embed="rId2">
+            <a:extLst>
+              <a:ext uri="{28A0092B-C50C-407E-A947-70E740481C1C}">
+                <a14:useLocalDpi xmlns:a14="http://schemas.microsoft.com/office/drawing/2010/main" val="0"/>
+              </a:ext>
+            </a:extLst>
+          </a:blip>
+          <a:stretch>
+            <a:fillRect/>
+          </a:stretch>
+        </p:blipFill>
+        <p:spPr>
+          <a:xfrm>
+            <a:off x="643467" y="811784"/>
+            <a:ext cx="10905066" cy="5234430"/>
+          </a:xfrm>
+          <a:prstGeom prst="rect">
+            <a:avLst/>
+          </a:prstGeom>
+        </p:spPr>
+      </p:pic>
+      <p:sp>
+        <p:nvSpPr>
+          <p:cNvPr id="9" name="Прямоугольник 8">
+            <a:extLst>
+              <a:ext uri="{FF2B5EF4-FFF2-40B4-BE49-F238E27FC236}">
+                <a16:creationId xmlns:a16="http://schemas.microsoft.com/office/drawing/2014/main" id="{DFB7B33C-5A07-417F-B37C-B58007FED30F}"/>
+              </a:ext>
+            </a:extLst>
+          </p:cNvPr>
+          <p:cNvSpPr/>
+          <p:nvPr/>
+        </p:nvSpPr>
+        <p:spPr>
+          <a:xfrm>
+            <a:off x="638629" y="1857829"/>
+            <a:ext cx="1431471" cy="2989942"/>
+          </a:xfrm>
+          <a:prstGeom prst="rect">
+            <a:avLst/>
+          </a:prstGeom>
+          <a:noFill/>
+        </p:spPr>
+        <p:style>
+          <a:lnRef idx="2">
+            <a:schemeClr val="accent1">
+              <a:shade val="50000"/>
+            </a:schemeClr>
+          </a:lnRef>
+          <a:fillRef idx="1">
+            <a:schemeClr val="accent1"/>
+          </a:fillRef>
+          <a:effectRef idx="0">
+            <a:schemeClr val="accent1"/>
+          </a:effectRef>
+          <a:fontRef idx="minor">
+            <a:schemeClr val="lt1"/>
+          </a:fontRef>
+        </p:style>
+        <p:txBody>
+          <a:bodyPr rtlCol="0" anchor="ctr"/>
+          <a:lstStyle/>
+          <a:p>
+            <a:pPr algn="ctr"/>
+            <a:endParaRPr lang="ru-RU"/>
+          </a:p>
+        </p:txBody>
+      </p:sp>
+      <p:cxnSp>
+        <p:nvCxnSpPr>
+          <p:cNvPr id="15" name="Прямая соединительная линия 14">
+            <a:extLst>
+              <a:ext uri="{FF2B5EF4-FFF2-40B4-BE49-F238E27FC236}">
+                <a16:creationId xmlns:a16="http://schemas.microsoft.com/office/drawing/2014/main" id="{F4616D07-FA20-47AF-A417-1ACD872479E4}"/>
+              </a:ext>
+            </a:extLst>
+          </p:cNvPr>
+          <p:cNvCxnSpPr/>
+          <p:nvPr/>
+        </p:nvCxnSpPr>
+        <p:spPr>
+          <a:xfrm flipV="1">
+            <a:off x="638629" y="274319"/>
+            <a:ext cx="1777044" cy="1583510"/>
+          </a:xfrm>
+          <a:prstGeom prst="line">
+            <a:avLst/>
+          </a:prstGeom>
+          <a:ln w="12700">
+            <a:solidFill>
+              <a:schemeClr val="tx1"/>
+            </a:solidFill>
+          </a:ln>
+        </p:spPr>
+        <p:style>
+          <a:lnRef idx="1">
+            <a:schemeClr val="accent1"/>
+          </a:lnRef>
+          <a:fillRef idx="0">
+            <a:schemeClr val="accent1"/>
+          </a:fillRef>
+          <a:effectRef idx="0">
+            <a:schemeClr val="accent1"/>
+          </a:effectRef>
+          <a:fontRef idx="minor">
+            <a:schemeClr val="tx1"/>
+          </a:fontRef>
+        </p:style>
+      </p:cxnSp>
+      <p:cxnSp>
+        <p:nvCxnSpPr>
+          <p:cNvPr id="18" name="Прямая соединительная линия 17">
+            <a:extLst>
+              <a:ext uri="{FF2B5EF4-FFF2-40B4-BE49-F238E27FC236}">
+                <a16:creationId xmlns:a16="http://schemas.microsoft.com/office/drawing/2014/main" id="{D815561F-778E-4516-98B9-365A29E28A2E}"/>
+              </a:ext>
+            </a:extLst>
+          </p:cNvPr>
+          <p:cNvCxnSpPr>
+            <a:cxnSpLocks/>
+          </p:cNvCxnSpPr>
+          <p:nvPr/>
+        </p:nvCxnSpPr>
+        <p:spPr>
+          <a:xfrm>
+            <a:off x="638629" y="4847771"/>
+            <a:ext cx="1777044" cy="1735908"/>
+          </a:xfrm>
+          <a:prstGeom prst="line">
+            <a:avLst/>
+          </a:prstGeom>
+          <a:ln w="12700">
+            <a:solidFill>
+              <a:schemeClr val="tx1"/>
+            </a:solidFill>
+          </a:ln>
+        </p:spPr>
+        <p:style>
+          <a:lnRef idx="1">
+            <a:schemeClr val="accent1"/>
+          </a:lnRef>
+          <a:fillRef idx="0">
+            <a:schemeClr val="accent1"/>
+          </a:fillRef>
+          <a:effectRef idx="0">
+            <a:schemeClr val="accent1"/>
+          </a:effectRef>
+          <a:fontRef idx="minor">
+            <a:schemeClr val="tx1"/>
+          </a:fontRef>
+        </p:style>
+      </p:cxnSp>
+      <p:cxnSp>
+        <p:nvCxnSpPr>
+          <p:cNvPr id="22" name="Прямая соединительная линия 21">
+            <a:extLst>
+              <a:ext uri="{FF2B5EF4-FFF2-40B4-BE49-F238E27FC236}">
+                <a16:creationId xmlns:a16="http://schemas.microsoft.com/office/drawing/2014/main" id="{BEC8A04F-97B4-45CA-AA2B-1C90755EB403}"/>
+              </a:ext>
+            </a:extLst>
+          </p:cNvPr>
+          <p:cNvCxnSpPr>
+            <a:cxnSpLocks/>
+          </p:cNvCxnSpPr>
+          <p:nvPr/>
+        </p:nvCxnSpPr>
+        <p:spPr>
+          <a:xfrm>
+            <a:off x="2070100" y="4847771"/>
+            <a:ext cx="1753458" cy="1740480"/>
+          </a:xfrm>
+          <a:prstGeom prst="line">
+            <a:avLst/>
+          </a:prstGeom>
+          <a:ln w="12700">
+            <a:solidFill>
+              <a:schemeClr val="tx1"/>
+            </a:solidFill>
+          </a:ln>
+        </p:spPr>
+        <p:style>
+          <a:lnRef idx="1">
+            <a:schemeClr val="accent1"/>
+          </a:lnRef>
+          <a:fillRef idx="0">
+            <a:schemeClr val="accent1"/>
+          </a:fillRef>
+          <a:effectRef idx="0">
+            <a:schemeClr val="accent1"/>
+          </a:effectRef>
+          <a:fontRef idx="minor">
+            <a:schemeClr val="tx1"/>
+          </a:fontRef>
+        </p:style>
+      </p:cxnSp>
+      <p:cxnSp>
+        <p:nvCxnSpPr>
+          <p:cNvPr id="23" name="Прямая соединительная линия 22">
+            <a:extLst>
+              <a:ext uri="{FF2B5EF4-FFF2-40B4-BE49-F238E27FC236}">
+                <a16:creationId xmlns:a16="http://schemas.microsoft.com/office/drawing/2014/main" id="{3507C060-27CD-4CA9-94C1-66871203027D}"/>
+              </a:ext>
+            </a:extLst>
+          </p:cNvPr>
+          <p:cNvCxnSpPr>
+            <a:cxnSpLocks/>
+          </p:cNvCxnSpPr>
+          <p:nvPr/>
+        </p:nvCxnSpPr>
+        <p:spPr>
+          <a:xfrm flipV="1">
+            <a:off x="2070100" y="292462"/>
+            <a:ext cx="1748620" cy="1565367"/>
+          </a:xfrm>
+          <a:prstGeom prst="line">
+            <a:avLst/>
+          </a:prstGeom>
+          <a:ln w="12700">
+            <a:solidFill>
+              <a:schemeClr val="tx1"/>
+            </a:solidFill>
+          </a:ln>
+        </p:spPr>
+        <p:style>
+          <a:lnRef idx="1">
+            <a:schemeClr val="accent1"/>
+          </a:lnRef>
+          <a:fillRef idx="0">
+            <a:schemeClr val="accent1"/>
+          </a:fillRef>
+          <a:effectRef idx="0">
+            <a:schemeClr val="accent1"/>
+          </a:effectRef>
+          <a:fontRef idx="minor">
+            <a:schemeClr val="tx1"/>
+          </a:fontRef>
+        </p:style>
+      </p:cxnSp>
+      <p:pic>
+        <p:nvPicPr>
+          <p:cNvPr id="7" name="Рисунок 6">
+            <a:extLst>
+              <a:ext uri="{FF2B5EF4-FFF2-40B4-BE49-F238E27FC236}">
+                <a16:creationId xmlns:a16="http://schemas.microsoft.com/office/drawing/2014/main" id="{8D7A83E9-5B04-4D2C-B6A9-B3CD76C5EA50}"/>
+              </a:ext>
+            </a:extLst>
+          </p:cNvPr>
+          <p:cNvPicPr>
+            <a:picLocks noChangeAspect="1"/>
+          </p:cNvPicPr>
+          <p:nvPr/>
+        </p:nvPicPr>
+        <p:blipFill>
+          <a:blip r:embed="rId3">
+            <a:extLst>
+              <a:ext uri="{28A0092B-C50C-407E-A947-70E740481C1C}">
+                <a14:useLocalDpi xmlns:a14="http://schemas.microsoft.com/office/drawing/2010/main" val="0"/>
+              </a:ext>
+            </a:extLst>
+          </a:blip>
+          <a:stretch>
+            <a:fillRect/>
+          </a:stretch>
+        </p:blipFill>
+        <p:spPr>
+          <a:xfrm>
+            <a:off x="2415673" y="274319"/>
+            <a:ext cx="2861494" cy="6309360"/>
+          </a:xfrm>
+          <a:prstGeom prst="rect">
+            <a:avLst/>
+          </a:prstGeom>
+        </p:spPr>
+        <p:style>
+          <a:lnRef idx="2">
+            <a:schemeClr val="dk1">
+              <a:shade val="50000"/>
+            </a:schemeClr>
+          </a:lnRef>
+          <a:fillRef idx="1">
+            <a:schemeClr val="dk1"/>
+          </a:fillRef>
+          <a:effectRef idx="0">
+            <a:schemeClr val="dk1"/>
+          </a:effectRef>
+          <a:fontRef idx="minor">
+            <a:schemeClr val="lt1"/>
+          </a:fontRef>
+        </p:style>
+      </p:pic>
+      <p:sp>
+        <p:nvSpPr>
+          <p:cNvPr id="31" name="Прямоугольник 30">
+            <a:extLst>
+              <a:ext uri="{FF2B5EF4-FFF2-40B4-BE49-F238E27FC236}">
+                <a16:creationId xmlns:a16="http://schemas.microsoft.com/office/drawing/2014/main" id="{1A187158-1776-4C3A-A9A4-1BAB100A25A7}"/>
+              </a:ext>
+            </a:extLst>
+          </p:cNvPr>
+          <p:cNvSpPr/>
+          <p:nvPr/>
+        </p:nvSpPr>
+        <p:spPr>
+          <a:xfrm>
+            <a:off x="2415673" y="1597981"/>
+            <a:ext cx="2861494" cy="594803"/>
+          </a:xfrm>
+          <a:prstGeom prst="rect">
+            <a:avLst/>
+          </a:prstGeom>
+          <a:noFill/>
+          <a:ln w="19050">
+            <a:solidFill>
+              <a:srgbClr val="7030A0"/>
+            </a:solidFill>
+          </a:ln>
+        </p:spPr>
+        <p:style>
+          <a:lnRef idx="2">
+            <a:schemeClr val="accent1">
+              <a:shade val="50000"/>
+            </a:schemeClr>
+          </a:lnRef>
+          <a:fillRef idx="1">
+            <a:schemeClr val="accent1"/>
+          </a:fillRef>
+          <a:effectRef idx="0">
+            <a:schemeClr val="accent1"/>
+          </a:effectRef>
+          <a:fontRef idx="minor">
+            <a:schemeClr val="lt1"/>
+          </a:fontRef>
+        </p:style>
+        <p:txBody>
+          <a:bodyPr rtlCol="0" anchor="ctr"/>
+          <a:lstStyle/>
+          <a:p>
+            <a:pPr algn="ctr"/>
+            <a:endParaRPr lang="ru-RU"/>
+          </a:p>
+        </p:txBody>
+      </p:sp>
+      <p:cxnSp>
+        <p:nvCxnSpPr>
+          <p:cNvPr id="33" name="Прямая соединительная линия 32">
+            <a:extLst>
+              <a:ext uri="{FF2B5EF4-FFF2-40B4-BE49-F238E27FC236}">
+                <a16:creationId xmlns:a16="http://schemas.microsoft.com/office/drawing/2014/main" id="{333FB1B4-87E3-44C4-B5F4-65A4D3A812F6}"/>
+              </a:ext>
+            </a:extLst>
+          </p:cNvPr>
+          <p:cNvCxnSpPr>
+            <a:cxnSpLocks/>
+          </p:cNvCxnSpPr>
+          <p:nvPr/>
+        </p:nvCxnSpPr>
+        <p:spPr>
+          <a:xfrm flipV="1">
+            <a:off x="2415673" y="476190"/>
+            <a:ext cx="3180091" cy="1117219"/>
+          </a:xfrm>
+          <a:prstGeom prst="line">
+            <a:avLst/>
+          </a:prstGeom>
+          <a:ln w="19050">
+            <a:solidFill>
+              <a:srgbClr val="7030A0"/>
+            </a:solidFill>
+          </a:ln>
+        </p:spPr>
+        <p:style>
+          <a:lnRef idx="1">
+            <a:schemeClr val="accent1"/>
+          </a:lnRef>
+          <a:fillRef idx="0">
+            <a:schemeClr val="accent1"/>
+          </a:fillRef>
+          <a:effectRef idx="0">
+            <a:schemeClr val="accent1"/>
+          </a:effectRef>
+          <a:fontRef idx="minor">
+            <a:schemeClr val="tx1"/>
+          </a:fontRef>
+        </p:style>
+      </p:cxnSp>
+      <p:cxnSp>
+        <p:nvCxnSpPr>
+          <p:cNvPr id="35" name="Прямая соединительная линия 34">
+            <a:extLst>
+              <a:ext uri="{FF2B5EF4-FFF2-40B4-BE49-F238E27FC236}">
+                <a16:creationId xmlns:a16="http://schemas.microsoft.com/office/drawing/2014/main" id="{62717C6C-F96A-4A51-AF92-FC5B6F01F575}"/>
+              </a:ext>
+            </a:extLst>
+          </p:cNvPr>
+          <p:cNvCxnSpPr>
+            <a:cxnSpLocks/>
+          </p:cNvCxnSpPr>
+          <p:nvPr/>
+        </p:nvCxnSpPr>
+        <p:spPr>
+          <a:xfrm>
+            <a:off x="2415673" y="2192784"/>
+            <a:ext cx="3180091" cy="1716595"/>
+          </a:xfrm>
+          <a:prstGeom prst="line">
+            <a:avLst/>
+          </a:prstGeom>
+          <a:ln w="19050">
+            <a:solidFill>
+              <a:srgbClr val="6D7FCC"/>
+            </a:solidFill>
+          </a:ln>
+        </p:spPr>
+        <p:style>
+          <a:lnRef idx="1">
+            <a:schemeClr val="accent1"/>
+          </a:lnRef>
+          <a:fillRef idx="0">
+            <a:schemeClr val="accent1"/>
+          </a:fillRef>
+          <a:effectRef idx="0">
+            <a:schemeClr val="accent1"/>
+          </a:effectRef>
+          <a:fontRef idx="minor">
+            <a:schemeClr val="tx1"/>
+          </a:fontRef>
+        </p:style>
+      </p:cxnSp>
+      <p:cxnSp>
+        <p:nvCxnSpPr>
+          <p:cNvPr id="41" name="Прямая соединительная линия 40">
+            <a:extLst>
+              <a:ext uri="{FF2B5EF4-FFF2-40B4-BE49-F238E27FC236}">
+                <a16:creationId xmlns:a16="http://schemas.microsoft.com/office/drawing/2014/main" id="{01E850FE-2C48-4FBD-AD1D-398D8D4542A3}"/>
+              </a:ext>
+            </a:extLst>
+          </p:cNvPr>
+          <p:cNvCxnSpPr>
+            <a:cxnSpLocks/>
+          </p:cNvCxnSpPr>
+          <p:nvPr/>
+        </p:nvCxnSpPr>
+        <p:spPr>
+          <a:xfrm flipV="1">
+            <a:off x="5277167" y="471617"/>
+            <a:ext cx="3981133" cy="1120236"/>
+          </a:xfrm>
+          <a:prstGeom prst="line">
+            <a:avLst/>
+          </a:prstGeom>
+          <a:ln w="19050">
+            <a:solidFill>
+              <a:srgbClr val="7030A0"/>
+            </a:solidFill>
+          </a:ln>
+        </p:spPr>
+        <p:style>
+          <a:lnRef idx="1">
+            <a:schemeClr val="accent1"/>
+          </a:lnRef>
+          <a:fillRef idx="0">
+            <a:schemeClr val="accent1"/>
+          </a:fillRef>
+          <a:effectRef idx="0">
+            <a:schemeClr val="accent1"/>
+          </a:effectRef>
+          <a:fontRef idx="minor">
+            <a:schemeClr val="tx1"/>
+          </a:fontRef>
+        </p:style>
+      </p:cxnSp>
+      <p:cxnSp>
+        <p:nvCxnSpPr>
+          <p:cNvPr id="43" name="Прямая соединительная линия 42">
+            <a:extLst>
+              <a:ext uri="{FF2B5EF4-FFF2-40B4-BE49-F238E27FC236}">
+                <a16:creationId xmlns:a16="http://schemas.microsoft.com/office/drawing/2014/main" id="{E2BAA3E6-DD73-49A0-8381-7A18CD99715E}"/>
+              </a:ext>
+            </a:extLst>
+          </p:cNvPr>
+          <p:cNvCxnSpPr>
+            <a:cxnSpLocks/>
+          </p:cNvCxnSpPr>
+          <p:nvPr/>
+        </p:nvCxnSpPr>
+        <p:spPr>
+          <a:xfrm>
+            <a:off x="5277167" y="2192784"/>
+            <a:ext cx="4499160" cy="1716595"/>
+          </a:xfrm>
+          <a:prstGeom prst="line">
+            <a:avLst/>
+          </a:prstGeom>
+          <a:ln w="19050">
+            <a:solidFill>
+              <a:srgbClr val="7030A0"/>
+            </a:solidFill>
+          </a:ln>
+        </p:spPr>
+        <p:style>
+          <a:lnRef idx="1">
+            <a:schemeClr val="accent1"/>
+          </a:lnRef>
+          <a:fillRef idx="0">
+            <a:schemeClr val="accent1"/>
+          </a:fillRef>
+          <a:effectRef idx="0">
+            <a:schemeClr val="accent1"/>
+          </a:effectRef>
+          <a:fontRef idx="minor">
+            <a:schemeClr val="tx1"/>
+          </a:fontRef>
+        </p:style>
+      </p:cxnSp>
+      <p:pic>
+        <p:nvPicPr>
+          <p:cNvPr id="30" name="Рисунок 29" descr="Изображение выглядит как снимок экрана&#10;&#10;Автоматически созданное описание">
+            <a:extLst>
+              <a:ext uri="{FF2B5EF4-FFF2-40B4-BE49-F238E27FC236}">
+                <a16:creationId xmlns:a16="http://schemas.microsoft.com/office/drawing/2014/main" id="{93E2BFF8-B96F-4FE6-97C5-C5CEFA610784}"/>
+              </a:ext>
+            </a:extLst>
+          </p:cNvPr>
+          <p:cNvPicPr>
+            <a:picLocks noChangeAspect="1"/>
+          </p:cNvPicPr>
+          <p:nvPr/>
+        </p:nvPicPr>
+        <p:blipFill>
+          <a:blip r:embed="rId4">
+            <a:extLst>
+              <a:ext uri="{28A0092B-C50C-407E-A947-70E740481C1C}">
+                <a14:useLocalDpi xmlns:a14="http://schemas.microsoft.com/office/drawing/2010/main" val="0"/>
+              </a:ext>
+            </a:extLst>
+          </a:blip>
+          <a:stretch>
+            <a:fillRect/>
+          </a:stretch>
+        </p:blipFill>
+        <p:spPr>
+          <a:xfrm>
+            <a:off x="5595764" y="476189"/>
+            <a:ext cx="6567585" cy="3433190"/>
+          </a:xfrm>
+          <a:prstGeom prst="rect">
+            <a:avLst/>
+          </a:prstGeom>
+          <a:solidFill>
+            <a:srgbClr val="FFFFFF">
+              <a:shade val="85000"/>
+            </a:srgbClr>
+          </a:solidFill>
+          <a:ln w="6350" cap="sq">
+            <a:solidFill>
+              <a:srgbClr val="7030A0"/>
+            </a:solidFill>
+            <a:miter lim="800000"/>
+          </a:ln>
+          <a:effectLst>
+            <a:outerShdw blurRad="55000" dist="18000" dir="5400000" algn="tl" rotWithShape="0">
+              <a:srgbClr val="000000">
+                <a:alpha val="40000"/>
+              </a:srgbClr>
+            </a:outerShdw>
+          </a:effectLst>
+          <a:scene3d>
+            <a:camera prst="orthographicFront"/>
+            <a:lightRig rig="twoPt" dir="t">
+              <a:rot lat="0" lon="0" rev="7200000"/>
+            </a:lightRig>
+          </a:scene3d>
+          <a:sp3d>
+            <a:bevelT w="25400" h="19050"/>
+            <a:contourClr>
+              <a:srgbClr val="FFFFFF"/>
+            </a:contourClr>
+          </a:sp3d>
+        </p:spPr>
+      </p:pic>
+      <p:sp>
+        <p:nvSpPr>
+          <p:cNvPr id="51" name="Полилиния: фигура 50">
+            <a:extLst>
+              <a:ext uri="{FF2B5EF4-FFF2-40B4-BE49-F238E27FC236}">
+                <a16:creationId xmlns:a16="http://schemas.microsoft.com/office/drawing/2014/main" id="{EE2CECB2-2517-4037-B618-D7DDD35A7EA6}"/>
+              </a:ext>
+            </a:extLst>
+          </p:cNvPr>
+          <p:cNvSpPr/>
+          <p:nvPr/>
+        </p:nvSpPr>
+        <p:spPr>
+          <a:xfrm>
+            <a:off x="2419350" y="2190750"/>
+            <a:ext cx="3181350" cy="1714500"/>
+          </a:xfrm>
+          <a:custGeom>
+            <a:avLst/>
+            <a:gdLst>
+              <a:gd name="connsiteX0" fmla="*/ 0 w 3181350"/>
+              <a:gd name="connsiteY0" fmla="*/ 0 h 1714500"/>
+              <a:gd name="connsiteX1" fmla="*/ 2857500 w 3181350"/>
+              <a:gd name="connsiteY1" fmla="*/ 3175 h 1714500"/>
+              <a:gd name="connsiteX2" fmla="*/ 3181350 w 3181350"/>
+              <a:gd name="connsiteY2" fmla="*/ 120650 h 1714500"/>
+              <a:gd name="connsiteX3" fmla="*/ 3178175 w 3181350"/>
+              <a:gd name="connsiteY3" fmla="*/ 1714500 h 1714500"/>
+              <a:gd name="connsiteX4" fmla="*/ 0 w 3181350"/>
+              <a:gd name="connsiteY4" fmla="*/ 0 h 1714500"/>
+            </a:gdLst>
+            <a:ahLst/>
+            <a:cxnLst>
+              <a:cxn ang="0">
+                <a:pos x="connsiteX0" y="connsiteY0"/>
+              </a:cxn>
+              <a:cxn ang="0">
+                <a:pos x="connsiteX1" y="connsiteY1"/>
+              </a:cxn>
+              <a:cxn ang="0">
+                <a:pos x="connsiteX2" y="connsiteY2"/>
+              </a:cxn>
+              <a:cxn ang="0">
+                <a:pos x="connsiteX3" y="connsiteY3"/>
+              </a:cxn>
+              <a:cxn ang="0">
+                <a:pos x="connsiteX4" y="connsiteY4"/>
+              </a:cxn>
+            </a:cxnLst>
+            <a:rect l="l" t="t" r="r" b="b"/>
+            <a:pathLst>
+              <a:path w="3181350" h="1714500">
+                <a:moveTo>
+                  <a:pt x="0" y="0"/>
+                </a:moveTo>
+                <a:lnTo>
+                  <a:pt x="2857500" y="3175"/>
+                </a:lnTo>
+                <a:lnTo>
+                  <a:pt x="3181350" y="120650"/>
+                </a:lnTo>
+                <a:cubicBezTo>
+                  <a:pt x="3180292" y="651933"/>
+                  <a:pt x="3179233" y="1183217"/>
+                  <a:pt x="3178175" y="1714500"/>
+                </a:cubicBezTo>
+                <a:lnTo>
+                  <a:pt x="0" y="0"/>
+                </a:lnTo>
+                <a:close/>
+              </a:path>
+            </a:pathLst>
+          </a:custGeom>
+          <a:solidFill>
+            <a:srgbClr val="6D7FCC">
+              <a:alpha val="55000"/>
+            </a:srgbClr>
+          </a:solidFill>
+          <a:ln w="19050"/>
+        </p:spPr>
+        <p:style>
+          <a:lnRef idx="2">
+            <a:schemeClr val="accent1">
+              <a:shade val="50000"/>
+            </a:schemeClr>
+          </a:lnRef>
+          <a:fillRef idx="1">
+            <a:schemeClr val="accent1"/>
+          </a:fillRef>
+          <a:effectRef idx="0">
+            <a:schemeClr val="accent1"/>
+          </a:effectRef>
+          <a:fontRef idx="minor">
+            <a:schemeClr val="lt1"/>
+          </a:fontRef>
+        </p:style>
+        <p:txBody>
+          <a:bodyPr rtlCol="0" anchor="ctr"/>
+          <a:lstStyle/>
+          <a:p>
+            <a:pPr algn="ctr"/>
+            <a:endParaRPr lang="ru-RU" dirty="0"/>
+          </a:p>
+        </p:txBody>
+      </p:sp>
+      <p:sp>
+        <p:nvSpPr>
+          <p:cNvPr id="52" name="Полилиния: фигура 51">
+            <a:extLst>
+              <a:ext uri="{FF2B5EF4-FFF2-40B4-BE49-F238E27FC236}">
+                <a16:creationId xmlns:a16="http://schemas.microsoft.com/office/drawing/2014/main" id="{6FF01073-58D2-4C15-B472-DB5AB66B5351}"/>
+              </a:ext>
+            </a:extLst>
+          </p:cNvPr>
+          <p:cNvSpPr/>
+          <p:nvPr/>
+        </p:nvSpPr>
+        <p:spPr>
+          <a:xfrm>
+            <a:off x="2416175" y="473075"/>
+            <a:ext cx="3178175" cy="1123950"/>
+          </a:xfrm>
+          <a:custGeom>
+            <a:avLst/>
+            <a:gdLst>
+              <a:gd name="connsiteX0" fmla="*/ 0 w 3178175"/>
+              <a:gd name="connsiteY0" fmla="*/ 1123950 h 1123950"/>
+              <a:gd name="connsiteX1" fmla="*/ 2863850 w 3178175"/>
+              <a:gd name="connsiteY1" fmla="*/ 1123950 h 1123950"/>
+              <a:gd name="connsiteX2" fmla="*/ 3178175 w 3178175"/>
+              <a:gd name="connsiteY2" fmla="*/ 1028700 h 1123950"/>
+              <a:gd name="connsiteX3" fmla="*/ 3175000 w 3178175"/>
+              <a:gd name="connsiteY3" fmla="*/ 0 h 1123950"/>
+              <a:gd name="connsiteX4" fmla="*/ 0 w 3178175"/>
+              <a:gd name="connsiteY4" fmla="*/ 1123950 h 1123950"/>
+            </a:gdLst>
+            <a:ahLst/>
+            <a:cxnLst>
+              <a:cxn ang="0">
+                <a:pos x="connsiteX0" y="connsiteY0"/>
+              </a:cxn>
+              <a:cxn ang="0">
+                <a:pos x="connsiteX1" y="connsiteY1"/>
+              </a:cxn>
+              <a:cxn ang="0">
+                <a:pos x="connsiteX2" y="connsiteY2"/>
+              </a:cxn>
+              <a:cxn ang="0">
+                <a:pos x="connsiteX3" y="connsiteY3"/>
+              </a:cxn>
+              <a:cxn ang="0">
+                <a:pos x="connsiteX4" y="connsiteY4"/>
+              </a:cxn>
+            </a:cxnLst>
+            <a:rect l="l" t="t" r="r" b="b"/>
+            <a:pathLst>
+              <a:path w="3178175" h="1123950">
+                <a:moveTo>
+                  <a:pt x="0" y="1123950"/>
+                </a:moveTo>
+                <a:lnTo>
+                  <a:pt x="2863850" y="1123950"/>
+                </a:lnTo>
+                <a:lnTo>
+                  <a:pt x="3178175" y="1028700"/>
+                </a:lnTo>
+                <a:cubicBezTo>
+                  <a:pt x="3177117" y="685800"/>
+                  <a:pt x="3176058" y="342900"/>
+                  <a:pt x="3175000" y="0"/>
+                </a:cubicBezTo>
+                <a:lnTo>
+                  <a:pt x="0" y="1123950"/>
+                </a:lnTo>
+                <a:close/>
+              </a:path>
+            </a:pathLst>
+          </a:custGeom>
+          <a:solidFill>
+            <a:srgbClr val="6D7FCC">
+              <a:alpha val="55000"/>
+            </a:srgbClr>
+          </a:solidFill>
+          <a:ln w="19050"/>
+        </p:spPr>
+        <p:style>
+          <a:lnRef idx="2">
+            <a:schemeClr val="accent1">
+              <a:shade val="50000"/>
+            </a:schemeClr>
+          </a:lnRef>
+          <a:fillRef idx="1">
+            <a:schemeClr val="accent1"/>
+          </a:fillRef>
+          <a:effectRef idx="0">
+            <a:schemeClr val="accent1"/>
+          </a:effectRef>
+          <a:fontRef idx="minor">
+            <a:schemeClr val="lt1"/>
+          </a:fontRef>
+        </p:style>
+        <p:txBody>
+          <a:bodyPr rtlCol="0" anchor="ctr"/>
+          <a:lstStyle/>
+          <a:p>
+            <a:pPr algn="ctr"/>
+            <a:endParaRPr lang="ru-RU"/>
+          </a:p>
+        </p:txBody>
+      </p:sp>
+      <p:sp>
+        <p:nvSpPr>
+          <p:cNvPr id="53" name="Прямоугольник 52">
+            <a:extLst>
+              <a:ext uri="{FF2B5EF4-FFF2-40B4-BE49-F238E27FC236}">
+                <a16:creationId xmlns:a16="http://schemas.microsoft.com/office/drawing/2014/main" id="{CB54F9F3-DDB9-4195-877B-A55C2F3267C4}"/>
+              </a:ext>
+            </a:extLst>
+          </p:cNvPr>
+          <p:cNvSpPr/>
+          <p:nvPr/>
+        </p:nvSpPr>
+        <p:spPr>
+          <a:xfrm>
+            <a:off x="2415673" y="1595438"/>
+            <a:ext cx="2862908" cy="595790"/>
+          </a:xfrm>
+          <a:prstGeom prst="rect">
+            <a:avLst/>
+          </a:prstGeom>
+          <a:noFill/>
+          <a:ln w="22225"/>
+        </p:spPr>
+        <p:style>
+          <a:lnRef idx="2">
+            <a:schemeClr val="accent1">
+              <a:shade val="50000"/>
+            </a:schemeClr>
+          </a:lnRef>
+          <a:fillRef idx="1">
+            <a:schemeClr val="accent1"/>
+          </a:fillRef>
+          <a:effectRef idx="0">
+            <a:schemeClr val="accent1"/>
+          </a:effectRef>
+          <a:fontRef idx="minor">
+            <a:schemeClr val="lt1"/>
+          </a:fontRef>
+        </p:style>
+        <p:txBody>
+          <a:bodyPr rtlCol="0" anchor="ctr"/>
+          <a:lstStyle/>
+          <a:p>
+            <a:pPr algn="ctr"/>
+            <a:endParaRPr lang="ru-RU"/>
+          </a:p>
+        </p:txBody>
+      </p:sp>
+      <p:sp>
+        <p:nvSpPr>
+          <p:cNvPr id="54" name="Прямоугольный треугольник 53">
+            <a:extLst>
+              <a:ext uri="{FF2B5EF4-FFF2-40B4-BE49-F238E27FC236}">
+                <a16:creationId xmlns:a16="http://schemas.microsoft.com/office/drawing/2014/main" id="{816FD197-7FD9-4782-93D3-53462D5A8EE1}"/>
+              </a:ext>
+            </a:extLst>
+          </p:cNvPr>
+          <p:cNvSpPr/>
+          <p:nvPr/>
+        </p:nvSpPr>
+        <p:spPr>
+          <a:xfrm flipH="1">
+            <a:off x="2098489" y="1591853"/>
+            <a:ext cx="302987" cy="579847"/>
+          </a:xfrm>
+          <a:prstGeom prst="rtTriangle">
+            <a:avLst/>
+          </a:prstGeom>
+          <a:solidFill>
+            <a:srgbClr val="F8F9FA"/>
+          </a:solidFill>
+          <a:ln>
+            <a:noFill/>
+          </a:ln>
+        </p:spPr>
+        <p:style>
+          <a:lnRef idx="2">
+            <a:schemeClr val="accent1">
+              <a:shade val="50000"/>
+            </a:schemeClr>
+          </a:lnRef>
+          <a:fillRef idx="1">
+            <a:schemeClr val="accent1"/>
+          </a:fillRef>
+          <a:effectRef idx="0">
+            <a:schemeClr val="accent1"/>
+          </a:effectRef>
+          <a:fontRef idx="minor">
+            <a:schemeClr val="lt1"/>
+          </a:fontRef>
+        </p:style>
+        <p:txBody>
+          <a:bodyPr rtlCol="0" anchor="ctr"/>
+          <a:lstStyle/>
+          <a:p>
+            <a:pPr algn="ctr"/>
+            <a:endParaRPr lang="ru-RU"/>
+          </a:p>
+        </p:txBody>
+      </p:sp>
+      <p:sp>
+        <p:nvSpPr>
+          <p:cNvPr id="55" name="Полилиния: фигура 54">
+            <a:extLst>
+              <a:ext uri="{FF2B5EF4-FFF2-40B4-BE49-F238E27FC236}">
+                <a16:creationId xmlns:a16="http://schemas.microsoft.com/office/drawing/2014/main" id="{27418C9F-F27A-4046-BECC-D903AAAADFF3}"/>
+              </a:ext>
+            </a:extLst>
+          </p:cNvPr>
+          <p:cNvSpPr/>
+          <p:nvPr/>
+        </p:nvSpPr>
+        <p:spPr>
+          <a:xfrm>
+            <a:off x="2385925" y="1590675"/>
+            <a:ext cx="7231" cy="23813"/>
+          </a:xfrm>
+          <a:custGeom>
+            <a:avLst/>
+            <a:gdLst>
+              <a:gd name="connsiteX0" fmla="*/ 7231 w 7231"/>
+              <a:gd name="connsiteY0" fmla="*/ 0 h 23813"/>
+              <a:gd name="connsiteX1" fmla="*/ 88 w 7231"/>
+              <a:gd name="connsiteY1" fmla="*/ 23813 h 23813"/>
+            </a:gdLst>
+            <a:ahLst/>
+            <a:cxnLst>
+              <a:cxn ang="0">
+                <a:pos x="connsiteX0" y="connsiteY0"/>
+              </a:cxn>
+              <a:cxn ang="0">
+                <a:pos x="connsiteX1" y="connsiteY1"/>
+              </a:cxn>
+            </a:cxnLst>
+            <a:rect l="l" t="t" r="r" b="b"/>
+            <a:pathLst>
+              <a:path w="7231" h="23813">
+                <a:moveTo>
+                  <a:pt x="7231" y="0"/>
+                </a:moveTo>
+                <a:cubicBezTo>
+                  <a:pt x="-1332" y="17128"/>
+                  <a:pt x="88" y="8963"/>
+                  <a:pt x="88" y="23813"/>
+                </a:cubicBezTo>
+              </a:path>
+            </a:pathLst>
+          </a:custGeom>
+          <a:noFill/>
+        </p:spPr>
+        <p:style>
+          <a:lnRef idx="2">
+            <a:schemeClr val="accent1">
+              <a:shade val="50000"/>
+            </a:schemeClr>
+          </a:lnRef>
+          <a:fillRef idx="1">
+            <a:schemeClr val="accent1"/>
+          </a:fillRef>
+          <a:effectRef idx="0">
+            <a:schemeClr val="accent1"/>
+          </a:effectRef>
+          <a:fontRef idx="minor">
+            <a:schemeClr val="lt1"/>
+          </a:fontRef>
+        </p:style>
+        <p:txBody>
+          <a:bodyPr rtlCol="0" anchor="ctr"/>
+          <a:lstStyle/>
+          <a:p>
+            <a:pPr algn="ctr"/>
+            <a:endParaRPr lang="ru-RU"/>
+          </a:p>
+        </p:txBody>
+      </p:sp>
+      <p:sp>
+        <p:nvSpPr>
+          <p:cNvPr id="57" name="Полилиния: фигура 56">
+            <a:extLst>
+              <a:ext uri="{FF2B5EF4-FFF2-40B4-BE49-F238E27FC236}">
+                <a16:creationId xmlns:a16="http://schemas.microsoft.com/office/drawing/2014/main" id="{7F4841AD-A2E4-418E-9566-A9118D18576C}"/>
+              </a:ext>
+            </a:extLst>
+          </p:cNvPr>
+          <p:cNvSpPr/>
+          <p:nvPr/>
+        </p:nvSpPr>
+        <p:spPr>
+          <a:xfrm>
+            <a:off x="2336007" y="1587281"/>
+            <a:ext cx="57149" cy="77212"/>
+          </a:xfrm>
+          <a:custGeom>
+            <a:avLst/>
+            <a:gdLst>
+              <a:gd name="connsiteX0" fmla="*/ 59532 w 61913"/>
+              <a:gd name="connsiteY0" fmla="*/ 0 h 73818"/>
+              <a:gd name="connsiteX1" fmla="*/ 0 w 61913"/>
+              <a:gd name="connsiteY1" fmla="*/ 59531 h 73818"/>
+              <a:gd name="connsiteX2" fmla="*/ 61913 w 61913"/>
+              <a:gd name="connsiteY2" fmla="*/ 73818 h 73818"/>
+              <a:gd name="connsiteX3" fmla="*/ 59532 w 61913"/>
+              <a:gd name="connsiteY3" fmla="*/ 0 h 73818"/>
+            </a:gdLst>
+            <a:ahLst/>
+            <a:cxnLst>
+              <a:cxn ang="0">
+                <a:pos x="connsiteX0" y="connsiteY0"/>
+              </a:cxn>
+              <a:cxn ang="0">
+                <a:pos x="connsiteX1" y="connsiteY1"/>
+              </a:cxn>
+              <a:cxn ang="0">
+                <a:pos x="connsiteX2" y="connsiteY2"/>
+              </a:cxn>
+              <a:cxn ang="0">
+                <a:pos x="connsiteX3" y="connsiteY3"/>
+              </a:cxn>
+            </a:cxnLst>
+            <a:rect l="l" t="t" r="r" b="b"/>
+            <a:pathLst>
+              <a:path w="61913" h="73818">
+                <a:moveTo>
+                  <a:pt x="59532" y="0"/>
+                </a:moveTo>
+                <a:lnTo>
+                  <a:pt x="0" y="59531"/>
+                </a:lnTo>
+                <a:lnTo>
+                  <a:pt x="61913" y="73818"/>
+                </a:lnTo>
+                <a:cubicBezTo>
+                  <a:pt x="61119" y="49212"/>
+                  <a:pt x="60326" y="24606"/>
+                  <a:pt x="59532" y="0"/>
+                </a:cubicBezTo>
+                <a:close/>
+              </a:path>
+            </a:pathLst>
+          </a:custGeom>
+          <a:solidFill>
+            <a:srgbClr val="F8F9FA"/>
+          </a:solidFill>
+          <a:ln w="15875">
+            <a:solidFill>
+              <a:srgbClr val="F8F9FA"/>
+            </a:solidFill>
+          </a:ln>
+        </p:spPr>
+        <p:style>
+          <a:lnRef idx="2">
+            <a:schemeClr val="accent1">
+              <a:shade val="50000"/>
+            </a:schemeClr>
+          </a:lnRef>
+          <a:fillRef idx="1">
+            <a:schemeClr val="accent1"/>
+          </a:fillRef>
+          <a:effectRef idx="0">
+            <a:schemeClr val="accent1"/>
+          </a:effectRef>
+          <a:fontRef idx="minor">
+            <a:schemeClr val="lt1"/>
+          </a:fontRef>
+        </p:style>
+        <p:txBody>
+          <a:bodyPr rtlCol="0" anchor="ctr"/>
+          <a:lstStyle/>
+          <a:p>
+            <a:pPr algn="ctr"/>
+            <a:endParaRPr lang="ru-RU"/>
+          </a:p>
+        </p:txBody>
+      </p:sp>
+      <p:sp>
+        <p:nvSpPr>
+          <p:cNvPr id="58" name="Прямоугольник 57">
+            <a:extLst>
+              <a:ext uri="{FF2B5EF4-FFF2-40B4-BE49-F238E27FC236}">
+                <a16:creationId xmlns:a16="http://schemas.microsoft.com/office/drawing/2014/main" id="{B4753FD6-CD48-47E6-B96E-65A12FC6FCB5}"/>
+              </a:ext>
+            </a:extLst>
+          </p:cNvPr>
+          <p:cNvSpPr/>
+          <p:nvPr/>
+        </p:nvSpPr>
+        <p:spPr>
+          <a:xfrm>
+            <a:off x="2355757" y="2171700"/>
+            <a:ext cx="45719" cy="64294"/>
+          </a:xfrm>
+          <a:prstGeom prst="rect">
+            <a:avLst/>
+          </a:prstGeom>
+          <a:solidFill>
+            <a:srgbClr val="F8F9FA"/>
+          </a:solidFill>
+          <a:ln>
+            <a:noFill/>
+          </a:ln>
+        </p:spPr>
+        <p:style>
+          <a:lnRef idx="2">
+            <a:schemeClr val="accent1">
+              <a:shade val="50000"/>
+            </a:schemeClr>
+          </a:lnRef>
+          <a:fillRef idx="1">
+            <a:schemeClr val="accent1"/>
+          </a:fillRef>
+          <a:effectRef idx="0">
+            <a:schemeClr val="accent1"/>
+          </a:effectRef>
+          <a:fontRef idx="minor">
+            <a:schemeClr val="lt1"/>
+          </a:fontRef>
+        </p:style>
+        <p:txBody>
+          <a:bodyPr rtlCol="0" anchor="ctr"/>
+          <a:lstStyle/>
+          <a:p>
+            <a:pPr algn="ctr"/>
+            <a:endParaRPr lang="ru-RU"/>
+          </a:p>
+        </p:txBody>
+      </p:sp>
+    </p:spTree>
+    <p:extLst>
+      <p:ext uri="{BB962C8B-B14F-4D97-AF65-F5344CB8AC3E}">
+        <p14:creationId xmlns:p14="http://schemas.microsoft.com/office/powerpoint/2010/main" val="4109989886"/>
+      </p:ext>
+    </p:extLst>
+  </p:cSld>
+  <p:clrMapOvr>
+    <a:masterClrMapping/>
+  </p:clrMapOvr>
+</p:sld>
+</file>
+
+<file path=ppt/slides/slide5.xml><?xml version="1.0" encoding="utf-8"?>
+<p:sld xmlns:a="http://schemas.openxmlformats.org/drawingml/2006/main" xmlns:r="http://schemas.openxmlformats.org/officeDocument/2006/relationships" xmlns:p="http://schemas.openxmlformats.org/presentationml/2006/main">
+  <p:cSld>
+    <p:bg>
+      <p:bgPr>
+        <a:solidFill>
+          <a:schemeClr val="bg1"/>
+        </a:solidFill>
+        <a:effectLst/>
+      </p:bgPr>
+    </p:bg>
+    <p:spTree>
+      <p:nvGrpSpPr>
+        <p:cNvPr id="1" name=""/>
+        <p:cNvGrpSpPr/>
+        <p:nvPr/>
+      </p:nvGrpSpPr>
+      <p:grpSpPr>
+        <a:xfrm>
+          <a:off x="0" y="0"/>
+          <a:ext cx="0" cy="0"/>
+          <a:chOff x="0" y="0"/>
+          <a:chExt cx="0" cy="0"/>
+        </a:xfrm>
+      </p:grpSpPr>
+      <p:sp>
+        <p:nvSpPr>
+          <p:cNvPr id="2" name="Заголовок 1">
+            <a:extLst>
+              <a:ext uri="{FF2B5EF4-FFF2-40B4-BE49-F238E27FC236}">
+                <a16:creationId xmlns:a16="http://schemas.microsoft.com/office/drawing/2014/main" id="{EB9FA890-C02A-481B-8B56-0DBDD211AF86}"/>
+              </a:ext>
+            </a:extLst>
+          </p:cNvPr>
+          <p:cNvSpPr>
+            <a:spLocks noGrp="1"/>
+          </p:cNvSpPr>
+          <p:nvPr>
+            <p:ph type="title"/>
+          </p:nvPr>
+        </p:nvSpPr>
+        <p:spPr>
+          <a:xfrm>
+            <a:off x="642996" y="4571216"/>
+            <a:ext cx="10906008" cy="1115415"/>
+          </a:xfrm>
+        </p:spPr>
+        <p:txBody>
+          <a:bodyPr vert="horz" lIns="91440" tIns="45720" rIns="91440" bIns="45720" rtlCol="0" anchor="b">
+            <a:normAutofit/>
+          </a:bodyPr>
+          <a:lstStyle/>
+          <a:p>
+            <a:pPr algn="ctr"/>
+            <a:r>
+              <a:rPr lang="ru-RU" sz="6000" dirty="0"/>
+              <a:t>Создание очередей</a:t>
+            </a:r>
+            <a:endParaRPr lang="en-US" sz="6000" dirty="0"/>
+          </a:p>
+        </p:txBody>
+      </p:sp>
+      <p:pic>
+        <p:nvPicPr>
+          <p:cNvPr id="30" name="Объект 29" descr="Изображение выглядит как снимок экрана&#10;&#10;Автоматически созданное описание">
+            <a:extLst>
+              <a:ext uri="{FF2B5EF4-FFF2-40B4-BE49-F238E27FC236}">
+                <a16:creationId xmlns:a16="http://schemas.microsoft.com/office/drawing/2014/main" id="{76D3BE79-5CEC-4723-84E8-E7D2B3CA66B0}"/>
+              </a:ext>
+            </a:extLst>
+          </p:cNvPr>
+          <p:cNvPicPr>
+            <a:picLocks noGrp="1" noChangeAspect="1"/>
+          </p:cNvPicPr>
+          <p:nvPr>
+            <p:ph idx="1"/>
+          </p:nvPr>
+        </p:nvPicPr>
+        <p:blipFill>
+          <a:blip r:embed="rId2">
+            <a:extLst>
+              <a:ext uri="{28A0092B-C50C-407E-A947-70E740481C1C}">
+                <a14:useLocalDpi xmlns:a14="http://schemas.microsoft.com/office/drawing/2010/main" val="0"/>
+              </a:ext>
+            </a:extLst>
+          </a:blip>
+          <a:stretch>
+            <a:fillRect/>
+          </a:stretch>
+        </p:blipFill>
+        <p:spPr>
+          <a:xfrm>
+            <a:off x="924078" y="476573"/>
+            <a:ext cx="2644845" cy="3774916"/>
+          </a:xfrm>
+          <a:prstGeom prst="rect">
+            <a:avLst/>
+          </a:prstGeom>
+          <a:ln w="3175">
+            <a:solidFill>
+              <a:srgbClr val="A0A0A0"/>
+            </a:solidFill>
+          </a:ln>
+          <a:effectLst>
+            <a:outerShdw blurRad="292100" dist="139700" dir="2700000" algn="tl" rotWithShape="0">
+              <a:srgbClr val="333333">
+                <a:alpha val="65000"/>
+              </a:srgbClr>
+            </a:outerShdw>
+          </a:effectLst>
+        </p:spPr>
+      </p:pic>
+      <p:pic>
+        <p:nvPicPr>
+          <p:cNvPr id="35" name="Рисунок 34" descr="Изображение выглядит как снимок экрана&#10;&#10;Автоматически созданное описание">
+            <a:extLst>
+              <a:ext uri="{FF2B5EF4-FFF2-40B4-BE49-F238E27FC236}">
+                <a16:creationId xmlns:a16="http://schemas.microsoft.com/office/drawing/2014/main" id="{6846C6D5-8D12-4A9F-9064-F4A6FD93FC6C}"/>
+              </a:ext>
+            </a:extLst>
+          </p:cNvPr>
+          <p:cNvPicPr>
+            <a:picLocks noChangeAspect="1"/>
+          </p:cNvPicPr>
+          <p:nvPr/>
+        </p:nvPicPr>
+        <p:blipFill>
+          <a:blip r:embed="rId3">
+            <a:extLst>
+              <a:ext uri="{28A0092B-C50C-407E-A947-70E740481C1C}">
+                <a14:useLocalDpi xmlns:a14="http://schemas.microsoft.com/office/drawing/2010/main" val="0"/>
+              </a:ext>
+            </a:extLst>
+          </a:blip>
+          <a:stretch>
+            <a:fillRect/>
+          </a:stretch>
+        </p:blipFill>
+        <p:spPr>
+          <a:xfrm>
+            <a:off x="4773577" y="476573"/>
+            <a:ext cx="2644845" cy="3774916"/>
+          </a:xfrm>
+          <a:prstGeom prst="rect">
+            <a:avLst/>
+          </a:prstGeom>
+          <a:ln w="3175">
+            <a:solidFill>
+              <a:srgbClr val="A0A0A0"/>
+            </a:solidFill>
+          </a:ln>
+          <a:effectLst>
+            <a:outerShdw blurRad="292100" dist="139700" dir="2700000" algn="tl" rotWithShape="0">
+              <a:srgbClr val="333333">
+                <a:alpha val="65000"/>
+              </a:srgbClr>
+            </a:outerShdw>
+          </a:effectLst>
+        </p:spPr>
+      </p:pic>
+      <p:pic>
+        <p:nvPicPr>
+          <p:cNvPr id="49" name="Рисунок 48" descr="Изображение выглядит как снимок экрана&#10;&#10;Автоматически созданное описание">
+            <a:extLst>
+              <a:ext uri="{FF2B5EF4-FFF2-40B4-BE49-F238E27FC236}">
+                <a16:creationId xmlns:a16="http://schemas.microsoft.com/office/drawing/2014/main" id="{FCF5231D-4D25-4781-82E8-16D682F8B1D0}"/>
+              </a:ext>
+            </a:extLst>
+          </p:cNvPr>
+          <p:cNvPicPr>
+            <a:picLocks noChangeAspect="1"/>
+          </p:cNvPicPr>
+          <p:nvPr/>
+        </p:nvPicPr>
+        <p:blipFill>
+          <a:blip r:embed="rId4">
+            <a:extLst>
+              <a:ext uri="{28A0092B-C50C-407E-A947-70E740481C1C}">
+                <a14:useLocalDpi xmlns:a14="http://schemas.microsoft.com/office/drawing/2010/main" val="0"/>
+              </a:ext>
+            </a:extLst>
+          </a:blip>
+          <a:stretch>
+            <a:fillRect/>
+          </a:stretch>
+        </p:blipFill>
+        <p:spPr>
+          <a:xfrm>
+            <a:off x="8607961" y="476573"/>
+            <a:ext cx="2644845" cy="3774916"/>
+          </a:xfrm>
+          <a:prstGeom prst="rect">
+            <a:avLst/>
+          </a:prstGeom>
+          <a:ln w="3175">
+            <a:solidFill>
+              <a:srgbClr val="A0A0A0"/>
+            </a:solidFill>
+          </a:ln>
+          <a:effectLst>
+            <a:outerShdw blurRad="292100" dist="139700" dir="2700000" algn="tl" rotWithShape="0">
+              <a:srgbClr val="333333">
+                <a:alpha val="65000"/>
+              </a:srgbClr>
+            </a:outerShdw>
+          </a:effectLst>
+        </p:spPr>
+      </p:pic>
+      <p:cxnSp>
+        <p:nvCxnSpPr>
+          <p:cNvPr id="61" name="Straight Connector 60">
+            <a:extLst>
+              <a:ext uri="{FF2B5EF4-FFF2-40B4-BE49-F238E27FC236}">
+                <a16:creationId xmlns:a16="http://schemas.microsoft.com/office/drawing/2014/main" id="{8F880EF2-DF79-4D9D-8F11-E91D48C79741}"/>
+              </a:ext>
+              <a:ext uri="{C183D7F6-B498-43B3-948B-1728B52AA6E4}">
+                <adec:decorative xmlns:adec="http://schemas.microsoft.com/office/drawing/2017/decorative" val="1"/>
+              </a:ext>
+            </a:extLst>
+          </p:cNvPr>
+          <p:cNvCxnSpPr>
+            <a:cxnSpLocks noGrp="1" noRot="1" noChangeAspect="1" noMove="1" noResize="1" noEditPoints="1" noAdjustHandles="1" noChangeArrowheads="1" noChangeShapeType="1"/>
+          </p:cNvCxnSpPr>
+          <p:nvPr>
+            <p:extLst>
+              <p:ext uri="{386F3935-93C4-4BCD-93E2-E3B085C9AB24}">
+                <p16:designElem xmlns:p16="http://schemas.microsoft.com/office/powerpoint/2015/main" val="1"/>
+              </p:ext>
+            </p:extLst>
+          </p:nvPr>
+        </p:nvCxnSpPr>
+        <p:spPr>
+          <a:xfrm>
+            <a:off x="1524000" y="5778706"/>
+            <a:ext cx="9144000" cy="0"/>
+          </a:xfrm>
+          <a:prstGeom prst="line">
+            <a:avLst/>
+          </a:prstGeom>
+          <a:ln w="19050">
+            <a:solidFill>
+              <a:srgbClr val="3191FF"/>
+            </a:solidFill>
+          </a:ln>
+        </p:spPr>
+        <p:style>
+          <a:lnRef idx="1">
+            <a:schemeClr val="accent1"/>
+          </a:lnRef>
+          <a:fillRef idx="0">
+            <a:schemeClr val="accent1"/>
+          </a:fillRef>
+          <a:effectRef idx="0">
+            <a:schemeClr val="accent1"/>
+          </a:effectRef>
+          <a:fontRef idx="minor">
+            <a:schemeClr val="tx1"/>
+          </a:fontRef>
+        </p:style>
+      </p:cxnSp>
+    </p:spTree>
+    <p:extLst>
+      <p:ext uri="{BB962C8B-B14F-4D97-AF65-F5344CB8AC3E}">
+        <p14:creationId xmlns:p14="http://schemas.microsoft.com/office/powerpoint/2010/main" val="1562946839"/>
+      </p:ext>
+    </p:extLst>
+  </p:cSld>
+  <p:clrMapOvr>
+    <a:masterClrMapping/>
+  </p:clrMapOvr>
+</p:sld>
+</file>
+
 <file path=ppt/theme/theme1.xml><?xml version="1.0" encoding="utf-8"?>
 <a:theme xmlns:a="http://schemas.openxmlformats.org/drawingml/2006/main" name="Тема Office">
   <a:themeElements>

--- a/Helios.pptx
+++ b/Helios.pptx
@@ -10,6 +10,9 @@
     <p:sldId id="259" r:id="rId4"/>
     <p:sldId id="260" r:id="rId5"/>
     <p:sldId id="261" r:id="rId6"/>
+    <p:sldId id="262" r:id="rId7"/>
+    <p:sldId id="263" r:id="rId8"/>
+    <p:sldId id="264" r:id="rId9"/>
   </p:sldIdLst>
   <p:sldSz cx="12192000" cy="6858000"/>
   <p:notesSz cx="6858000" cy="9144000"/>
@@ -4414,8 +4417,8 @@
         </p:nvSpPr>
         <p:spPr>
           <a:xfrm>
-            <a:off x="638629" y="1857829"/>
-            <a:ext cx="1431471" cy="2989942"/>
+            <a:off x="638630" y="1857829"/>
+            <a:ext cx="1417274" cy="2989942"/>
           </a:xfrm>
           <a:prstGeom prst="rect">
             <a:avLst/>
@@ -4549,49 +4552,6 @@
           <a:xfrm>
             <a:off x="2070100" y="4847771"/>
             <a:ext cx="1753458" cy="1740480"/>
-          </a:xfrm>
-          <a:prstGeom prst="line">
-            <a:avLst/>
-          </a:prstGeom>
-          <a:ln w="12700">
-            <a:solidFill>
-              <a:schemeClr val="tx1"/>
-            </a:solidFill>
-          </a:ln>
-        </p:spPr>
-        <p:style>
-          <a:lnRef idx="1">
-            <a:schemeClr val="accent1"/>
-          </a:lnRef>
-          <a:fillRef idx="0">
-            <a:schemeClr val="accent1"/>
-          </a:fillRef>
-          <a:effectRef idx="0">
-            <a:schemeClr val="accent1"/>
-          </a:effectRef>
-          <a:fontRef idx="minor">
-            <a:schemeClr val="tx1"/>
-          </a:fontRef>
-        </p:style>
-      </p:cxnSp>
-      <p:cxnSp>
-        <p:nvCxnSpPr>
-          <p:cNvPr id="23" name="Прямая соединительная линия 22">
-            <a:extLst>
-              <a:ext uri="{FF2B5EF4-FFF2-40B4-BE49-F238E27FC236}">
-                <a16:creationId xmlns:a16="http://schemas.microsoft.com/office/drawing/2014/main" id="{3507C060-27CD-4CA9-94C1-66871203027D}"/>
-              </a:ext>
-            </a:extLst>
-          </p:cNvPr>
-          <p:cNvCxnSpPr>
-            <a:cxnSpLocks/>
-          </p:cNvCxnSpPr>
-          <p:nvPr/>
-        </p:nvCxnSpPr>
-        <p:spPr>
-          <a:xfrm flipV="1">
-            <a:off x="2070100" y="292462"/>
-            <a:ext cx="1748620" cy="1565367"/>
           </a:xfrm>
           <a:prstGeom prst="line">
             <a:avLst/>
@@ -4893,72 +4853,6 @@
           </a:fontRef>
         </p:style>
       </p:cxnSp>
-      <p:pic>
-        <p:nvPicPr>
-          <p:cNvPr id="30" name="Рисунок 29" descr="Изображение выглядит как снимок экрана&#10;&#10;Автоматически созданное описание">
-            <a:extLst>
-              <a:ext uri="{FF2B5EF4-FFF2-40B4-BE49-F238E27FC236}">
-                <a16:creationId xmlns:a16="http://schemas.microsoft.com/office/drawing/2014/main" id="{93E2BFF8-B96F-4FE6-97C5-C5CEFA610784}"/>
-              </a:ext>
-            </a:extLst>
-          </p:cNvPr>
-          <p:cNvPicPr>
-            <a:picLocks noChangeAspect="1"/>
-          </p:cNvPicPr>
-          <p:nvPr/>
-        </p:nvPicPr>
-        <p:blipFill>
-          <a:blip r:embed="rId4">
-            <a:extLst>
-              <a:ext uri="{28A0092B-C50C-407E-A947-70E740481C1C}">
-                <a14:useLocalDpi xmlns:a14="http://schemas.microsoft.com/office/drawing/2010/main" val="0"/>
-              </a:ext>
-            </a:extLst>
-          </a:blip>
-          <a:stretch>
-            <a:fillRect/>
-          </a:stretch>
-        </p:blipFill>
-        <p:spPr>
-          <a:xfrm>
-            <a:off x="5595764" y="476189"/>
-            <a:ext cx="6567585" cy="3433190"/>
-          </a:xfrm>
-          <a:prstGeom prst="rect">
-            <a:avLst/>
-          </a:prstGeom>
-          <a:solidFill>
-            <a:srgbClr val="FFFFFF">
-              <a:shade val="85000"/>
-            </a:srgbClr>
-          </a:solidFill>
-          <a:ln w="6350" cap="sq">
-            <a:solidFill>
-              <a:srgbClr val="7030A0"/>
-            </a:solidFill>
-            <a:miter lim="800000"/>
-          </a:ln>
-          <a:effectLst>
-            <a:outerShdw blurRad="55000" dist="18000" dir="5400000" algn="tl" rotWithShape="0">
-              <a:srgbClr val="000000">
-                <a:alpha val="40000"/>
-              </a:srgbClr>
-            </a:outerShdw>
-          </a:effectLst>
-          <a:scene3d>
-            <a:camera prst="orthographicFront"/>
-            <a:lightRig rig="twoPt" dir="t">
-              <a:rot lat="0" lon="0" rev="7200000"/>
-            </a:lightRig>
-          </a:scene3d>
-          <a:sp3d>
-            <a:bevelT w="25400" h="19050"/>
-            <a:contourClr>
-              <a:srgbClr val="FFFFFF"/>
-            </a:contourClr>
-          </a:sp3d>
-        </p:spPr>
-      </p:pic>
       <p:sp>
         <p:nvSpPr>
           <p:cNvPr id="51" name="Полилиния: фигура 50">
@@ -5283,7 +5177,7 @@
         </p:nvSpPr>
         <p:spPr>
           <a:xfrm>
-            <a:off x="2385925" y="1590675"/>
+            <a:off x="2379157" y="1634235"/>
             <a:ext cx="7231" cy="23813"/>
           </a:xfrm>
           <a:custGeom>
@@ -5357,9 +5251,9 @@
           <p:nvPr/>
         </p:nvSpPr>
         <p:spPr>
-          <a:xfrm>
-            <a:off x="2336007" y="1587281"/>
-            <a:ext cx="57149" cy="77212"/>
+          <a:xfrm rot="3379833">
+            <a:off x="2296378" y="1547837"/>
+            <a:ext cx="65585" cy="106690"/>
           </a:xfrm>
           <a:custGeom>
             <a:avLst/>
@@ -5495,6 +5389,214 @@
           </a:p>
         </p:txBody>
       </p:sp>
+      <p:pic>
+        <p:nvPicPr>
+          <p:cNvPr id="30" name="Рисунок 29" descr="Изображение выглядит как снимок экрана&#10;&#10;Автоматически созданное описание">
+            <a:extLst>
+              <a:ext uri="{FF2B5EF4-FFF2-40B4-BE49-F238E27FC236}">
+                <a16:creationId xmlns:a16="http://schemas.microsoft.com/office/drawing/2014/main" id="{93E2BFF8-B96F-4FE6-97C5-C5CEFA610784}"/>
+              </a:ext>
+            </a:extLst>
+          </p:cNvPr>
+          <p:cNvPicPr>
+            <a:picLocks noChangeAspect="1"/>
+          </p:cNvPicPr>
+          <p:nvPr/>
+        </p:nvPicPr>
+        <p:blipFill>
+          <a:blip r:embed="rId4">
+            <a:extLst>
+              <a:ext uri="{28A0092B-C50C-407E-A947-70E740481C1C}">
+                <a14:useLocalDpi xmlns:a14="http://schemas.microsoft.com/office/drawing/2010/main" val="0"/>
+              </a:ext>
+            </a:extLst>
+          </a:blip>
+          <a:stretch>
+            <a:fillRect/>
+          </a:stretch>
+        </p:blipFill>
+        <p:spPr>
+          <a:xfrm>
+            <a:off x="5605463" y="466725"/>
+            <a:ext cx="6557886" cy="3442654"/>
+          </a:xfrm>
+          <a:prstGeom prst="rect">
+            <a:avLst/>
+          </a:prstGeom>
+          <a:solidFill>
+            <a:srgbClr val="FFFFFF">
+              <a:shade val="85000"/>
+            </a:srgbClr>
+          </a:solidFill>
+          <a:ln w="19050" cap="sq">
+            <a:solidFill>
+              <a:srgbClr val="2F528F"/>
+            </a:solidFill>
+            <a:miter lim="800000"/>
+          </a:ln>
+          <a:effectLst>
+            <a:outerShdw blurRad="55000" dist="18000" dir="5400000" algn="tl" rotWithShape="0">
+              <a:srgbClr val="000000">
+                <a:alpha val="40000"/>
+              </a:srgbClr>
+            </a:outerShdw>
+          </a:effectLst>
+          <a:scene3d>
+            <a:camera prst="orthographicFront"/>
+            <a:lightRig rig="twoPt" dir="t">
+              <a:rot lat="0" lon="0" rev="7200000"/>
+            </a:lightRig>
+          </a:scene3d>
+          <a:sp3d>
+            <a:bevelT w="25400" h="19050"/>
+            <a:contourClr>
+              <a:srgbClr val="FFFFFF"/>
+            </a:contourClr>
+          </a:sp3d>
+        </p:spPr>
+      </p:pic>
+      <p:cxnSp>
+        <p:nvCxnSpPr>
+          <p:cNvPr id="23" name="Прямая соединительная линия 22">
+            <a:extLst>
+              <a:ext uri="{FF2B5EF4-FFF2-40B4-BE49-F238E27FC236}">
+                <a16:creationId xmlns:a16="http://schemas.microsoft.com/office/drawing/2014/main" id="{3507C060-27CD-4CA9-94C1-66871203027D}"/>
+              </a:ext>
+            </a:extLst>
+          </p:cNvPr>
+          <p:cNvCxnSpPr>
+            <a:cxnSpLocks/>
+          </p:cNvCxnSpPr>
+          <p:nvPr/>
+        </p:nvCxnSpPr>
+        <p:spPr>
+          <a:xfrm flipV="1">
+            <a:off x="2055904" y="1593882"/>
+            <a:ext cx="358355" cy="263948"/>
+          </a:xfrm>
+          <a:prstGeom prst="line">
+            <a:avLst/>
+          </a:prstGeom>
+          <a:ln w="12700">
+            <a:solidFill>
+              <a:schemeClr val="tx1"/>
+            </a:solidFill>
+          </a:ln>
+        </p:spPr>
+        <p:style>
+          <a:lnRef idx="1">
+            <a:schemeClr val="accent1"/>
+          </a:lnRef>
+          <a:fillRef idx="0">
+            <a:schemeClr val="accent1"/>
+          </a:fillRef>
+          <a:effectRef idx="0">
+            <a:schemeClr val="accent1"/>
+          </a:effectRef>
+          <a:fontRef idx="minor">
+            <a:schemeClr val="tx1"/>
+          </a:fontRef>
+        </p:style>
+      </p:cxnSp>
+      <p:sp>
+        <p:nvSpPr>
+          <p:cNvPr id="26" name="Полилиния: фигура 25">
+            <a:extLst>
+              <a:ext uri="{FF2B5EF4-FFF2-40B4-BE49-F238E27FC236}">
+                <a16:creationId xmlns:a16="http://schemas.microsoft.com/office/drawing/2014/main" id="{137F73F4-6B9C-4811-B901-1CC5B49ED98F}"/>
+              </a:ext>
+            </a:extLst>
+          </p:cNvPr>
+          <p:cNvSpPr/>
+          <p:nvPr/>
+        </p:nvSpPr>
+        <p:spPr>
+          <a:xfrm rot="908683">
+            <a:off x="2322407" y="1632137"/>
+            <a:ext cx="57149" cy="77212"/>
+          </a:xfrm>
+          <a:custGeom>
+            <a:avLst/>
+            <a:gdLst>
+              <a:gd name="connsiteX0" fmla="*/ 59532 w 61913"/>
+              <a:gd name="connsiteY0" fmla="*/ 0 h 73818"/>
+              <a:gd name="connsiteX1" fmla="*/ 0 w 61913"/>
+              <a:gd name="connsiteY1" fmla="*/ 59531 h 73818"/>
+              <a:gd name="connsiteX2" fmla="*/ 61913 w 61913"/>
+              <a:gd name="connsiteY2" fmla="*/ 73818 h 73818"/>
+              <a:gd name="connsiteX3" fmla="*/ 59532 w 61913"/>
+              <a:gd name="connsiteY3" fmla="*/ 0 h 73818"/>
+            </a:gdLst>
+            <a:ahLst/>
+            <a:cxnLst>
+              <a:cxn ang="0">
+                <a:pos x="connsiteX0" y="connsiteY0"/>
+              </a:cxn>
+              <a:cxn ang="0">
+                <a:pos x="connsiteX1" y="connsiteY1"/>
+              </a:cxn>
+              <a:cxn ang="0">
+                <a:pos x="connsiteX2" y="connsiteY2"/>
+              </a:cxn>
+              <a:cxn ang="0">
+                <a:pos x="connsiteX3" y="connsiteY3"/>
+              </a:cxn>
+            </a:cxnLst>
+            <a:rect l="l" t="t" r="r" b="b"/>
+            <a:pathLst>
+              <a:path w="61913" h="73818">
+                <a:moveTo>
+                  <a:pt x="59532" y="0"/>
+                </a:moveTo>
+                <a:lnTo>
+                  <a:pt x="0" y="59531"/>
+                </a:lnTo>
+                <a:lnTo>
+                  <a:pt x="61913" y="73818"/>
+                </a:lnTo>
+                <a:cubicBezTo>
+                  <a:pt x="61119" y="49212"/>
+                  <a:pt x="60326" y="24606"/>
+                  <a:pt x="59532" y="0"/>
+                </a:cubicBezTo>
+                <a:close/>
+              </a:path>
+            </a:pathLst>
+          </a:custGeom>
+          <a:solidFill>
+            <a:srgbClr val="F8F9FA"/>
+          </a:solidFill>
+          <a:ln w="15875">
+            <a:solidFill>
+              <a:srgbClr val="F8F9FA"/>
+            </a:solidFill>
+          </a:ln>
+        </p:spPr>
+        <p:style>
+          <a:lnRef idx="2">
+            <a:schemeClr val="accent1">
+              <a:shade val="50000"/>
+            </a:schemeClr>
+          </a:lnRef>
+          <a:fillRef idx="1">
+            <a:schemeClr val="accent1"/>
+          </a:fillRef>
+          <a:effectRef idx="0">
+            <a:schemeClr val="accent1"/>
+          </a:effectRef>
+          <a:fontRef idx="minor">
+            <a:schemeClr val="lt1"/>
+          </a:fontRef>
+        </p:style>
+        <p:txBody>
+          <a:bodyPr rtlCol="0" anchor="ctr"/>
+          <a:lstStyle/>
+          <a:p>
+            <a:pPr algn="ctr"/>
+            <a:endParaRPr lang="ru-RU"/>
+          </a:p>
+        </p:txBody>
+      </p:sp>
     </p:spTree>
     <p:extLst>
       <p:ext uri="{BB962C8B-B14F-4D97-AF65-F5344CB8AC3E}">
@@ -5772,6 +5874,1686 @@
     <p:extLst>
       <p:ext uri="{BB962C8B-B14F-4D97-AF65-F5344CB8AC3E}">
         <p14:creationId xmlns:p14="http://schemas.microsoft.com/office/powerpoint/2010/main" val="1562946839"/>
+      </p:ext>
+    </p:extLst>
+  </p:cSld>
+  <p:clrMapOvr>
+    <a:masterClrMapping/>
+  </p:clrMapOvr>
+</p:sld>
+</file>
+
+<file path=ppt/slides/slide6.xml><?xml version="1.0" encoding="utf-8"?>
+<p:sld xmlns:a="http://schemas.openxmlformats.org/drawingml/2006/main" xmlns:r="http://schemas.openxmlformats.org/officeDocument/2006/relationships" xmlns:p="http://schemas.openxmlformats.org/presentationml/2006/main">
+  <p:cSld>
+    <p:bg>
+      <p:bgPr>
+        <a:solidFill>
+          <a:schemeClr val="bg1"/>
+        </a:solidFill>
+        <a:effectLst/>
+      </p:bgPr>
+    </p:bg>
+    <p:spTree>
+      <p:nvGrpSpPr>
+        <p:cNvPr id="1" name=""/>
+        <p:cNvGrpSpPr/>
+        <p:nvPr/>
+      </p:nvGrpSpPr>
+      <p:grpSpPr>
+        <a:xfrm>
+          <a:off x="0" y="0"/>
+          <a:ext cx="0" cy="0"/>
+          <a:chOff x="0" y="0"/>
+          <a:chExt cx="0" cy="0"/>
+        </a:xfrm>
+      </p:grpSpPr>
+      <p:sp>
+        <p:nvSpPr>
+          <p:cNvPr id="19" name="Rectangle: Top Corners Rounded 13">
+            <a:extLst>
+              <a:ext uri="{FF2B5EF4-FFF2-40B4-BE49-F238E27FC236}">
+                <a16:creationId xmlns:a16="http://schemas.microsoft.com/office/drawing/2014/main" id="{B1E3044D-AD17-4052-A453-8AA654EFAB6E}"/>
+              </a:ext>
+              <a:ext uri="{C183D7F6-B498-43B3-948B-1728B52AA6E4}">
+                <adec:decorative xmlns:adec="http://schemas.microsoft.com/office/drawing/2017/decorative" val="1"/>
+              </a:ext>
+            </a:extLst>
+          </p:cNvPr>
+          <p:cNvSpPr>
+            <a:spLocks noGrp="1" noRot="1" noChangeAspect="1" noMove="1" noResize="1" noEditPoints="1" noAdjustHandles="1" noChangeArrowheads="1" noChangeShapeType="1" noTextEdit="1"/>
+          </p:cNvSpPr>
+          <p:nvPr>
+            <p:extLst>
+              <p:ext uri="{386F3935-93C4-4BCD-93E2-E3B085C9AB24}">
+                <p16:designElem xmlns:p16="http://schemas.microsoft.com/office/powerpoint/2015/main" val="1"/>
+              </p:ext>
+            </p:extLst>
+          </p:nvPr>
+        </p:nvSpPr>
+        <p:spPr>
+          <a:xfrm rot="16200000">
+            <a:off x="6797978" y="996722"/>
+            <a:ext cx="5923488" cy="4864556"/>
+          </a:xfrm>
+          <a:prstGeom prst="round2SameRect">
+            <a:avLst>
+              <a:gd name="adj1" fmla="val 3762"/>
+              <a:gd name="adj2" fmla="val 0"/>
+            </a:avLst>
+          </a:prstGeom>
+          <a:solidFill>
+            <a:srgbClr val="404040"/>
+          </a:solidFill>
+          <a:ln>
+            <a:noFill/>
+          </a:ln>
+        </p:spPr>
+        <p:style>
+          <a:lnRef idx="2">
+            <a:schemeClr val="accent1">
+              <a:shade val="50000"/>
+            </a:schemeClr>
+          </a:lnRef>
+          <a:fillRef idx="1">
+            <a:schemeClr val="accent1"/>
+          </a:fillRef>
+          <a:effectRef idx="0">
+            <a:schemeClr val="accent1"/>
+          </a:effectRef>
+          <a:fontRef idx="minor">
+            <a:schemeClr val="lt1"/>
+          </a:fontRef>
+        </p:style>
+        <p:txBody>
+          <a:bodyPr rtlCol="0" anchor="ctr"/>
+          <a:lstStyle/>
+          <a:p>
+            <a:pPr marL="0" marR="0" lvl="0" indent="0" algn="ctr" defTabSz="914400" rtl="0" eaLnBrk="1" fontAlgn="auto" latinLnBrk="0" hangingPunct="1">
+              <a:lnSpc>
+                <a:spcPct val="100000"/>
+              </a:lnSpc>
+              <a:spcBef>
+                <a:spcPts val="0"/>
+              </a:spcBef>
+              <a:spcAft>
+                <a:spcPts val="0"/>
+              </a:spcAft>
+              <a:buClrTx/>
+              <a:buSzTx/>
+              <a:buFontTx/>
+              <a:buNone/>
+              <a:tabLst/>
+              <a:defRPr/>
+            </a:pPr>
+            <a:endParaRPr kumimoji="0" lang="en-US" sz="1800" b="0" i="0" u="none" strike="noStrike" kern="1200" cap="none" spc="0" normalizeH="0" baseline="0" noProof="0">
+              <a:ln>
+                <a:noFill/>
+              </a:ln>
+              <a:solidFill>
+                <a:prstClr val="white"/>
+              </a:solidFill>
+              <a:effectLst/>
+              <a:uLnTx/>
+              <a:uFillTx/>
+              <a:latin typeface="Calibri" panose="020F0502020204030204"/>
+              <a:ea typeface="+mn-ea"/>
+              <a:cs typeface="+mn-cs"/>
+            </a:endParaRPr>
+          </a:p>
+        </p:txBody>
+      </p:sp>
+      <p:sp>
+        <p:nvSpPr>
+          <p:cNvPr id="2" name="Заголовок 1">
+            <a:extLst>
+              <a:ext uri="{FF2B5EF4-FFF2-40B4-BE49-F238E27FC236}">
+                <a16:creationId xmlns:a16="http://schemas.microsoft.com/office/drawing/2014/main" id="{A7F23C0B-592C-41B1-AF62-681469EB0BB4}"/>
+              </a:ext>
+            </a:extLst>
+          </p:cNvPr>
+          <p:cNvSpPr>
+            <a:spLocks noGrp="1"/>
+          </p:cNvSpPr>
+          <p:nvPr>
+            <p:ph type="title"/>
+          </p:nvPr>
+        </p:nvSpPr>
+        <p:spPr>
+          <a:xfrm>
+            <a:off x="7856388" y="975365"/>
+            <a:ext cx="3847882" cy="1691907"/>
+          </a:xfrm>
+        </p:spPr>
+        <p:txBody>
+          <a:bodyPr anchor="ctr">
+            <a:normAutofit/>
+          </a:bodyPr>
+          <a:lstStyle/>
+          <a:p>
+            <a:r>
+              <a:rPr lang="en-US" sz="4000" dirty="0">
+                <a:solidFill>
+                  <a:srgbClr val="FFFFFF"/>
+                </a:solidFill>
+              </a:rPr>
+              <a:t>REST API</a:t>
+            </a:r>
+            <a:endParaRPr lang="ru-RU" sz="4000" dirty="0">
+              <a:solidFill>
+                <a:srgbClr val="FFFFFF"/>
+              </a:solidFill>
+            </a:endParaRPr>
+          </a:p>
+        </p:txBody>
+      </p:sp>
+      <p:sp>
+        <p:nvSpPr>
+          <p:cNvPr id="21" name="Round Single Corner Rectangle 24">
+            <a:extLst>
+              <a:ext uri="{FF2B5EF4-FFF2-40B4-BE49-F238E27FC236}">
+                <a16:creationId xmlns:a16="http://schemas.microsoft.com/office/drawing/2014/main" id="{81289F98-975F-4EB2-9553-8E1A9946BA3F}"/>
+              </a:ext>
+              <a:ext uri="{C183D7F6-B498-43B3-948B-1728B52AA6E4}">
+                <adec:decorative xmlns:adec="http://schemas.microsoft.com/office/drawing/2017/decorative" val="1"/>
+              </a:ext>
+            </a:extLst>
+          </p:cNvPr>
+          <p:cNvSpPr>
+            <a:spLocks noGrp="1" noRot="1" noChangeAspect="1" noMove="1" noResize="1" noEditPoints="1" noAdjustHandles="1" noChangeArrowheads="1" noChangeShapeType="1" noTextEdit="1"/>
+          </p:cNvSpPr>
+          <p:nvPr>
+            <p:extLst>
+              <p:ext uri="{386F3935-93C4-4BCD-93E2-E3B085C9AB24}">
+                <p16:designElem xmlns:p16="http://schemas.microsoft.com/office/powerpoint/2015/main" val="1"/>
+              </p:ext>
+            </p:extLst>
+          </p:nvPr>
+        </p:nvSpPr>
+        <p:spPr>
+          <a:xfrm rot="16200000">
+            <a:off x="911284" y="635058"/>
+            <a:ext cx="2657864" cy="2657864"/>
+          </a:xfrm>
+          <a:prstGeom prst="round1Rect">
+            <a:avLst>
+              <a:gd name="adj" fmla="val 11295"/>
+            </a:avLst>
+          </a:prstGeom>
+          <a:solidFill>
+            <a:srgbClr val="FFFFFF"/>
+          </a:solidFill>
+          <a:ln w="57150">
+            <a:solidFill>
+              <a:srgbClr val="54767F"/>
+            </a:solidFill>
+          </a:ln>
+        </p:spPr>
+        <p:style>
+          <a:lnRef idx="2">
+            <a:schemeClr val="accent1">
+              <a:shade val="50000"/>
+            </a:schemeClr>
+          </a:lnRef>
+          <a:fillRef idx="1">
+            <a:schemeClr val="accent1"/>
+          </a:fillRef>
+          <a:effectRef idx="0">
+            <a:schemeClr val="accent1"/>
+          </a:effectRef>
+          <a:fontRef idx="minor">
+            <a:schemeClr val="lt1"/>
+          </a:fontRef>
+        </p:style>
+        <p:txBody>
+          <a:bodyPr rot="0" spcFirstLastPara="0" vertOverflow="overflow" horzOverflow="overflow" vert="horz" wrap="square" lIns="91440" tIns="45720" rIns="91440" bIns="45720" numCol="1" spcCol="0" rtlCol="0" fromWordArt="0" anchor="ctr" anchorCtr="0" forceAA="0" compatLnSpc="1">
+            <a:prstTxWarp prst="textNoShape">
+              <a:avLst/>
+            </a:prstTxWarp>
+            <a:noAutofit/>
+          </a:bodyPr>
+          <a:lstStyle/>
+          <a:p>
+            <a:pPr marL="0" marR="0" lvl="0" indent="0" algn="ctr" defTabSz="914400" rtl="0" eaLnBrk="1" fontAlgn="auto" latinLnBrk="0" hangingPunct="1">
+              <a:lnSpc>
+                <a:spcPct val="100000"/>
+              </a:lnSpc>
+              <a:spcBef>
+                <a:spcPts val="0"/>
+              </a:spcBef>
+              <a:spcAft>
+                <a:spcPts val="0"/>
+              </a:spcAft>
+              <a:buClrTx/>
+              <a:buSzTx/>
+              <a:buFontTx/>
+              <a:buNone/>
+              <a:tabLst/>
+              <a:defRPr/>
+            </a:pPr>
+            <a:endParaRPr kumimoji="0" lang="en-US" sz="1800" b="0" i="0" u="none" strike="noStrike" kern="1200" cap="none" spc="0" normalizeH="0" baseline="0" noProof="0">
+              <a:ln>
+                <a:noFill/>
+              </a:ln>
+              <a:solidFill>
+                <a:prstClr val="white"/>
+              </a:solidFill>
+              <a:effectLst/>
+              <a:uLnTx/>
+              <a:uFillTx/>
+              <a:latin typeface="Calibri" panose="020F0502020204030204"/>
+              <a:ea typeface="+mn-ea"/>
+              <a:cs typeface="+mn-cs"/>
+            </a:endParaRPr>
+          </a:p>
+        </p:txBody>
+      </p:sp>
+      <p:pic>
+        <p:nvPicPr>
+          <p:cNvPr id="5" name="Объект 4">
+            <a:extLst>
+              <a:ext uri="{FF2B5EF4-FFF2-40B4-BE49-F238E27FC236}">
+                <a16:creationId xmlns:a16="http://schemas.microsoft.com/office/drawing/2014/main" id="{7F9C0E9F-B3EA-4D71-A8F7-A1962E8803F3}"/>
+              </a:ext>
+            </a:extLst>
+          </p:cNvPr>
+          <p:cNvPicPr>
+            <a:picLocks noChangeAspect="1"/>
+          </p:cNvPicPr>
+          <p:nvPr/>
+        </p:nvPicPr>
+        <p:blipFill>
+          <a:blip r:embed="rId2">
+            <a:extLst>
+              <a:ext uri="{28A0092B-C50C-407E-A947-70E740481C1C}">
+                <a14:useLocalDpi xmlns:a14="http://schemas.microsoft.com/office/drawing/2010/main" val="0"/>
+              </a:ext>
+            </a:extLst>
+          </a:blip>
+          <a:stretch>
+            <a:fillRect/>
+          </a:stretch>
+        </p:blipFill>
+        <p:spPr>
+          <a:xfrm>
+            <a:off x="1052598" y="1346429"/>
+            <a:ext cx="2375236" cy="1235122"/>
+          </a:xfrm>
+          <a:prstGeom prst="rect">
+            <a:avLst/>
+          </a:prstGeom>
+        </p:spPr>
+      </p:pic>
+      <p:sp>
+        <p:nvSpPr>
+          <p:cNvPr id="18" name="Round Single Corner Rectangle 22">
+            <a:extLst>
+              <a:ext uri="{FF2B5EF4-FFF2-40B4-BE49-F238E27FC236}">
+                <a16:creationId xmlns:a16="http://schemas.microsoft.com/office/drawing/2014/main" id="{1F564BCF-97B6-4D86-94EE-DD1B587F2189}"/>
+              </a:ext>
+              <a:ext uri="{C183D7F6-B498-43B3-948B-1728B52AA6E4}">
+                <adec:decorative xmlns:adec="http://schemas.microsoft.com/office/drawing/2017/decorative" val="1"/>
+              </a:ext>
+            </a:extLst>
+          </p:cNvPr>
+          <p:cNvSpPr>
+            <a:spLocks noGrp="1" noRot="1" noChangeAspect="1" noMove="1" noResize="1" noEditPoints="1" noAdjustHandles="1" noChangeArrowheads="1" noChangeShapeType="1" noTextEdit="1"/>
+          </p:cNvSpPr>
+          <p:nvPr>
+            <p:extLst>
+              <p:ext uri="{386F3935-93C4-4BCD-93E2-E3B085C9AB24}">
+                <p16:designElem xmlns:p16="http://schemas.microsoft.com/office/powerpoint/2015/main" val="1"/>
+              </p:ext>
+            </p:extLst>
+          </p:nvPr>
+        </p:nvSpPr>
+        <p:spPr>
+          <a:xfrm>
+            <a:off x="3717533" y="1300271"/>
+            <a:ext cx="1992651" cy="1992652"/>
+          </a:xfrm>
+          <a:prstGeom prst="round1Rect">
+            <a:avLst>
+              <a:gd name="adj" fmla="val 11295"/>
+            </a:avLst>
+          </a:prstGeom>
+          <a:solidFill>
+            <a:srgbClr val="54767F"/>
+          </a:solidFill>
+          <a:ln>
+            <a:noFill/>
+          </a:ln>
+        </p:spPr>
+        <p:style>
+          <a:lnRef idx="2">
+            <a:schemeClr val="accent1">
+              <a:shade val="50000"/>
+            </a:schemeClr>
+          </a:lnRef>
+          <a:fillRef idx="1">
+            <a:schemeClr val="accent1"/>
+          </a:fillRef>
+          <a:effectRef idx="0">
+            <a:schemeClr val="accent1"/>
+          </a:effectRef>
+          <a:fontRef idx="minor">
+            <a:schemeClr val="lt1"/>
+          </a:fontRef>
+        </p:style>
+        <p:txBody>
+          <a:bodyPr rtlCol="0" anchor="ctr"/>
+          <a:lstStyle/>
+          <a:p>
+            <a:pPr algn="ctr"/>
+            <a:endParaRPr lang="en-US">
+              <a:solidFill>
+                <a:prstClr val="white"/>
+              </a:solidFill>
+              <a:latin typeface="Calibri" panose="020F0502020204030204"/>
+            </a:endParaRPr>
+          </a:p>
+        </p:txBody>
+      </p:sp>
+      <p:sp>
+        <p:nvSpPr>
+          <p:cNvPr id="20" name="Round Single Corner Rectangle 23">
+            <a:extLst>
+              <a:ext uri="{FF2B5EF4-FFF2-40B4-BE49-F238E27FC236}">
+                <a16:creationId xmlns:a16="http://schemas.microsoft.com/office/drawing/2014/main" id="{54600AC1-F146-4567-9C5E-A96D6D349234}"/>
+              </a:ext>
+              <a:ext uri="{C183D7F6-B498-43B3-948B-1728B52AA6E4}">
+                <adec:decorative xmlns:adec="http://schemas.microsoft.com/office/drawing/2017/decorative" val="1"/>
+              </a:ext>
+            </a:extLst>
+          </p:cNvPr>
+          <p:cNvSpPr>
+            <a:spLocks noGrp="1" noRot="1" noChangeAspect="1" noMove="1" noResize="1" noEditPoints="1" noAdjustHandles="1" noChangeArrowheads="1" noChangeShapeType="1" noTextEdit="1"/>
+          </p:cNvSpPr>
+          <p:nvPr>
+            <p:extLst>
+              <p:ext uri="{386F3935-93C4-4BCD-93E2-E3B085C9AB24}">
+                <p16:designElem xmlns:p16="http://schemas.microsoft.com/office/powerpoint/2015/main" val="1"/>
+              </p:ext>
+            </p:extLst>
+          </p:nvPr>
+        </p:nvSpPr>
+        <p:spPr>
+          <a:xfrm rot="10800000">
+            <a:off x="1287904" y="3438135"/>
+            <a:ext cx="2281244" cy="2281245"/>
+          </a:xfrm>
+          <a:prstGeom prst="round1Rect">
+            <a:avLst>
+              <a:gd name="adj" fmla="val 11295"/>
+            </a:avLst>
+          </a:prstGeom>
+          <a:solidFill>
+            <a:srgbClr val="54767F"/>
+          </a:solidFill>
+          <a:ln>
+            <a:noFill/>
+          </a:ln>
+        </p:spPr>
+        <p:style>
+          <a:lnRef idx="2">
+            <a:schemeClr val="accent1">
+              <a:shade val="50000"/>
+            </a:schemeClr>
+          </a:lnRef>
+          <a:fillRef idx="1">
+            <a:schemeClr val="accent1"/>
+          </a:fillRef>
+          <a:effectRef idx="0">
+            <a:schemeClr val="accent1"/>
+          </a:effectRef>
+          <a:fontRef idx="minor">
+            <a:schemeClr val="lt1"/>
+          </a:fontRef>
+        </p:style>
+        <p:txBody>
+          <a:bodyPr rtlCol="0" anchor="ctr"/>
+          <a:lstStyle/>
+          <a:p>
+            <a:pPr algn="ctr"/>
+            <a:endParaRPr lang="en-US">
+              <a:solidFill>
+                <a:prstClr val="white"/>
+              </a:solidFill>
+              <a:latin typeface="Calibri" panose="020F0502020204030204"/>
+            </a:endParaRPr>
+          </a:p>
+        </p:txBody>
+      </p:sp>
+      <p:sp>
+        <p:nvSpPr>
+          <p:cNvPr id="22" name="Round Single Corner Rectangle 25">
+            <a:extLst>
+              <a:ext uri="{FF2B5EF4-FFF2-40B4-BE49-F238E27FC236}">
+                <a16:creationId xmlns:a16="http://schemas.microsoft.com/office/drawing/2014/main" id="{EBA7E638-205A-4579-864F-125BAC629F4D}"/>
+              </a:ext>
+              <a:ext uri="{C183D7F6-B498-43B3-948B-1728B52AA6E4}">
+                <adec:decorative xmlns:adec="http://schemas.microsoft.com/office/drawing/2017/decorative" val="1"/>
+              </a:ext>
+            </a:extLst>
+          </p:cNvPr>
+          <p:cNvSpPr>
+            <a:spLocks noGrp="1" noRot="1" noChangeAspect="1" noMove="1" noResize="1" noEditPoints="1" noAdjustHandles="1" noChangeArrowheads="1" noChangeShapeType="1" noTextEdit="1"/>
+          </p:cNvSpPr>
+          <p:nvPr>
+            <p:extLst>
+              <p:ext uri="{386F3935-93C4-4BCD-93E2-E3B085C9AB24}">
+                <p16:designElem xmlns:p16="http://schemas.microsoft.com/office/powerpoint/2015/main" val="1"/>
+              </p:ext>
+            </p:extLst>
+          </p:nvPr>
+        </p:nvSpPr>
+        <p:spPr>
+          <a:xfrm rot="5400000">
+            <a:off x="3717533" y="3438135"/>
+            <a:ext cx="2657864" cy="2657864"/>
+          </a:xfrm>
+          <a:prstGeom prst="round1Rect">
+            <a:avLst>
+              <a:gd name="adj" fmla="val 11295"/>
+            </a:avLst>
+          </a:prstGeom>
+          <a:solidFill>
+            <a:srgbClr val="FFFFFF"/>
+          </a:solidFill>
+          <a:ln w="57150">
+            <a:solidFill>
+              <a:srgbClr val="54767F"/>
+            </a:solidFill>
+          </a:ln>
+        </p:spPr>
+        <p:style>
+          <a:lnRef idx="2">
+            <a:schemeClr val="accent1">
+              <a:shade val="50000"/>
+            </a:schemeClr>
+          </a:lnRef>
+          <a:fillRef idx="1">
+            <a:schemeClr val="accent1"/>
+          </a:fillRef>
+          <a:effectRef idx="0">
+            <a:schemeClr val="accent1"/>
+          </a:effectRef>
+          <a:fontRef idx="minor">
+            <a:schemeClr val="lt1"/>
+          </a:fontRef>
+        </p:style>
+        <p:txBody>
+          <a:bodyPr rot="0" spcFirstLastPara="0" vertOverflow="overflow" horzOverflow="overflow" vert="horz" wrap="square" lIns="91440" tIns="45720" rIns="91440" bIns="45720" numCol="1" spcCol="0" rtlCol="0" fromWordArt="0" anchor="ctr" anchorCtr="0" forceAA="0" compatLnSpc="1">
+            <a:prstTxWarp prst="textNoShape">
+              <a:avLst/>
+            </a:prstTxWarp>
+            <a:noAutofit/>
+          </a:bodyPr>
+          <a:lstStyle/>
+          <a:p>
+            <a:pPr marL="0" marR="0" lvl="0" indent="0" algn="ctr" defTabSz="914400" rtl="0" eaLnBrk="1" fontAlgn="auto" latinLnBrk="0" hangingPunct="1">
+              <a:lnSpc>
+                <a:spcPct val="100000"/>
+              </a:lnSpc>
+              <a:spcBef>
+                <a:spcPts val="0"/>
+              </a:spcBef>
+              <a:spcAft>
+                <a:spcPts val="0"/>
+              </a:spcAft>
+              <a:buClrTx/>
+              <a:buSzTx/>
+              <a:buFontTx/>
+              <a:buNone/>
+              <a:tabLst/>
+              <a:defRPr/>
+            </a:pPr>
+            <a:endParaRPr kumimoji="0" lang="en-US" sz="1800" b="0" i="0" u="none" strike="noStrike" kern="1200" cap="none" spc="0" normalizeH="0" baseline="0" noProof="0">
+              <a:ln>
+                <a:noFill/>
+              </a:ln>
+              <a:solidFill>
+                <a:prstClr val="white"/>
+              </a:solidFill>
+              <a:effectLst/>
+              <a:uLnTx/>
+              <a:uFillTx/>
+              <a:latin typeface="Calibri" panose="020F0502020204030204"/>
+              <a:ea typeface="+mn-ea"/>
+              <a:cs typeface="+mn-cs"/>
+            </a:endParaRPr>
+          </a:p>
+        </p:txBody>
+      </p:sp>
+      <p:pic>
+        <p:nvPicPr>
+          <p:cNvPr id="7" name="Рисунок 6">
+            <a:extLst>
+              <a:ext uri="{FF2B5EF4-FFF2-40B4-BE49-F238E27FC236}">
+                <a16:creationId xmlns:a16="http://schemas.microsoft.com/office/drawing/2014/main" id="{E80242F0-997D-4B99-8FED-B9BEDE3600D6}"/>
+              </a:ext>
+            </a:extLst>
+          </p:cNvPr>
+          <p:cNvPicPr>
+            <a:picLocks noChangeAspect="1"/>
+          </p:cNvPicPr>
+          <p:nvPr/>
+        </p:nvPicPr>
+        <p:blipFill>
+          <a:blip r:embed="rId3">
+            <a:extLst>
+              <a:ext uri="{28A0092B-C50C-407E-A947-70E740481C1C}">
+                <a14:useLocalDpi xmlns:a14="http://schemas.microsoft.com/office/drawing/2010/main" val="0"/>
+              </a:ext>
+            </a:extLst>
+          </a:blip>
+          <a:stretch>
+            <a:fillRect/>
+          </a:stretch>
+        </p:blipFill>
+        <p:spPr>
+          <a:xfrm>
+            <a:off x="3858847" y="4170289"/>
+            <a:ext cx="2375236" cy="1193555"/>
+          </a:xfrm>
+          <a:prstGeom prst="rect">
+            <a:avLst/>
+          </a:prstGeom>
+        </p:spPr>
+      </p:pic>
+      <p:sp>
+        <p:nvSpPr>
+          <p:cNvPr id="11" name="Content Placeholder 10">
+            <a:extLst>
+              <a:ext uri="{FF2B5EF4-FFF2-40B4-BE49-F238E27FC236}">
+                <a16:creationId xmlns:a16="http://schemas.microsoft.com/office/drawing/2014/main" id="{762CCB57-D309-4CB5-BFF3-2C65CE4DEE7E}"/>
+              </a:ext>
+            </a:extLst>
+          </p:cNvPr>
+          <p:cNvSpPr>
+            <a:spLocks noGrp="1"/>
+          </p:cNvSpPr>
+          <p:nvPr>
+            <p:ph idx="1"/>
+          </p:nvPr>
+        </p:nvSpPr>
+        <p:spPr>
+          <a:xfrm>
+            <a:off x="7856389" y="3038478"/>
+            <a:ext cx="3795142" cy="2843844"/>
+          </a:xfrm>
+        </p:spPr>
+        <p:txBody>
+          <a:bodyPr anchor="ctr">
+            <a:normAutofit/>
+          </a:bodyPr>
+          <a:lstStyle/>
+          <a:p>
+            <a:r>
+              <a:rPr lang="ru-RU" sz="1800" dirty="0">
+                <a:solidFill>
+                  <a:srgbClr val="FFFFFF"/>
+                </a:solidFill>
+              </a:rPr>
+              <a:t>С</a:t>
+            </a:r>
+            <a:r>
+              <a:rPr lang="en-US" sz="1800" dirty="0">
+                <a:solidFill>
+                  <a:srgbClr val="FFFFFF"/>
+                </a:solidFill>
+              </a:rPr>
+              <a:t>ross-origin</a:t>
+            </a:r>
+          </a:p>
+          <a:p>
+            <a:r>
+              <a:rPr lang="ru-RU" sz="1800" dirty="0">
+                <a:solidFill>
+                  <a:srgbClr val="FFFFFF"/>
+                </a:solidFill>
+              </a:rPr>
+              <a:t>Возможность интеграции в другие приложения</a:t>
+            </a:r>
+          </a:p>
+          <a:p>
+            <a:r>
+              <a:rPr lang="ru-RU" sz="1800" dirty="0">
+                <a:solidFill>
+                  <a:srgbClr val="FFFFFF"/>
+                </a:solidFill>
+              </a:rPr>
+              <a:t>Открытая документация</a:t>
+            </a:r>
+          </a:p>
+          <a:p>
+            <a:r>
+              <a:rPr lang="en-US" sz="1800" dirty="0">
+                <a:solidFill>
+                  <a:srgbClr val="FFFFFF"/>
+                </a:solidFill>
+              </a:rPr>
+              <a:t>Java EE</a:t>
+            </a:r>
+          </a:p>
+        </p:txBody>
+      </p:sp>
+      <p:sp>
+        <p:nvSpPr>
+          <p:cNvPr id="24" name="Rectangle: Top Corners Rounded 23">
+            <a:extLst>
+              <a:ext uri="{FF2B5EF4-FFF2-40B4-BE49-F238E27FC236}">
+                <a16:creationId xmlns:a16="http://schemas.microsoft.com/office/drawing/2014/main" id="{2854001E-6E9D-464A-9B65-A4012F7B30D4}"/>
+              </a:ext>
+              <a:ext uri="{C183D7F6-B498-43B3-948B-1728B52AA6E4}">
+                <adec:decorative xmlns:adec="http://schemas.microsoft.com/office/drawing/2017/decorative" val="1"/>
+              </a:ext>
+            </a:extLst>
+          </p:cNvPr>
+          <p:cNvSpPr>
+            <a:spLocks noGrp="1" noRot="1" noChangeAspect="1" noMove="1" noResize="1" noEditPoints="1" noAdjustHandles="1" noChangeArrowheads="1" noChangeShapeType="1" noTextEdit="1"/>
+          </p:cNvSpPr>
+          <p:nvPr>
+            <p:extLst>
+              <p:ext uri="{386F3935-93C4-4BCD-93E2-E3B085C9AB24}">
+                <p16:designElem xmlns:p16="http://schemas.microsoft.com/office/powerpoint/2015/main" val="1"/>
+              </p:ext>
+            </p:extLst>
+          </p:nvPr>
+        </p:nvSpPr>
+        <p:spPr>
+          <a:xfrm rot="16200000">
+            <a:off x="7052315" y="1050468"/>
+            <a:ext cx="5609397" cy="4757058"/>
+          </a:xfrm>
+          <a:prstGeom prst="round2SameRect">
+            <a:avLst>
+              <a:gd name="adj1" fmla="val 2061"/>
+              <a:gd name="adj2" fmla="val 0"/>
+            </a:avLst>
+          </a:prstGeom>
+          <a:noFill/>
+          <a:ln w="50800">
+            <a:solidFill>
+              <a:srgbClr val="FFFFFF"/>
+            </a:solidFill>
+          </a:ln>
+        </p:spPr>
+        <p:style>
+          <a:lnRef idx="2">
+            <a:schemeClr val="accent1">
+              <a:shade val="50000"/>
+            </a:schemeClr>
+          </a:lnRef>
+          <a:fillRef idx="1">
+            <a:schemeClr val="accent1"/>
+          </a:fillRef>
+          <a:effectRef idx="0">
+            <a:schemeClr val="accent1"/>
+          </a:effectRef>
+          <a:fontRef idx="minor">
+            <a:schemeClr val="lt1"/>
+          </a:fontRef>
+        </p:style>
+        <p:txBody>
+          <a:bodyPr rtlCol="0" anchor="ctr"/>
+          <a:lstStyle/>
+          <a:p>
+            <a:pPr marL="0" marR="0" lvl="0" indent="0" algn="ctr" defTabSz="914400" rtl="0" eaLnBrk="1" fontAlgn="auto" latinLnBrk="0" hangingPunct="1">
+              <a:lnSpc>
+                <a:spcPct val="100000"/>
+              </a:lnSpc>
+              <a:spcBef>
+                <a:spcPts val="0"/>
+              </a:spcBef>
+              <a:spcAft>
+                <a:spcPts val="0"/>
+              </a:spcAft>
+              <a:buClrTx/>
+              <a:buSzTx/>
+              <a:buFontTx/>
+              <a:buNone/>
+              <a:tabLst/>
+              <a:defRPr/>
+            </a:pPr>
+            <a:endParaRPr kumimoji="0" lang="en-US" sz="1800" b="0" i="0" u="none" strike="noStrike" kern="1200" cap="none" spc="0" normalizeH="0" baseline="0" noProof="0">
+              <a:ln>
+                <a:noFill/>
+              </a:ln>
+              <a:solidFill>
+                <a:prstClr val="white"/>
+              </a:solidFill>
+              <a:effectLst/>
+              <a:uLnTx/>
+              <a:uFillTx/>
+              <a:latin typeface="Calibri" panose="020F0502020204030204"/>
+              <a:ea typeface="+mn-ea"/>
+              <a:cs typeface="+mn-cs"/>
+            </a:endParaRPr>
+          </a:p>
+        </p:txBody>
+      </p:sp>
+      <p:cxnSp>
+        <p:nvCxnSpPr>
+          <p:cNvPr id="26" name="Straight Connector 25">
+            <a:extLst>
+              <a:ext uri="{FF2B5EF4-FFF2-40B4-BE49-F238E27FC236}">
+                <a16:creationId xmlns:a16="http://schemas.microsoft.com/office/drawing/2014/main" id="{62C9802A-EFBD-41D4-894F-AFD985DBA5BD}"/>
+              </a:ext>
+              <a:ext uri="{C183D7F6-B498-43B3-948B-1728B52AA6E4}">
+                <adec:decorative xmlns:adec="http://schemas.microsoft.com/office/drawing/2017/decorative" val="1"/>
+              </a:ext>
+            </a:extLst>
+          </p:cNvPr>
+          <p:cNvCxnSpPr>
+            <a:cxnSpLocks noGrp="1" noRot="1" noChangeAspect="1" noMove="1" noResize="1" noEditPoints="1" noAdjustHandles="1" noChangeArrowheads="1" noChangeShapeType="1"/>
+          </p:cNvCxnSpPr>
+          <p:nvPr>
+            <p:extLst>
+              <p:ext uri="{386F3935-93C4-4BCD-93E2-E3B085C9AB24}">
+                <p16:designElem xmlns:p16="http://schemas.microsoft.com/office/powerpoint/2015/main" val="1"/>
+              </p:ext>
+            </p:extLst>
+          </p:nvPr>
+        </p:nvCxnSpPr>
+        <p:spPr>
+          <a:xfrm>
+            <a:off x="7952907" y="2856601"/>
+            <a:ext cx="1597456" cy="0"/>
+          </a:xfrm>
+          <a:prstGeom prst="line">
+            <a:avLst/>
+          </a:prstGeom>
+          <a:ln w="50800">
+            <a:solidFill>
+              <a:srgbClr val="A6A6A6"/>
+            </a:solidFill>
+          </a:ln>
+        </p:spPr>
+        <p:style>
+          <a:lnRef idx="1">
+            <a:schemeClr val="accent1"/>
+          </a:lnRef>
+          <a:fillRef idx="0">
+            <a:schemeClr val="accent1"/>
+          </a:fillRef>
+          <a:effectRef idx="0">
+            <a:schemeClr val="accent1"/>
+          </a:effectRef>
+          <a:fontRef idx="minor">
+            <a:schemeClr val="tx1"/>
+          </a:fontRef>
+        </p:style>
+      </p:cxnSp>
+    </p:spTree>
+    <p:extLst>
+      <p:ext uri="{BB962C8B-B14F-4D97-AF65-F5344CB8AC3E}">
+        <p14:creationId xmlns:p14="http://schemas.microsoft.com/office/powerpoint/2010/main" val="3335866428"/>
+      </p:ext>
+    </p:extLst>
+  </p:cSld>
+  <p:clrMapOvr>
+    <a:masterClrMapping/>
+  </p:clrMapOvr>
+</p:sld>
+</file>
+
+<file path=ppt/slides/slide7.xml><?xml version="1.0" encoding="utf-8"?>
+<p:sld xmlns:a="http://schemas.openxmlformats.org/drawingml/2006/main" xmlns:r="http://schemas.openxmlformats.org/officeDocument/2006/relationships" xmlns:p="http://schemas.openxmlformats.org/presentationml/2006/main">
+  <p:cSld>
+    <p:bg>
+      <p:bgPr>
+        <a:solidFill>
+          <a:schemeClr val="bg1"/>
+        </a:solidFill>
+        <a:effectLst/>
+      </p:bgPr>
+    </p:bg>
+    <p:spTree>
+      <p:nvGrpSpPr>
+        <p:cNvPr id="1" name=""/>
+        <p:cNvGrpSpPr/>
+        <p:nvPr/>
+      </p:nvGrpSpPr>
+      <p:grpSpPr>
+        <a:xfrm>
+          <a:off x="0" y="0"/>
+          <a:ext cx="0" cy="0"/>
+          <a:chOff x="0" y="0"/>
+          <a:chExt cx="0" cy="0"/>
+        </a:xfrm>
+      </p:grpSpPr>
+      <p:sp>
+        <p:nvSpPr>
+          <p:cNvPr id="14" name="Rectangle 13">
+            <a:extLst>
+              <a:ext uri="{FF2B5EF4-FFF2-40B4-BE49-F238E27FC236}">
+                <a16:creationId xmlns:a16="http://schemas.microsoft.com/office/drawing/2014/main" id="{0F6CDC51-8D27-4BF4-AB33-7D5905E80D90}"/>
+              </a:ext>
+              <a:ext uri="{C183D7F6-B498-43B3-948B-1728B52AA6E4}">
+                <adec:decorative xmlns:adec="http://schemas.microsoft.com/office/drawing/2017/decorative" val="1"/>
+              </a:ext>
+            </a:extLst>
+          </p:cNvPr>
+          <p:cNvSpPr>
+            <a:spLocks noGrp="1" noRot="1" noChangeAspect="1" noMove="1" noResize="1" noEditPoints="1" noAdjustHandles="1" noChangeArrowheads="1" noChangeShapeType="1" noTextEdit="1"/>
+          </p:cNvSpPr>
+          <p:nvPr>
+            <p:extLst>
+              <p:ext uri="{386F3935-93C4-4BCD-93E2-E3B085C9AB24}">
+                <p16:designElem xmlns:p16="http://schemas.microsoft.com/office/powerpoint/2015/main" val="1"/>
+              </p:ext>
+            </p:extLst>
+          </p:nvPr>
+        </p:nvSpPr>
+        <p:spPr>
+          <a:xfrm>
+            <a:off x="5708905" y="3726"/>
+            <a:ext cx="6483095" cy="6858000"/>
+          </a:xfrm>
+          <a:prstGeom prst="rect">
+            <a:avLst/>
+          </a:prstGeom>
+          <a:gradFill>
+            <a:gsLst>
+              <a:gs pos="0">
+                <a:schemeClr val="accent1">
+                  <a:lumMod val="100000"/>
+                  <a:alpha val="82000"/>
+                </a:schemeClr>
+              </a:gs>
+              <a:gs pos="25000">
+                <a:schemeClr val="accent1">
+                  <a:alpha val="60000"/>
+                </a:schemeClr>
+              </a:gs>
+              <a:gs pos="94000">
+                <a:schemeClr val="bg2">
+                  <a:lumMod val="75000"/>
+                </a:schemeClr>
+              </a:gs>
+              <a:gs pos="100000">
+                <a:schemeClr val="bg2">
+                  <a:lumMod val="75000"/>
+                </a:schemeClr>
+              </a:gs>
+            </a:gsLst>
+            <a:lin ang="4200000" scaled="0"/>
+          </a:gradFill>
+          <a:ln>
+            <a:noFill/>
+          </a:ln>
+        </p:spPr>
+        <p:style>
+          <a:lnRef idx="2">
+            <a:schemeClr val="accent1">
+              <a:shade val="50000"/>
+            </a:schemeClr>
+          </a:lnRef>
+          <a:fillRef idx="1">
+            <a:schemeClr val="accent1"/>
+          </a:fillRef>
+          <a:effectRef idx="0">
+            <a:schemeClr val="accent1"/>
+          </a:effectRef>
+          <a:fontRef idx="minor">
+            <a:schemeClr val="lt1"/>
+          </a:fontRef>
+        </p:style>
+        <p:txBody>
+          <a:bodyPr rtlCol="0" anchor="ctr"/>
+          <a:lstStyle/>
+          <a:p>
+            <a:pPr algn="ctr"/>
+            <a:endParaRPr lang="en-US"/>
+          </a:p>
+        </p:txBody>
+      </p:sp>
+      <p:pic>
+        <p:nvPicPr>
+          <p:cNvPr id="16" name="Picture 15">
+            <a:extLst>
+              <a:ext uri="{FF2B5EF4-FFF2-40B4-BE49-F238E27FC236}">
+                <a16:creationId xmlns:a16="http://schemas.microsoft.com/office/drawing/2014/main" id="{24FB90F3-DFB9-42D4-B851-120249962A25}"/>
+              </a:ext>
+              <a:ext uri="{C183D7F6-B498-43B3-948B-1728B52AA6E4}">
+                <adec:decorative xmlns:adec="http://schemas.microsoft.com/office/drawing/2017/decorative" val="1"/>
+              </a:ext>
+            </a:extLst>
+          </p:cNvPr>
+          <p:cNvPicPr>
+            <a:picLocks noGrp="1" noRot="1" noChangeAspect="1" noMove="1" noResize="1" noEditPoints="1" noAdjustHandles="1" noChangeArrowheads="1" noChangeShapeType="1" noCrop="1"/>
+          </p:cNvPicPr>
+          <p:nvPr>
+            <p:extLst>
+              <p:ext uri="{386F3935-93C4-4BCD-93E2-E3B085C9AB24}">
+                <p16:designElem xmlns:p16="http://schemas.microsoft.com/office/powerpoint/2015/main" val="1"/>
+              </p:ext>
+            </p:extLst>
+          </p:nvPr>
+        </p:nvPicPr>
+        <p:blipFill>
+          <a:blip r:embed="rId2">
+            <a:extLst>
+              <a:ext uri="{28A0092B-C50C-407E-A947-70E740481C1C}">
+                <a14:useLocalDpi xmlns:a14="http://schemas.microsoft.com/office/drawing/2010/main" val="0"/>
+              </a:ext>
+            </a:extLst>
+          </a:blip>
+          <a:stretch>
+            <a:fillRect/>
+          </a:stretch>
+        </p:blipFill>
+        <p:spPr>
+          <a:xfrm flipH="1">
+            <a:off x="0" y="0"/>
+            <a:ext cx="12192000" cy="6858000"/>
+          </a:xfrm>
+          <a:prstGeom prst="rect">
+            <a:avLst/>
+          </a:prstGeom>
+        </p:spPr>
+      </p:pic>
+      <p:sp>
+        <p:nvSpPr>
+          <p:cNvPr id="2" name="Заголовок 1">
+            <a:extLst>
+              <a:ext uri="{FF2B5EF4-FFF2-40B4-BE49-F238E27FC236}">
+                <a16:creationId xmlns:a16="http://schemas.microsoft.com/office/drawing/2014/main" id="{8D591F10-A527-4AC1-8B0B-CF8DFE1E3D35}"/>
+              </a:ext>
+            </a:extLst>
+          </p:cNvPr>
+          <p:cNvSpPr>
+            <a:spLocks noGrp="1"/>
+          </p:cNvSpPr>
+          <p:nvPr>
+            <p:ph type="title"/>
+          </p:nvPr>
+        </p:nvSpPr>
+        <p:spPr>
+          <a:xfrm>
+            <a:off x="804672" y="802955"/>
+            <a:ext cx="5145024" cy="1454051"/>
+          </a:xfrm>
+        </p:spPr>
+        <p:txBody>
+          <a:bodyPr>
+            <a:normAutofit/>
+          </a:bodyPr>
+          <a:lstStyle/>
+          <a:p>
+            <a:r>
+              <a:rPr lang="ru-RU" sz="4000" dirty="0">
+                <a:solidFill>
+                  <a:srgbClr val="000000"/>
+                </a:solidFill>
+              </a:rPr>
+              <a:t>Веб-приложение</a:t>
+            </a:r>
+          </a:p>
+        </p:txBody>
+      </p:sp>
+      <p:sp>
+        <p:nvSpPr>
+          <p:cNvPr id="18" name="Freeform 60">
+            <a:extLst>
+              <a:ext uri="{FF2B5EF4-FFF2-40B4-BE49-F238E27FC236}">
+                <a16:creationId xmlns:a16="http://schemas.microsoft.com/office/drawing/2014/main" id="{DF4CE22F-8463-44F2-BE50-65D9B5035E87}"/>
+              </a:ext>
+              <a:ext uri="{C183D7F6-B498-43B3-948B-1728B52AA6E4}">
+                <adec:decorative xmlns:adec="http://schemas.microsoft.com/office/drawing/2017/decorative" val="1"/>
+              </a:ext>
+            </a:extLst>
+          </p:cNvPr>
+          <p:cNvSpPr>
+            <a:spLocks noGrp="1" noRot="1" noChangeAspect="1" noMove="1" noResize="1" noEditPoints="1" noAdjustHandles="1" noChangeArrowheads="1" noChangeShapeType="1" noTextEdit="1"/>
+          </p:cNvSpPr>
+          <p:nvPr>
+            <p:extLst>
+              <p:ext uri="{386F3935-93C4-4BCD-93E2-E3B085C9AB24}">
+                <p16:designElem xmlns:p16="http://schemas.microsoft.com/office/powerpoint/2015/main" val="1"/>
+              </p:ext>
+            </p:extLst>
+          </p:nvPr>
+        </p:nvSpPr>
+        <p:spPr>
+          <a:xfrm>
+            <a:off x="6588720" y="0"/>
+            <a:ext cx="3762182" cy="2258435"/>
+          </a:xfrm>
+          <a:custGeom>
+            <a:avLst/>
+            <a:gdLst>
+              <a:gd name="connsiteX0" fmla="*/ 39946 w 3960192"/>
+              <a:gd name="connsiteY0" fmla="*/ 0 h 2377300"/>
+              <a:gd name="connsiteX1" fmla="*/ 3920247 w 3960192"/>
+              <a:gd name="connsiteY1" fmla="*/ 0 h 2377300"/>
+              <a:gd name="connsiteX2" fmla="*/ 3949969 w 3960192"/>
+              <a:gd name="connsiteY2" fmla="*/ 194751 h 2377300"/>
+              <a:gd name="connsiteX3" fmla="*/ 3960192 w 3960192"/>
+              <a:gd name="connsiteY3" fmla="*/ 397204 h 2377300"/>
+              <a:gd name="connsiteX4" fmla="*/ 1980096 w 3960192"/>
+              <a:gd name="connsiteY4" fmla="*/ 2377300 h 2377300"/>
+              <a:gd name="connsiteX5" fmla="*/ 0 w 3960192"/>
+              <a:gd name="connsiteY5" fmla="*/ 397204 h 2377300"/>
+              <a:gd name="connsiteX6" fmla="*/ 10224 w 3960192"/>
+              <a:gd name="connsiteY6" fmla="*/ 194751 h 2377300"/>
+            </a:gdLst>
+            <a:ahLst/>
+            <a:cxnLst>
+              <a:cxn ang="0">
+                <a:pos x="connsiteX0" y="connsiteY0"/>
+              </a:cxn>
+              <a:cxn ang="0">
+                <a:pos x="connsiteX1" y="connsiteY1"/>
+              </a:cxn>
+              <a:cxn ang="0">
+                <a:pos x="connsiteX2" y="connsiteY2"/>
+              </a:cxn>
+              <a:cxn ang="0">
+                <a:pos x="connsiteX3" y="connsiteY3"/>
+              </a:cxn>
+              <a:cxn ang="0">
+                <a:pos x="connsiteX4" y="connsiteY4"/>
+              </a:cxn>
+              <a:cxn ang="0">
+                <a:pos x="connsiteX5" y="connsiteY5"/>
+              </a:cxn>
+              <a:cxn ang="0">
+                <a:pos x="connsiteX6" y="connsiteY6"/>
+              </a:cxn>
+            </a:cxnLst>
+            <a:rect l="l" t="t" r="r" b="b"/>
+            <a:pathLst>
+              <a:path w="3960192" h="2377300">
+                <a:moveTo>
+                  <a:pt x="39946" y="0"/>
+                </a:moveTo>
+                <a:lnTo>
+                  <a:pt x="3920247" y="0"/>
+                </a:lnTo>
+                <a:lnTo>
+                  <a:pt x="3949969" y="194751"/>
+                </a:lnTo>
+                <a:cubicBezTo>
+                  <a:pt x="3956729" y="261316"/>
+                  <a:pt x="3960192" y="328856"/>
+                  <a:pt x="3960192" y="397204"/>
+                </a:cubicBezTo>
+                <a:cubicBezTo>
+                  <a:pt x="3960192" y="1490781"/>
+                  <a:pt x="3073673" y="2377300"/>
+                  <a:pt x="1980096" y="2377300"/>
+                </a:cubicBezTo>
+                <a:cubicBezTo>
+                  <a:pt x="886519" y="2377300"/>
+                  <a:pt x="0" y="1490781"/>
+                  <a:pt x="0" y="397204"/>
+                </a:cubicBezTo>
+                <a:cubicBezTo>
+                  <a:pt x="0" y="328856"/>
+                  <a:pt x="3463" y="261316"/>
+                  <a:pt x="10224" y="194751"/>
+                </a:cubicBezTo>
+                <a:close/>
+              </a:path>
+            </a:pathLst>
+          </a:custGeom>
+          <a:solidFill>
+            <a:srgbClr val="FFFFFF"/>
+          </a:solidFill>
+          <a:ln>
+            <a:gradFill>
+              <a:gsLst>
+                <a:gs pos="0">
+                  <a:schemeClr val="accent1">
+                    <a:lumMod val="40000"/>
+                    <a:lumOff val="60000"/>
+                  </a:schemeClr>
+                </a:gs>
+                <a:gs pos="23000">
+                  <a:schemeClr val="accent1">
+                    <a:lumMod val="45000"/>
+                    <a:lumOff val="55000"/>
+                  </a:schemeClr>
+                </a:gs>
+                <a:gs pos="83000">
+                  <a:schemeClr val="bg2">
+                    <a:lumMod val="75000"/>
+                  </a:schemeClr>
+                </a:gs>
+                <a:gs pos="100000">
+                  <a:schemeClr val="bg2">
+                    <a:lumMod val="75000"/>
+                  </a:schemeClr>
+                </a:gs>
+              </a:gsLst>
+              <a:lin ang="5400000" scaled="1"/>
+            </a:gradFill>
+          </a:ln>
+        </p:spPr>
+        <p:style>
+          <a:lnRef idx="2">
+            <a:schemeClr val="accent1">
+              <a:shade val="50000"/>
+            </a:schemeClr>
+          </a:lnRef>
+          <a:fillRef idx="1">
+            <a:schemeClr val="accent1"/>
+          </a:fillRef>
+          <a:effectRef idx="0">
+            <a:schemeClr val="accent1"/>
+          </a:effectRef>
+          <a:fontRef idx="minor">
+            <a:schemeClr val="lt1"/>
+          </a:fontRef>
+        </p:style>
+        <p:txBody>
+          <a:bodyPr wrap="square" rtlCol="0" anchor="ctr">
+            <a:noAutofit/>
+          </a:bodyPr>
+          <a:lstStyle/>
+          <a:p>
+            <a:pPr algn="ctr"/>
+            <a:endParaRPr lang="en-US"/>
+          </a:p>
+        </p:txBody>
+      </p:sp>
+      <p:pic>
+        <p:nvPicPr>
+          <p:cNvPr id="7" name="Рисунок 6">
+            <a:extLst>
+              <a:ext uri="{FF2B5EF4-FFF2-40B4-BE49-F238E27FC236}">
+                <a16:creationId xmlns:a16="http://schemas.microsoft.com/office/drawing/2014/main" id="{9F2D7C5F-3AFE-466C-8E77-95DAB94BB976}"/>
+              </a:ext>
+            </a:extLst>
+          </p:cNvPr>
+          <p:cNvPicPr>
+            <a:picLocks noChangeAspect="1"/>
+          </p:cNvPicPr>
+          <p:nvPr/>
+        </p:nvPicPr>
+        <p:blipFill rotWithShape="1">
+          <a:blip r:embed="rId3">
+            <a:extLst>
+              <a:ext uri="{28A0092B-C50C-407E-A947-70E740481C1C}">
+                <a14:useLocalDpi xmlns:a14="http://schemas.microsoft.com/office/drawing/2010/main" val="0"/>
+              </a:ext>
+            </a:extLst>
+          </a:blip>
+          <a:srcRect l="13551" t="24200" r="16584" b="21800"/>
+          <a:stretch/>
+        </p:blipFill>
+        <p:spPr>
+          <a:xfrm>
+            <a:off x="6921919" y="354564"/>
+            <a:ext cx="3179557" cy="854012"/>
+          </a:xfrm>
+          <a:prstGeom prst="rect">
+            <a:avLst/>
+          </a:prstGeom>
+        </p:spPr>
+      </p:pic>
+      <p:sp>
+        <p:nvSpPr>
+          <p:cNvPr id="11" name="Content Placeholder 10">
+            <a:extLst>
+              <a:ext uri="{FF2B5EF4-FFF2-40B4-BE49-F238E27FC236}">
+                <a16:creationId xmlns:a16="http://schemas.microsoft.com/office/drawing/2014/main" id="{0DACD05C-AFC7-4546-99BC-BB00EF2A9671}"/>
+              </a:ext>
+            </a:extLst>
+          </p:cNvPr>
+          <p:cNvSpPr>
+            <a:spLocks noGrp="1"/>
+          </p:cNvSpPr>
+          <p:nvPr>
+            <p:ph idx="1"/>
+          </p:nvPr>
+        </p:nvSpPr>
+        <p:spPr>
+          <a:xfrm>
+            <a:off x="804672" y="2421682"/>
+            <a:ext cx="5145024" cy="3639289"/>
+          </a:xfrm>
+        </p:spPr>
+        <p:txBody>
+          <a:bodyPr anchor="ctr">
+            <a:normAutofit/>
+          </a:bodyPr>
+          <a:lstStyle/>
+          <a:p>
+            <a:r>
+              <a:rPr lang="en-US" sz="2000" dirty="0">
+                <a:solidFill>
+                  <a:srgbClr val="000000"/>
+                </a:solidFill>
+              </a:rPr>
+              <a:t>Backend </a:t>
+            </a:r>
+            <a:r>
+              <a:rPr lang="ru-RU" sz="2000" dirty="0">
+                <a:solidFill>
+                  <a:srgbClr val="000000"/>
+                </a:solidFill>
+              </a:rPr>
+              <a:t>реализован с помощью</a:t>
+            </a:r>
+            <a:r>
+              <a:rPr lang="en-US" sz="2000" dirty="0">
+                <a:solidFill>
+                  <a:srgbClr val="000000"/>
+                </a:solidFill>
+              </a:rPr>
+              <a:t> Spring</a:t>
+            </a:r>
+            <a:endParaRPr lang="ru-RU" sz="2000" dirty="0">
+              <a:solidFill>
+                <a:srgbClr val="000000"/>
+              </a:solidFill>
+            </a:endParaRPr>
+          </a:p>
+          <a:p>
+            <a:r>
+              <a:rPr lang="en-US" sz="2000" dirty="0">
+                <a:solidFill>
+                  <a:srgbClr val="000000"/>
+                </a:solidFill>
+              </a:rPr>
+              <a:t>Frontend </a:t>
+            </a:r>
+            <a:r>
+              <a:rPr lang="ru-RU" sz="2000" dirty="0">
+                <a:solidFill>
+                  <a:srgbClr val="000000"/>
+                </a:solidFill>
+              </a:rPr>
+              <a:t>сделан на </a:t>
+            </a:r>
+            <a:r>
+              <a:rPr lang="en-US" sz="2000" dirty="0">
+                <a:solidFill>
+                  <a:srgbClr val="000000"/>
+                </a:solidFill>
+              </a:rPr>
+              <a:t>ReactJS</a:t>
+            </a:r>
+          </a:p>
+          <a:p>
+            <a:r>
+              <a:rPr lang="ru-RU" sz="2000" dirty="0">
+                <a:solidFill>
+                  <a:srgbClr val="000000"/>
+                </a:solidFill>
+              </a:rPr>
+              <a:t>Адаптивный дизайн</a:t>
+            </a:r>
+          </a:p>
+          <a:p>
+            <a:r>
+              <a:rPr lang="ru-RU" sz="2000" dirty="0">
+                <a:solidFill>
+                  <a:srgbClr val="000000"/>
+                </a:solidFill>
+              </a:rPr>
+              <a:t>Интеграция с социальными сетями</a:t>
+            </a:r>
+            <a:endParaRPr lang="en-US" sz="2000" dirty="0">
+              <a:solidFill>
+                <a:srgbClr val="000000"/>
+              </a:solidFill>
+            </a:endParaRPr>
+          </a:p>
+        </p:txBody>
+      </p:sp>
+      <p:sp>
+        <p:nvSpPr>
+          <p:cNvPr id="20" name="Freeform 67">
+            <a:extLst>
+              <a:ext uri="{FF2B5EF4-FFF2-40B4-BE49-F238E27FC236}">
+                <a16:creationId xmlns:a16="http://schemas.microsoft.com/office/drawing/2014/main" id="{3FA1383B-2709-4E36-8FF8-7A737213B4CB}"/>
+              </a:ext>
+              <a:ext uri="{C183D7F6-B498-43B3-948B-1728B52AA6E4}">
+                <adec:decorative xmlns:adec="http://schemas.microsoft.com/office/drawing/2017/decorative" val="1"/>
+              </a:ext>
+            </a:extLst>
+          </p:cNvPr>
+          <p:cNvSpPr>
+            <a:spLocks noGrp="1" noRot="1" noChangeAspect="1" noMove="1" noResize="1" noEditPoints="1" noAdjustHandles="1" noChangeArrowheads="1" noChangeShapeType="1" noTextEdit="1"/>
+          </p:cNvSpPr>
+          <p:nvPr>
+            <p:extLst>
+              <p:ext uri="{386F3935-93C4-4BCD-93E2-E3B085C9AB24}">
+                <p16:designElem xmlns:p16="http://schemas.microsoft.com/office/powerpoint/2015/main" val="1"/>
+              </p:ext>
+            </p:extLst>
+          </p:nvPr>
+        </p:nvSpPr>
+        <p:spPr>
+          <a:xfrm>
+            <a:off x="7457503" y="3006774"/>
+            <a:ext cx="4734497" cy="3851226"/>
+          </a:xfrm>
+          <a:custGeom>
+            <a:avLst/>
+            <a:gdLst>
+              <a:gd name="connsiteX0" fmla="*/ 2718646 w 4647408"/>
+              <a:gd name="connsiteY0" fmla="*/ 0 h 3780384"/>
+              <a:gd name="connsiteX1" fmla="*/ 4641019 w 4647408"/>
+              <a:gd name="connsiteY1" fmla="*/ 796273 h 3780384"/>
+              <a:gd name="connsiteX2" fmla="*/ 4647408 w 4647408"/>
+              <a:gd name="connsiteY2" fmla="*/ 803303 h 3780384"/>
+              <a:gd name="connsiteX3" fmla="*/ 4647408 w 4647408"/>
+              <a:gd name="connsiteY3" fmla="*/ 3780384 h 3780384"/>
+              <a:gd name="connsiteX4" fmla="*/ 215340 w 4647408"/>
+              <a:gd name="connsiteY4" fmla="*/ 3780384 h 3780384"/>
+              <a:gd name="connsiteX5" fmla="*/ 213645 w 4647408"/>
+              <a:gd name="connsiteY5" fmla="*/ 3776866 h 3780384"/>
+              <a:gd name="connsiteX6" fmla="*/ 0 w 4647408"/>
+              <a:gd name="connsiteY6" fmla="*/ 2718646 h 3780384"/>
+              <a:gd name="connsiteX7" fmla="*/ 2718646 w 4647408"/>
+              <a:gd name="connsiteY7" fmla="*/ 0 h 3780384"/>
+            </a:gdLst>
+            <a:ahLst/>
+            <a:cxnLst>
+              <a:cxn ang="0">
+                <a:pos x="connsiteX0" y="connsiteY0"/>
+              </a:cxn>
+              <a:cxn ang="0">
+                <a:pos x="connsiteX1" y="connsiteY1"/>
+              </a:cxn>
+              <a:cxn ang="0">
+                <a:pos x="connsiteX2" y="connsiteY2"/>
+              </a:cxn>
+              <a:cxn ang="0">
+                <a:pos x="connsiteX3" y="connsiteY3"/>
+              </a:cxn>
+              <a:cxn ang="0">
+                <a:pos x="connsiteX4" y="connsiteY4"/>
+              </a:cxn>
+              <a:cxn ang="0">
+                <a:pos x="connsiteX5" y="connsiteY5"/>
+              </a:cxn>
+              <a:cxn ang="0">
+                <a:pos x="connsiteX6" y="connsiteY6"/>
+              </a:cxn>
+              <a:cxn ang="0">
+                <a:pos x="connsiteX7" y="connsiteY7"/>
+              </a:cxn>
+            </a:cxnLst>
+            <a:rect l="l" t="t" r="r" b="b"/>
+            <a:pathLst>
+              <a:path w="4647408" h="3780384">
+                <a:moveTo>
+                  <a:pt x="2718646" y="0"/>
+                </a:moveTo>
+                <a:cubicBezTo>
+                  <a:pt x="3469379" y="0"/>
+                  <a:pt x="4149041" y="304295"/>
+                  <a:pt x="4641019" y="796273"/>
+                </a:cubicBezTo>
+                <a:lnTo>
+                  <a:pt x="4647408" y="803303"/>
+                </a:lnTo>
+                <a:lnTo>
+                  <a:pt x="4647408" y="3780384"/>
+                </a:lnTo>
+                <a:lnTo>
+                  <a:pt x="215340" y="3780384"/>
+                </a:lnTo>
+                <a:lnTo>
+                  <a:pt x="213645" y="3776866"/>
+                </a:lnTo>
+                <a:cubicBezTo>
+                  <a:pt x="76074" y="3451612"/>
+                  <a:pt x="0" y="3094013"/>
+                  <a:pt x="0" y="2718646"/>
+                </a:cubicBezTo>
+                <a:cubicBezTo>
+                  <a:pt x="0" y="1217179"/>
+                  <a:pt x="1217179" y="0"/>
+                  <a:pt x="2718646" y="0"/>
+                </a:cubicBezTo>
+                <a:close/>
+              </a:path>
+            </a:pathLst>
+          </a:custGeom>
+          <a:solidFill>
+            <a:srgbClr val="FFFFFF"/>
+          </a:solidFill>
+          <a:ln>
+            <a:gradFill>
+              <a:gsLst>
+                <a:gs pos="0">
+                  <a:schemeClr val="accent1">
+                    <a:lumMod val="40000"/>
+                    <a:lumOff val="60000"/>
+                  </a:schemeClr>
+                </a:gs>
+                <a:gs pos="23000">
+                  <a:schemeClr val="accent1">
+                    <a:lumMod val="45000"/>
+                    <a:lumOff val="55000"/>
+                  </a:schemeClr>
+                </a:gs>
+                <a:gs pos="83000">
+                  <a:schemeClr val="bg2">
+                    <a:lumMod val="75000"/>
+                  </a:schemeClr>
+                </a:gs>
+                <a:gs pos="100000">
+                  <a:schemeClr val="bg2">
+                    <a:lumMod val="75000"/>
+                  </a:schemeClr>
+                </a:gs>
+              </a:gsLst>
+              <a:lin ang="5400000" scaled="1"/>
+            </a:gradFill>
+          </a:ln>
+        </p:spPr>
+        <p:style>
+          <a:lnRef idx="2">
+            <a:schemeClr val="accent1">
+              <a:shade val="50000"/>
+            </a:schemeClr>
+          </a:lnRef>
+          <a:fillRef idx="1">
+            <a:schemeClr val="accent1"/>
+          </a:fillRef>
+          <a:effectRef idx="0">
+            <a:schemeClr val="accent1"/>
+          </a:effectRef>
+          <a:fontRef idx="minor">
+            <a:schemeClr val="lt1"/>
+          </a:fontRef>
+        </p:style>
+        <p:txBody>
+          <a:bodyPr wrap="square" rtlCol="0" anchor="ctr">
+            <a:noAutofit/>
+          </a:bodyPr>
+          <a:lstStyle/>
+          <a:p>
+            <a:pPr algn="ctr"/>
+            <a:endParaRPr lang="en-US"/>
+          </a:p>
+        </p:txBody>
+      </p:sp>
+      <p:pic>
+        <p:nvPicPr>
+          <p:cNvPr id="5" name="Объект 4">
+            <a:extLst>
+              <a:ext uri="{FF2B5EF4-FFF2-40B4-BE49-F238E27FC236}">
+                <a16:creationId xmlns:a16="http://schemas.microsoft.com/office/drawing/2014/main" id="{C23ADD0B-0DF0-4B1C-A77A-B4B860271755}"/>
+              </a:ext>
+            </a:extLst>
+          </p:cNvPr>
+          <p:cNvPicPr>
+            <a:picLocks noChangeAspect="1"/>
+          </p:cNvPicPr>
+          <p:nvPr/>
+        </p:nvPicPr>
+        <p:blipFill rotWithShape="1">
+          <a:blip r:embed="rId4">
+            <a:extLst>
+              <a:ext uri="{28A0092B-C50C-407E-A947-70E740481C1C}">
+                <a14:useLocalDpi xmlns:a14="http://schemas.microsoft.com/office/drawing/2010/main" val="0"/>
+              </a:ext>
+            </a:extLst>
+          </a:blip>
+          <a:srcRect l="4980" t="27597" r="13812" b="14414"/>
+          <a:stretch/>
+        </p:blipFill>
+        <p:spPr>
+          <a:xfrm>
+            <a:off x="8017899" y="4722479"/>
+            <a:ext cx="3906623" cy="1597068"/>
+          </a:xfrm>
+          <a:prstGeom prst="rect">
+            <a:avLst/>
+          </a:prstGeom>
+        </p:spPr>
+      </p:pic>
+    </p:spTree>
+    <p:extLst>
+      <p:ext uri="{BB962C8B-B14F-4D97-AF65-F5344CB8AC3E}">
+        <p14:creationId xmlns:p14="http://schemas.microsoft.com/office/powerpoint/2010/main" val="2870116729"/>
+      </p:ext>
+    </p:extLst>
+  </p:cSld>
+  <p:clrMapOvr>
+    <a:masterClrMapping/>
+  </p:clrMapOvr>
+</p:sld>
+</file>
+
+<file path=ppt/slides/slide8.xml><?xml version="1.0" encoding="utf-8"?>
+<p:sld xmlns:a="http://schemas.openxmlformats.org/drawingml/2006/main" xmlns:r="http://schemas.openxmlformats.org/officeDocument/2006/relationships" xmlns:p="http://schemas.openxmlformats.org/presentationml/2006/main">
+  <p:cSld>
+    <p:spTree>
+      <p:nvGrpSpPr>
+        <p:cNvPr id="1" name=""/>
+        <p:cNvGrpSpPr/>
+        <p:nvPr/>
+      </p:nvGrpSpPr>
+      <p:grpSpPr>
+        <a:xfrm>
+          <a:off x="0" y="0"/>
+          <a:ext cx="0" cy="0"/>
+          <a:chOff x="0" y="0"/>
+          <a:chExt cx="0" cy="0"/>
+        </a:xfrm>
+      </p:grpSpPr>
+      <p:sp>
+        <p:nvSpPr>
+          <p:cNvPr id="2" name="Заголовок 1">
+            <a:extLst>
+              <a:ext uri="{FF2B5EF4-FFF2-40B4-BE49-F238E27FC236}">
+                <a16:creationId xmlns:a16="http://schemas.microsoft.com/office/drawing/2014/main" id="{8C83DA32-7C42-4F9A-BF62-A53F304D868D}"/>
+              </a:ext>
+            </a:extLst>
+          </p:cNvPr>
+          <p:cNvSpPr>
+            <a:spLocks noGrp="1"/>
+          </p:cNvSpPr>
+          <p:nvPr>
+            <p:ph type="title"/>
+          </p:nvPr>
+        </p:nvSpPr>
+        <p:spPr/>
+        <p:txBody>
+          <a:bodyPr/>
+          <a:lstStyle/>
+          <a:p>
+            <a:pPr algn="ctr"/>
+            <a:r>
+              <a:rPr lang="ru-RU" dirty="0"/>
+              <a:t>Ссылки</a:t>
+            </a:r>
+          </a:p>
+        </p:txBody>
+      </p:sp>
+      <p:sp>
+        <p:nvSpPr>
+          <p:cNvPr id="3" name="Объект 2">
+            <a:extLst>
+              <a:ext uri="{FF2B5EF4-FFF2-40B4-BE49-F238E27FC236}">
+                <a16:creationId xmlns:a16="http://schemas.microsoft.com/office/drawing/2014/main" id="{9396EB23-4167-4AE9-B114-0B3EC2CC586F}"/>
+              </a:ext>
+            </a:extLst>
+          </p:cNvPr>
+          <p:cNvSpPr>
+            <a:spLocks noGrp="1"/>
+          </p:cNvSpPr>
+          <p:nvPr>
+            <p:ph idx="1"/>
+          </p:nvPr>
+        </p:nvSpPr>
+        <p:spPr>
+          <a:xfrm>
+            <a:off x="838200" y="3047999"/>
+            <a:ext cx="10515600" cy="3128963"/>
+          </a:xfrm>
+        </p:spPr>
+        <p:txBody>
+          <a:bodyPr/>
+          <a:lstStyle/>
+          <a:p>
+            <a:r>
+              <a:rPr lang="en-US" dirty="0"/>
+              <a:t>REST API: </a:t>
+            </a:r>
+            <a:r>
+              <a:rPr lang="en-US" dirty="0">
+                <a:hlinkClick r:id="rId2"/>
+              </a:rPr>
+              <a:t>https://github.com/AppLoidx/helios-rest-api</a:t>
+            </a:r>
+            <a:endParaRPr lang="en-US" dirty="0"/>
+          </a:p>
+          <a:p>
+            <a:r>
+              <a:rPr lang="en-US" dirty="0"/>
+              <a:t>Backend: </a:t>
+            </a:r>
+            <a:r>
+              <a:rPr lang="en-US" dirty="0">
+                <a:hlinkClick r:id="rId3"/>
+              </a:rPr>
+              <a:t>https://github.com/AppLoidx/helios-backend</a:t>
+            </a:r>
+            <a:endParaRPr lang="en-US" dirty="0"/>
+          </a:p>
+          <a:p>
+            <a:r>
+              <a:rPr lang="en-US" dirty="0"/>
+              <a:t>Frontend: </a:t>
+            </a:r>
+            <a:r>
+              <a:rPr lang="en-US" dirty="0">
+                <a:hlinkClick r:id="rId4"/>
+              </a:rPr>
+              <a:t>https://github.com/AppLoidx/helios-front-end</a:t>
+            </a:r>
+            <a:endParaRPr lang="en-US" dirty="0"/>
+          </a:p>
+          <a:p>
+            <a:r>
+              <a:rPr lang="en-US" dirty="0"/>
+              <a:t>API Docs: </a:t>
+            </a:r>
+            <a:r>
+              <a:rPr lang="en-US" dirty="0">
+                <a:hlinkClick r:id="rId5"/>
+              </a:rPr>
+              <a:t>https://apploidx.github.io/helios-doc/</a:t>
+            </a:r>
+            <a:endParaRPr lang="ru-RU" dirty="0"/>
+          </a:p>
+        </p:txBody>
+      </p:sp>
+    </p:spTree>
+    <p:extLst>
+      <p:ext uri="{BB962C8B-B14F-4D97-AF65-F5344CB8AC3E}">
+        <p14:creationId xmlns:p14="http://schemas.microsoft.com/office/powerpoint/2010/main" val="949164365"/>
       </p:ext>
     </p:extLst>
   </p:cSld>

--- a/Helios.pptx
+++ b/Helios.pptx
@@ -3989,21 +3989,22 @@
             </a:r>
           </a:p>
           <a:p>
-            <a:r>
-              <a:rPr lang="ru-RU" sz="1800" dirty="0"/>
-              <a:t>Разработчик расширенной версии </a:t>
-            </a:r>
-            <a:br>
-              <a:rPr lang="ru-RU" sz="1800" dirty="0"/>
-            </a:br>
-            <a:r>
-              <a:rPr lang="ru-RU" sz="1800" dirty="0"/>
-              <a:t>эмулятора БЭВМ</a:t>
-            </a:r>
             <a:endParaRPr lang="en-US" sz="1800" dirty="0"/>
           </a:p>
           <a:p>
-            <a:endParaRPr lang="en-US" sz="1800" dirty="0"/>
+            <a:endParaRPr lang="ru-RU" sz="1800" dirty="0"/>
+          </a:p>
+          <a:p>
+            <a:endParaRPr lang="ru-RU" sz="1800" dirty="0"/>
+          </a:p>
+          <a:p>
+            <a:endParaRPr lang="ru-RU" sz="1800" dirty="0"/>
+          </a:p>
+          <a:p>
+            <a:endParaRPr lang="ru-RU" sz="1800" dirty="0"/>
+          </a:p>
+          <a:p>
+            <a:endParaRPr lang="ru-RU" sz="1800" dirty="0"/>
           </a:p>
           <a:p>
             <a:r>

--- a/Helios.pptx
+++ b/Helios.pptx
@@ -10,9 +10,11 @@
     <p:sldId id="259" r:id="rId4"/>
     <p:sldId id="260" r:id="rId5"/>
     <p:sldId id="261" r:id="rId6"/>
-    <p:sldId id="262" r:id="rId7"/>
-    <p:sldId id="263" r:id="rId8"/>
-    <p:sldId id="264" r:id="rId9"/>
+    <p:sldId id="266" r:id="rId7"/>
+    <p:sldId id="262" r:id="rId8"/>
+    <p:sldId id="263" r:id="rId9"/>
+    <p:sldId id="267" r:id="rId10"/>
+    <p:sldId id="264" r:id="rId11"/>
   </p:sldIdLst>
   <p:sldSz cx="12192000" cy="6858000"/>
   <p:notesSz cx="6858000" cy="9144000"/>
@@ -266,7 +268,7 @@
           <a:p>
             <a:fld id="{449F65A8-A104-4659-BCA1-741252EC1BE3}" type="datetimeFigureOut">
               <a:rPr lang="ru-RU" smtClean="0"/>
-              <a:t>04.09.2019</a:t>
+              <a:t>10.09.2019</a:t>
             </a:fld>
             <a:endParaRPr lang="ru-RU"/>
           </a:p>
@@ -464,7 +466,7 @@
           <a:p>
             <a:fld id="{449F65A8-A104-4659-BCA1-741252EC1BE3}" type="datetimeFigureOut">
               <a:rPr lang="ru-RU" smtClean="0"/>
-              <a:t>04.09.2019</a:t>
+              <a:t>10.09.2019</a:t>
             </a:fld>
             <a:endParaRPr lang="ru-RU"/>
           </a:p>
@@ -672,7 +674,7 @@
           <a:p>
             <a:fld id="{449F65A8-A104-4659-BCA1-741252EC1BE3}" type="datetimeFigureOut">
               <a:rPr lang="ru-RU" smtClean="0"/>
-              <a:t>04.09.2019</a:t>
+              <a:t>10.09.2019</a:t>
             </a:fld>
             <a:endParaRPr lang="ru-RU"/>
           </a:p>
@@ -870,7 +872,7 @@
           <a:p>
             <a:fld id="{449F65A8-A104-4659-BCA1-741252EC1BE3}" type="datetimeFigureOut">
               <a:rPr lang="ru-RU" smtClean="0"/>
-              <a:t>04.09.2019</a:t>
+              <a:t>10.09.2019</a:t>
             </a:fld>
             <a:endParaRPr lang="ru-RU"/>
           </a:p>
@@ -1145,7 +1147,7 @@
           <a:p>
             <a:fld id="{449F65A8-A104-4659-BCA1-741252EC1BE3}" type="datetimeFigureOut">
               <a:rPr lang="ru-RU" smtClean="0"/>
-              <a:t>04.09.2019</a:t>
+              <a:t>10.09.2019</a:t>
             </a:fld>
             <a:endParaRPr lang="ru-RU"/>
           </a:p>
@@ -1410,7 +1412,7 @@
           <a:p>
             <a:fld id="{449F65A8-A104-4659-BCA1-741252EC1BE3}" type="datetimeFigureOut">
               <a:rPr lang="ru-RU" smtClean="0"/>
-              <a:t>04.09.2019</a:t>
+              <a:t>10.09.2019</a:t>
             </a:fld>
             <a:endParaRPr lang="ru-RU"/>
           </a:p>
@@ -1822,7 +1824,7 @@
           <a:p>
             <a:fld id="{449F65A8-A104-4659-BCA1-741252EC1BE3}" type="datetimeFigureOut">
               <a:rPr lang="ru-RU" smtClean="0"/>
-              <a:t>04.09.2019</a:t>
+              <a:t>10.09.2019</a:t>
             </a:fld>
             <a:endParaRPr lang="ru-RU"/>
           </a:p>
@@ -1963,7 +1965,7 @@
           <a:p>
             <a:fld id="{449F65A8-A104-4659-BCA1-741252EC1BE3}" type="datetimeFigureOut">
               <a:rPr lang="ru-RU" smtClean="0"/>
-              <a:t>04.09.2019</a:t>
+              <a:t>10.09.2019</a:t>
             </a:fld>
             <a:endParaRPr lang="ru-RU"/>
           </a:p>
@@ -2076,7 +2078,7 @@
           <a:p>
             <a:fld id="{449F65A8-A104-4659-BCA1-741252EC1BE3}" type="datetimeFigureOut">
               <a:rPr lang="ru-RU" smtClean="0"/>
-              <a:t>04.09.2019</a:t>
+              <a:t>10.09.2019</a:t>
             </a:fld>
             <a:endParaRPr lang="ru-RU"/>
           </a:p>
@@ -2387,7 +2389,7 @@
           <a:p>
             <a:fld id="{449F65A8-A104-4659-BCA1-741252EC1BE3}" type="datetimeFigureOut">
               <a:rPr lang="ru-RU" smtClean="0"/>
-              <a:t>04.09.2019</a:t>
+              <a:t>10.09.2019</a:t>
             </a:fld>
             <a:endParaRPr lang="ru-RU"/>
           </a:p>
@@ -2675,7 +2677,7 @@
           <a:p>
             <a:fld id="{449F65A8-A104-4659-BCA1-741252EC1BE3}" type="datetimeFigureOut">
               <a:rPr lang="ru-RU" smtClean="0"/>
-              <a:t>04.09.2019</a:t>
+              <a:t>10.09.2019</a:t>
             </a:fld>
             <a:endParaRPr lang="ru-RU"/>
           </a:p>
@@ -2916,7 +2918,7 @@
           <a:p>
             <a:fld id="{449F65A8-A104-4659-BCA1-741252EC1BE3}" type="datetimeFigureOut">
               <a:rPr lang="ru-RU" smtClean="0"/>
-              <a:t>04.09.2019</a:t>
+              <a:t>10.09.2019</a:t>
             </a:fld>
             <a:endParaRPr lang="ru-RU"/>
           </a:p>
@@ -3820,6 +3822,144 @@
 </p:sld>
 </file>
 
+<file path=ppt/slides/slide10.xml><?xml version="1.0" encoding="utf-8"?>
+<p:sld xmlns:a="http://schemas.openxmlformats.org/drawingml/2006/main" xmlns:r="http://schemas.openxmlformats.org/officeDocument/2006/relationships" xmlns:p="http://schemas.openxmlformats.org/presentationml/2006/main">
+  <p:cSld>
+    <p:spTree>
+      <p:nvGrpSpPr>
+        <p:cNvPr id="1" name=""/>
+        <p:cNvGrpSpPr/>
+        <p:nvPr/>
+      </p:nvGrpSpPr>
+      <p:grpSpPr>
+        <a:xfrm>
+          <a:off x="0" y="0"/>
+          <a:ext cx="0" cy="0"/>
+          <a:chOff x="0" y="0"/>
+          <a:chExt cx="0" cy="0"/>
+        </a:xfrm>
+      </p:grpSpPr>
+      <p:sp>
+        <p:nvSpPr>
+          <p:cNvPr id="2" name="Заголовок 1">
+            <a:extLst>
+              <a:ext uri="{FF2B5EF4-FFF2-40B4-BE49-F238E27FC236}">
+                <a16:creationId xmlns:a16="http://schemas.microsoft.com/office/drawing/2014/main" id="{8C83DA32-7C42-4F9A-BF62-A53F304D868D}"/>
+              </a:ext>
+            </a:extLst>
+          </p:cNvPr>
+          <p:cNvSpPr>
+            <a:spLocks noGrp="1"/>
+          </p:cNvSpPr>
+          <p:nvPr>
+            <p:ph type="title"/>
+          </p:nvPr>
+        </p:nvSpPr>
+        <p:spPr/>
+        <p:txBody>
+          <a:bodyPr/>
+          <a:lstStyle/>
+          <a:p>
+            <a:pPr algn="ctr"/>
+            <a:r>
+              <a:rPr lang="ru-RU" dirty="0"/>
+              <a:t>Ссылки</a:t>
+            </a:r>
+          </a:p>
+        </p:txBody>
+      </p:sp>
+      <p:sp>
+        <p:nvSpPr>
+          <p:cNvPr id="3" name="Объект 2">
+            <a:extLst>
+              <a:ext uri="{FF2B5EF4-FFF2-40B4-BE49-F238E27FC236}">
+                <a16:creationId xmlns:a16="http://schemas.microsoft.com/office/drawing/2014/main" id="{9396EB23-4167-4AE9-B114-0B3EC2CC586F}"/>
+              </a:ext>
+            </a:extLst>
+          </p:cNvPr>
+          <p:cNvSpPr>
+            <a:spLocks noGrp="1"/>
+          </p:cNvSpPr>
+          <p:nvPr>
+            <p:ph idx="1"/>
+          </p:nvPr>
+        </p:nvSpPr>
+        <p:spPr>
+          <a:xfrm>
+            <a:off x="838200" y="3047999"/>
+            <a:ext cx="10515600" cy="3128963"/>
+          </a:xfrm>
+        </p:spPr>
+        <p:txBody>
+          <a:bodyPr/>
+          <a:lstStyle/>
+          <a:p>
+            <a:r>
+              <a:rPr lang="en-US" dirty="0"/>
+              <a:t>REST API: </a:t>
+            </a:r>
+            <a:r>
+              <a:rPr lang="en-US" dirty="0">
+                <a:hlinkClick r:id="rId2"/>
+              </a:rPr>
+              <a:t>https://github.com/AppLoidx/helios-rest-api</a:t>
+            </a:r>
+            <a:endParaRPr lang="en-US" dirty="0"/>
+          </a:p>
+          <a:p>
+            <a:r>
+              <a:rPr lang="en-US" dirty="0"/>
+              <a:t>Backend: </a:t>
+            </a:r>
+            <a:r>
+              <a:rPr lang="en-US" dirty="0">
+                <a:hlinkClick r:id="rId3"/>
+              </a:rPr>
+              <a:t>https://github.com/AppLoidx/helios-backend</a:t>
+            </a:r>
+            <a:endParaRPr lang="en-US" dirty="0"/>
+          </a:p>
+          <a:p>
+            <a:r>
+              <a:rPr lang="en-US" dirty="0"/>
+              <a:t>Frontend: </a:t>
+            </a:r>
+            <a:r>
+              <a:rPr lang="en-US" dirty="0">
+                <a:hlinkClick r:id="rId4"/>
+              </a:rPr>
+              <a:t>https://github.com/AppLoidx/helios-front-end</a:t>
+            </a:r>
+            <a:endParaRPr lang="en-US" dirty="0"/>
+          </a:p>
+          <a:p>
+            <a:r>
+              <a:rPr lang="en-US" dirty="0"/>
+              <a:t>API Docs: </a:t>
+            </a:r>
+            <a:r>
+              <a:rPr lang="en-US" dirty="0">
+                <a:hlinkClick r:id="rId5"/>
+              </a:rPr>
+              <a:t>https://apploidx.github.io/helios-doc/</a:t>
+            </a:r>
+            <a:endParaRPr lang="ru-RU" dirty="0"/>
+          </a:p>
+        </p:txBody>
+      </p:sp>
+    </p:spTree>
+    <p:extLst>
+      <p:ext uri="{BB962C8B-B14F-4D97-AF65-F5344CB8AC3E}">
+        <p14:creationId xmlns:p14="http://schemas.microsoft.com/office/powerpoint/2010/main" val="949164365"/>
+      </p:ext>
+    </p:extLst>
+  </p:cSld>
+  <p:clrMapOvr>
+    <a:masterClrMapping/>
+  </p:clrMapOvr>
+</p:sld>
+</file>
+
 <file path=ppt/slides/slide2.xml><?xml version="1.0" encoding="utf-8"?>
 <p:sld xmlns:a="http://schemas.openxmlformats.org/drawingml/2006/main" xmlns:r="http://schemas.openxmlformats.org/officeDocument/2006/relationships" xmlns:p="http://schemas.openxmlformats.org/presentationml/2006/main">
   <p:cSld>
@@ -4632,10 +4772,10 @@
       </p:pic>
       <p:sp>
         <p:nvSpPr>
-          <p:cNvPr id="31" name="Прямоугольник 30">
-            <a:extLst>
-              <a:ext uri="{FF2B5EF4-FFF2-40B4-BE49-F238E27FC236}">
-                <a16:creationId xmlns:a16="http://schemas.microsoft.com/office/drawing/2014/main" id="{1A187158-1776-4C3A-A9A4-1BAB100A25A7}"/>
+          <p:cNvPr id="51" name="Полилиния: фигура 50">
+            <a:extLst>
+              <a:ext uri="{FF2B5EF4-FFF2-40B4-BE49-F238E27FC236}">
+                <a16:creationId xmlns:a16="http://schemas.microsoft.com/office/drawing/2014/main" id="{EE2CECB2-2517-4037-B618-D7DDD35A7EA6}"/>
               </a:ext>
             </a:extLst>
           </p:cNvPr>
@@ -4644,231 +4784,7 @@
         </p:nvSpPr>
         <p:spPr>
           <a:xfrm>
-            <a:off x="2415673" y="1597981"/>
-            <a:ext cx="2861494" cy="594803"/>
-          </a:xfrm>
-          <a:prstGeom prst="rect">
-            <a:avLst/>
-          </a:prstGeom>
-          <a:noFill/>
-          <a:ln w="19050">
-            <a:solidFill>
-              <a:srgbClr val="7030A0"/>
-            </a:solidFill>
-          </a:ln>
-        </p:spPr>
-        <p:style>
-          <a:lnRef idx="2">
-            <a:schemeClr val="accent1">
-              <a:shade val="50000"/>
-            </a:schemeClr>
-          </a:lnRef>
-          <a:fillRef idx="1">
-            <a:schemeClr val="accent1"/>
-          </a:fillRef>
-          <a:effectRef idx="0">
-            <a:schemeClr val="accent1"/>
-          </a:effectRef>
-          <a:fontRef idx="minor">
-            <a:schemeClr val="lt1"/>
-          </a:fontRef>
-        </p:style>
-        <p:txBody>
-          <a:bodyPr rtlCol="0" anchor="ctr"/>
-          <a:lstStyle/>
-          <a:p>
-            <a:pPr algn="ctr"/>
-            <a:endParaRPr lang="ru-RU"/>
-          </a:p>
-        </p:txBody>
-      </p:sp>
-      <p:cxnSp>
-        <p:nvCxnSpPr>
-          <p:cNvPr id="33" name="Прямая соединительная линия 32">
-            <a:extLst>
-              <a:ext uri="{FF2B5EF4-FFF2-40B4-BE49-F238E27FC236}">
-                <a16:creationId xmlns:a16="http://schemas.microsoft.com/office/drawing/2014/main" id="{333FB1B4-87E3-44C4-B5F4-65A4D3A812F6}"/>
-              </a:ext>
-            </a:extLst>
-          </p:cNvPr>
-          <p:cNvCxnSpPr>
-            <a:cxnSpLocks/>
-          </p:cNvCxnSpPr>
-          <p:nvPr/>
-        </p:nvCxnSpPr>
-        <p:spPr>
-          <a:xfrm flipV="1">
-            <a:off x="2415673" y="476190"/>
-            <a:ext cx="3180091" cy="1117219"/>
-          </a:xfrm>
-          <a:prstGeom prst="line">
-            <a:avLst/>
-          </a:prstGeom>
-          <a:ln w="19050">
-            <a:solidFill>
-              <a:srgbClr val="7030A0"/>
-            </a:solidFill>
-          </a:ln>
-        </p:spPr>
-        <p:style>
-          <a:lnRef idx="1">
-            <a:schemeClr val="accent1"/>
-          </a:lnRef>
-          <a:fillRef idx="0">
-            <a:schemeClr val="accent1"/>
-          </a:fillRef>
-          <a:effectRef idx="0">
-            <a:schemeClr val="accent1"/>
-          </a:effectRef>
-          <a:fontRef idx="minor">
-            <a:schemeClr val="tx1"/>
-          </a:fontRef>
-        </p:style>
-      </p:cxnSp>
-      <p:cxnSp>
-        <p:nvCxnSpPr>
-          <p:cNvPr id="35" name="Прямая соединительная линия 34">
-            <a:extLst>
-              <a:ext uri="{FF2B5EF4-FFF2-40B4-BE49-F238E27FC236}">
-                <a16:creationId xmlns:a16="http://schemas.microsoft.com/office/drawing/2014/main" id="{62717C6C-F96A-4A51-AF92-FC5B6F01F575}"/>
-              </a:ext>
-            </a:extLst>
-          </p:cNvPr>
-          <p:cNvCxnSpPr>
-            <a:cxnSpLocks/>
-          </p:cNvCxnSpPr>
-          <p:nvPr/>
-        </p:nvCxnSpPr>
-        <p:spPr>
-          <a:xfrm>
-            <a:off x="2415673" y="2192784"/>
-            <a:ext cx="3180091" cy="1716595"/>
-          </a:xfrm>
-          <a:prstGeom prst="line">
-            <a:avLst/>
-          </a:prstGeom>
-          <a:ln w="19050">
-            <a:solidFill>
-              <a:srgbClr val="6D7FCC"/>
-            </a:solidFill>
-          </a:ln>
-        </p:spPr>
-        <p:style>
-          <a:lnRef idx="1">
-            <a:schemeClr val="accent1"/>
-          </a:lnRef>
-          <a:fillRef idx="0">
-            <a:schemeClr val="accent1"/>
-          </a:fillRef>
-          <a:effectRef idx="0">
-            <a:schemeClr val="accent1"/>
-          </a:effectRef>
-          <a:fontRef idx="minor">
-            <a:schemeClr val="tx1"/>
-          </a:fontRef>
-        </p:style>
-      </p:cxnSp>
-      <p:cxnSp>
-        <p:nvCxnSpPr>
-          <p:cNvPr id="41" name="Прямая соединительная линия 40">
-            <a:extLst>
-              <a:ext uri="{FF2B5EF4-FFF2-40B4-BE49-F238E27FC236}">
-                <a16:creationId xmlns:a16="http://schemas.microsoft.com/office/drawing/2014/main" id="{01E850FE-2C48-4FBD-AD1D-398D8D4542A3}"/>
-              </a:ext>
-            </a:extLst>
-          </p:cNvPr>
-          <p:cNvCxnSpPr>
-            <a:cxnSpLocks/>
-          </p:cNvCxnSpPr>
-          <p:nvPr/>
-        </p:nvCxnSpPr>
-        <p:spPr>
-          <a:xfrm flipV="1">
-            <a:off x="5277167" y="471617"/>
-            <a:ext cx="3981133" cy="1120236"/>
-          </a:xfrm>
-          <a:prstGeom prst="line">
-            <a:avLst/>
-          </a:prstGeom>
-          <a:ln w="19050">
-            <a:solidFill>
-              <a:srgbClr val="7030A0"/>
-            </a:solidFill>
-          </a:ln>
-        </p:spPr>
-        <p:style>
-          <a:lnRef idx="1">
-            <a:schemeClr val="accent1"/>
-          </a:lnRef>
-          <a:fillRef idx="0">
-            <a:schemeClr val="accent1"/>
-          </a:fillRef>
-          <a:effectRef idx="0">
-            <a:schemeClr val="accent1"/>
-          </a:effectRef>
-          <a:fontRef idx="minor">
-            <a:schemeClr val="tx1"/>
-          </a:fontRef>
-        </p:style>
-      </p:cxnSp>
-      <p:cxnSp>
-        <p:nvCxnSpPr>
-          <p:cNvPr id="43" name="Прямая соединительная линия 42">
-            <a:extLst>
-              <a:ext uri="{FF2B5EF4-FFF2-40B4-BE49-F238E27FC236}">
-                <a16:creationId xmlns:a16="http://schemas.microsoft.com/office/drawing/2014/main" id="{E2BAA3E6-DD73-49A0-8381-7A18CD99715E}"/>
-              </a:ext>
-            </a:extLst>
-          </p:cNvPr>
-          <p:cNvCxnSpPr>
-            <a:cxnSpLocks/>
-          </p:cNvCxnSpPr>
-          <p:nvPr/>
-        </p:nvCxnSpPr>
-        <p:spPr>
-          <a:xfrm>
-            <a:off x="5277167" y="2192784"/>
-            <a:ext cx="4499160" cy="1716595"/>
-          </a:xfrm>
-          <a:prstGeom prst="line">
-            <a:avLst/>
-          </a:prstGeom>
-          <a:ln w="19050">
-            <a:solidFill>
-              <a:srgbClr val="7030A0"/>
-            </a:solidFill>
-          </a:ln>
-        </p:spPr>
-        <p:style>
-          <a:lnRef idx="1">
-            <a:schemeClr val="accent1"/>
-          </a:lnRef>
-          <a:fillRef idx="0">
-            <a:schemeClr val="accent1"/>
-          </a:fillRef>
-          <a:effectRef idx="0">
-            <a:schemeClr val="accent1"/>
-          </a:effectRef>
-          <a:fontRef idx="minor">
-            <a:schemeClr val="tx1"/>
-          </a:fontRef>
-        </p:style>
-      </p:cxnSp>
-      <p:sp>
-        <p:nvSpPr>
-          <p:cNvPr id="51" name="Полилиния: фигура 50">
-            <a:extLst>
-              <a:ext uri="{FF2B5EF4-FFF2-40B4-BE49-F238E27FC236}">
-                <a16:creationId xmlns:a16="http://schemas.microsoft.com/office/drawing/2014/main" id="{EE2CECB2-2517-4037-B618-D7DDD35A7EA6}"/>
-              </a:ext>
-            </a:extLst>
-          </p:cNvPr>
-          <p:cNvSpPr/>
-          <p:nvPr/>
-        </p:nvSpPr>
-        <p:spPr>
-          <a:xfrm>
-            <a:off x="2419350" y="2190750"/>
+            <a:off x="2414259" y="2202888"/>
             <a:ext cx="3181350" cy="1714500"/>
           </a:xfrm>
           <a:custGeom>
@@ -4973,7 +4889,7 @@
         </p:nvSpPr>
         <p:spPr>
           <a:xfrm>
-            <a:off x="2416175" y="473075"/>
+            <a:off x="2406239" y="473253"/>
             <a:ext cx="3178175" cy="1123950"/>
           </a:xfrm>
           <a:custGeom>
@@ -5078,8 +4994,8 @@
         </p:nvSpPr>
         <p:spPr>
           <a:xfrm>
-            <a:off x="2415673" y="1595438"/>
-            <a:ext cx="2862908" cy="595790"/>
+            <a:off x="2422525" y="1591853"/>
+            <a:ext cx="2862908" cy="606463"/>
           </a:xfrm>
           <a:prstGeom prst="rect">
             <a:avLst/>
@@ -5608,6 +5524,527 @@
   <p:clrMapOvr>
     <a:masterClrMapping/>
   </p:clrMapOvr>
+  <p:timing>
+    <p:tnLst>
+      <p:par>
+        <p:cTn id="1" dur="indefinite" restart="never" nodeType="tmRoot">
+          <p:childTnLst>
+            <p:seq concurrent="1" nextAc="seek">
+              <p:cTn id="2" dur="indefinite" nodeType="mainSeq">
+                <p:childTnLst>
+                  <p:par>
+                    <p:cTn id="3" fill="hold">
+                      <p:stCondLst>
+                        <p:cond delay="indefinite"/>
+                      </p:stCondLst>
+                      <p:childTnLst>
+                        <p:par>
+                          <p:cTn id="4" fill="hold">
+                            <p:stCondLst>
+                              <p:cond delay="0"/>
+                            </p:stCondLst>
+                            <p:childTnLst>
+                              <p:par>
+                                <p:cTn id="5" presetID="42" presetClass="entr" presetSubtype="0" fill="hold" nodeType="clickEffect">
+                                  <p:stCondLst>
+                                    <p:cond delay="0"/>
+                                  </p:stCondLst>
+                                  <p:childTnLst>
+                                    <p:set>
+                                      <p:cBhvr>
+                                        <p:cTn id="6" dur="1" fill="hold">
+                                          <p:stCondLst>
+                                            <p:cond delay="0"/>
+                                          </p:stCondLst>
+                                        </p:cTn>
+                                        <p:tgtEl>
+                                          <p:spTgt spid="5"/>
+                                        </p:tgtEl>
+                                        <p:attrNameLst>
+                                          <p:attrName>style.visibility</p:attrName>
+                                        </p:attrNameLst>
+                                      </p:cBhvr>
+                                      <p:to>
+                                        <p:strVal val="visible"/>
+                                      </p:to>
+                                    </p:set>
+                                    <p:animEffect transition="in" filter="fade">
+                                      <p:cBhvr>
+                                        <p:cTn id="7" dur="1000"/>
+                                        <p:tgtEl>
+                                          <p:spTgt spid="5"/>
+                                        </p:tgtEl>
+                                      </p:cBhvr>
+                                    </p:animEffect>
+                                    <p:anim calcmode="lin" valueType="num">
+                                      <p:cBhvr>
+                                        <p:cTn id="8" dur="1000" fill="hold"/>
+                                        <p:tgtEl>
+                                          <p:spTgt spid="5"/>
+                                        </p:tgtEl>
+                                        <p:attrNameLst>
+                                          <p:attrName>ppt_x</p:attrName>
+                                        </p:attrNameLst>
+                                      </p:cBhvr>
+                                      <p:tavLst>
+                                        <p:tav tm="0">
+                                          <p:val>
+                                            <p:strVal val="#ppt_x"/>
+                                          </p:val>
+                                        </p:tav>
+                                        <p:tav tm="100000">
+                                          <p:val>
+                                            <p:strVal val="#ppt_x"/>
+                                          </p:val>
+                                        </p:tav>
+                                      </p:tavLst>
+                                    </p:anim>
+                                    <p:anim calcmode="lin" valueType="num">
+                                      <p:cBhvr>
+                                        <p:cTn id="9" dur="1000" fill="hold"/>
+                                        <p:tgtEl>
+                                          <p:spTgt spid="5"/>
+                                        </p:tgtEl>
+                                        <p:attrNameLst>
+                                          <p:attrName>ppt_y</p:attrName>
+                                        </p:attrNameLst>
+                                      </p:cBhvr>
+                                      <p:tavLst>
+                                        <p:tav tm="0">
+                                          <p:val>
+                                            <p:strVal val="#ppt_y+.1"/>
+                                          </p:val>
+                                        </p:tav>
+                                        <p:tav tm="100000">
+                                          <p:val>
+                                            <p:strVal val="#ppt_y"/>
+                                          </p:val>
+                                        </p:tav>
+                                      </p:tavLst>
+                                    </p:anim>
+                                  </p:childTnLst>
+                                </p:cTn>
+                              </p:par>
+                            </p:childTnLst>
+                          </p:cTn>
+                        </p:par>
+                      </p:childTnLst>
+                    </p:cTn>
+                  </p:par>
+                  <p:par>
+                    <p:cTn id="10" fill="hold">
+                      <p:stCondLst>
+                        <p:cond delay="indefinite"/>
+                      </p:stCondLst>
+                      <p:childTnLst>
+                        <p:par>
+                          <p:cTn id="11" fill="hold">
+                            <p:stCondLst>
+                              <p:cond delay="0"/>
+                            </p:stCondLst>
+                            <p:childTnLst>
+                              <p:par>
+                                <p:cTn id="12" presetID="10" presetClass="entr" presetSubtype="0" fill="hold" nodeType="clickEffect">
+                                  <p:stCondLst>
+                                    <p:cond delay="0"/>
+                                  </p:stCondLst>
+                                  <p:childTnLst>
+                                    <p:set>
+                                      <p:cBhvr>
+                                        <p:cTn id="13" dur="1" fill="hold">
+                                          <p:stCondLst>
+                                            <p:cond delay="0"/>
+                                          </p:stCondLst>
+                                        </p:cTn>
+                                        <p:tgtEl>
+                                          <p:spTgt spid="15"/>
+                                        </p:tgtEl>
+                                        <p:attrNameLst>
+                                          <p:attrName>style.visibility</p:attrName>
+                                        </p:attrNameLst>
+                                      </p:cBhvr>
+                                      <p:to>
+                                        <p:strVal val="visible"/>
+                                      </p:to>
+                                    </p:set>
+                                    <p:animEffect transition="in" filter="fade">
+                                      <p:cBhvr>
+                                        <p:cTn id="14" dur="500"/>
+                                        <p:tgtEl>
+                                          <p:spTgt spid="15"/>
+                                        </p:tgtEl>
+                                      </p:cBhvr>
+                                    </p:animEffect>
+                                  </p:childTnLst>
+                                </p:cTn>
+                              </p:par>
+                              <p:par>
+                                <p:cTn id="15" presetID="10" presetClass="entr" presetSubtype="0" fill="hold" nodeType="withEffect">
+                                  <p:stCondLst>
+                                    <p:cond delay="0"/>
+                                  </p:stCondLst>
+                                  <p:childTnLst>
+                                    <p:set>
+                                      <p:cBhvr>
+                                        <p:cTn id="16" dur="1" fill="hold">
+                                          <p:stCondLst>
+                                            <p:cond delay="0"/>
+                                          </p:stCondLst>
+                                        </p:cTn>
+                                        <p:tgtEl>
+                                          <p:spTgt spid="23"/>
+                                        </p:tgtEl>
+                                        <p:attrNameLst>
+                                          <p:attrName>style.visibility</p:attrName>
+                                        </p:attrNameLst>
+                                      </p:cBhvr>
+                                      <p:to>
+                                        <p:strVal val="visible"/>
+                                      </p:to>
+                                    </p:set>
+                                    <p:animEffect transition="in" filter="fade">
+                                      <p:cBhvr>
+                                        <p:cTn id="17" dur="500"/>
+                                        <p:tgtEl>
+                                          <p:spTgt spid="23"/>
+                                        </p:tgtEl>
+                                      </p:cBhvr>
+                                    </p:animEffect>
+                                  </p:childTnLst>
+                                </p:cTn>
+                              </p:par>
+                              <p:par>
+                                <p:cTn id="18" presetID="10" presetClass="entr" presetSubtype="0" fill="hold" grpId="0" nodeType="withEffect">
+                                  <p:stCondLst>
+                                    <p:cond delay="0"/>
+                                  </p:stCondLst>
+                                  <p:childTnLst>
+                                    <p:set>
+                                      <p:cBhvr>
+                                        <p:cTn id="19" dur="1" fill="hold">
+                                          <p:stCondLst>
+                                            <p:cond delay="0"/>
+                                          </p:stCondLst>
+                                        </p:cTn>
+                                        <p:tgtEl>
+                                          <p:spTgt spid="9"/>
+                                        </p:tgtEl>
+                                        <p:attrNameLst>
+                                          <p:attrName>style.visibility</p:attrName>
+                                        </p:attrNameLst>
+                                      </p:cBhvr>
+                                      <p:to>
+                                        <p:strVal val="visible"/>
+                                      </p:to>
+                                    </p:set>
+                                    <p:animEffect transition="in" filter="fade">
+                                      <p:cBhvr>
+                                        <p:cTn id="20" dur="500"/>
+                                        <p:tgtEl>
+                                          <p:spTgt spid="9"/>
+                                        </p:tgtEl>
+                                      </p:cBhvr>
+                                    </p:animEffect>
+                                  </p:childTnLst>
+                                </p:cTn>
+                              </p:par>
+                              <p:par>
+                                <p:cTn id="21" presetID="10" presetClass="entr" presetSubtype="0" fill="hold" nodeType="withEffect">
+                                  <p:stCondLst>
+                                    <p:cond delay="0"/>
+                                  </p:stCondLst>
+                                  <p:childTnLst>
+                                    <p:set>
+                                      <p:cBhvr>
+                                        <p:cTn id="22" dur="1" fill="hold">
+                                          <p:stCondLst>
+                                            <p:cond delay="0"/>
+                                          </p:stCondLst>
+                                        </p:cTn>
+                                        <p:tgtEl>
+                                          <p:spTgt spid="22"/>
+                                        </p:tgtEl>
+                                        <p:attrNameLst>
+                                          <p:attrName>style.visibility</p:attrName>
+                                        </p:attrNameLst>
+                                      </p:cBhvr>
+                                      <p:to>
+                                        <p:strVal val="visible"/>
+                                      </p:to>
+                                    </p:set>
+                                    <p:animEffect transition="in" filter="fade">
+                                      <p:cBhvr>
+                                        <p:cTn id="23" dur="500"/>
+                                        <p:tgtEl>
+                                          <p:spTgt spid="22"/>
+                                        </p:tgtEl>
+                                      </p:cBhvr>
+                                    </p:animEffect>
+                                  </p:childTnLst>
+                                </p:cTn>
+                              </p:par>
+                              <p:par>
+                                <p:cTn id="24" presetID="10" presetClass="entr" presetSubtype="0" fill="hold" nodeType="withEffect">
+                                  <p:stCondLst>
+                                    <p:cond delay="0"/>
+                                  </p:stCondLst>
+                                  <p:childTnLst>
+                                    <p:set>
+                                      <p:cBhvr>
+                                        <p:cTn id="25" dur="1" fill="hold">
+                                          <p:stCondLst>
+                                            <p:cond delay="0"/>
+                                          </p:stCondLst>
+                                        </p:cTn>
+                                        <p:tgtEl>
+                                          <p:spTgt spid="18"/>
+                                        </p:tgtEl>
+                                        <p:attrNameLst>
+                                          <p:attrName>style.visibility</p:attrName>
+                                        </p:attrNameLst>
+                                      </p:cBhvr>
+                                      <p:to>
+                                        <p:strVal val="visible"/>
+                                      </p:to>
+                                    </p:set>
+                                    <p:animEffect transition="in" filter="fade">
+                                      <p:cBhvr>
+                                        <p:cTn id="26" dur="500"/>
+                                        <p:tgtEl>
+                                          <p:spTgt spid="18"/>
+                                        </p:tgtEl>
+                                      </p:cBhvr>
+                                    </p:animEffect>
+                                  </p:childTnLst>
+                                </p:cTn>
+                              </p:par>
+                              <p:par>
+                                <p:cTn id="27" presetID="10" presetClass="entr" presetSubtype="0" fill="hold" nodeType="withEffect">
+                                  <p:stCondLst>
+                                    <p:cond delay="0"/>
+                                  </p:stCondLst>
+                                  <p:childTnLst>
+                                    <p:set>
+                                      <p:cBhvr>
+                                        <p:cTn id="28" dur="1" fill="hold">
+                                          <p:stCondLst>
+                                            <p:cond delay="0"/>
+                                          </p:stCondLst>
+                                        </p:cTn>
+                                        <p:tgtEl>
+                                          <p:spTgt spid="7"/>
+                                        </p:tgtEl>
+                                        <p:attrNameLst>
+                                          <p:attrName>style.visibility</p:attrName>
+                                        </p:attrNameLst>
+                                      </p:cBhvr>
+                                      <p:to>
+                                        <p:strVal val="visible"/>
+                                      </p:to>
+                                    </p:set>
+                                    <p:animEffect transition="in" filter="fade">
+                                      <p:cBhvr>
+                                        <p:cTn id="29" dur="500"/>
+                                        <p:tgtEl>
+                                          <p:spTgt spid="7"/>
+                                        </p:tgtEl>
+                                      </p:cBhvr>
+                                    </p:animEffect>
+                                  </p:childTnLst>
+                                </p:cTn>
+                              </p:par>
+                            </p:childTnLst>
+                          </p:cTn>
+                        </p:par>
+                      </p:childTnLst>
+                    </p:cTn>
+                  </p:par>
+                  <p:par>
+                    <p:cTn id="30" fill="hold">
+                      <p:stCondLst>
+                        <p:cond delay="indefinite"/>
+                      </p:stCondLst>
+                      <p:childTnLst>
+                        <p:par>
+                          <p:cTn id="31" fill="hold">
+                            <p:stCondLst>
+                              <p:cond delay="0"/>
+                            </p:stCondLst>
+                            <p:childTnLst>
+                              <p:par>
+                                <p:cTn id="32" presetID="10" presetClass="entr" presetSubtype="0" fill="hold" grpId="0" nodeType="clickEffect">
+                                  <p:stCondLst>
+                                    <p:cond delay="0"/>
+                                  </p:stCondLst>
+                                  <p:childTnLst>
+                                    <p:set>
+                                      <p:cBhvr>
+                                        <p:cTn id="33" dur="1" fill="hold">
+                                          <p:stCondLst>
+                                            <p:cond delay="0"/>
+                                          </p:stCondLst>
+                                        </p:cTn>
+                                        <p:tgtEl>
+                                          <p:spTgt spid="52"/>
+                                        </p:tgtEl>
+                                        <p:attrNameLst>
+                                          <p:attrName>style.visibility</p:attrName>
+                                        </p:attrNameLst>
+                                      </p:cBhvr>
+                                      <p:to>
+                                        <p:strVal val="visible"/>
+                                      </p:to>
+                                    </p:set>
+                                    <p:animEffect transition="in" filter="fade">
+                                      <p:cBhvr>
+                                        <p:cTn id="34" dur="500"/>
+                                        <p:tgtEl>
+                                          <p:spTgt spid="52"/>
+                                        </p:tgtEl>
+                                      </p:cBhvr>
+                                    </p:animEffect>
+                                  </p:childTnLst>
+                                </p:cTn>
+                              </p:par>
+                              <p:par>
+                                <p:cTn id="35" presetID="10" presetClass="entr" presetSubtype="0" fill="hold" grpId="0" nodeType="withEffect">
+                                  <p:stCondLst>
+                                    <p:cond delay="0"/>
+                                  </p:stCondLst>
+                                  <p:childTnLst>
+                                    <p:set>
+                                      <p:cBhvr>
+                                        <p:cTn id="36" dur="1" fill="hold">
+                                          <p:stCondLst>
+                                            <p:cond delay="0"/>
+                                          </p:stCondLst>
+                                        </p:cTn>
+                                        <p:tgtEl>
+                                          <p:spTgt spid="51"/>
+                                        </p:tgtEl>
+                                        <p:attrNameLst>
+                                          <p:attrName>style.visibility</p:attrName>
+                                        </p:attrNameLst>
+                                      </p:cBhvr>
+                                      <p:to>
+                                        <p:strVal val="visible"/>
+                                      </p:to>
+                                    </p:set>
+                                    <p:animEffect transition="in" filter="fade">
+                                      <p:cBhvr>
+                                        <p:cTn id="37" dur="500"/>
+                                        <p:tgtEl>
+                                          <p:spTgt spid="51"/>
+                                        </p:tgtEl>
+                                      </p:cBhvr>
+                                    </p:animEffect>
+                                  </p:childTnLst>
+                                </p:cTn>
+                              </p:par>
+                              <p:par>
+                                <p:cTn id="38" presetID="10" presetClass="entr" presetSubtype="0" fill="hold" nodeType="withEffect">
+                                  <p:stCondLst>
+                                    <p:cond delay="0"/>
+                                  </p:stCondLst>
+                                  <p:childTnLst>
+                                    <p:set>
+                                      <p:cBhvr>
+                                        <p:cTn id="39" dur="1" fill="hold">
+                                          <p:stCondLst>
+                                            <p:cond delay="0"/>
+                                          </p:stCondLst>
+                                        </p:cTn>
+                                        <p:tgtEl>
+                                          <p:spTgt spid="30"/>
+                                        </p:tgtEl>
+                                        <p:attrNameLst>
+                                          <p:attrName>style.visibility</p:attrName>
+                                        </p:attrNameLst>
+                                      </p:cBhvr>
+                                      <p:to>
+                                        <p:strVal val="visible"/>
+                                      </p:to>
+                                    </p:set>
+                                    <p:animEffect transition="in" filter="fade">
+                                      <p:cBhvr>
+                                        <p:cTn id="40" dur="500"/>
+                                        <p:tgtEl>
+                                          <p:spTgt spid="30"/>
+                                        </p:tgtEl>
+                                      </p:cBhvr>
+                                    </p:animEffect>
+                                  </p:childTnLst>
+                                </p:cTn>
+                              </p:par>
+                              <p:par>
+                                <p:cTn id="41" presetID="10" presetClass="entr" presetSubtype="0" fill="hold" grpId="0" nodeType="withEffect">
+                                  <p:stCondLst>
+                                    <p:cond delay="0"/>
+                                  </p:stCondLst>
+                                  <p:childTnLst>
+                                    <p:set>
+                                      <p:cBhvr>
+                                        <p:cTn id="42" dur="1" fill="hold">
+                                          <p:stCondLst>
+                                            <p:cond delay="0"/>
+                                          </p:stCondLst>
+                                        </p:cTn>
+                                        <p:tgtEl>
+                                          <p:spTgt spid="53"/>
+                                        </p:tgtEl>
+                                        <p:attrNameLst>
+                                          <p:attrName>style.visibility</p:attrName>
+                                        </p:attrNameLst>
+                                      </p:cBhvr>
+                                      <p:to>
+                                        <p:strVal val="visible"/>
+                                      </p:to>
+                                    </p:set>
+                                    <p:animEffect transition="in" filter="fade">
+                                      <p:cBhvr>
+                                        <p:cTn id="43" dur="500"/>
+                                        <p:tgtEl>
+                                          <p:spTgt spid="53"/>
+                                        </p:tgtEl>
+                                      </p:cBhvr>
+                                    </p:animEffect>
+                                  </p:childTnLst>
+                                </p:cTn>
+                              </p:par>
+                            </p:childTnLst>
+                          </p:cTn>
+                        </p:par>
+                      </p:childTnLst>
+                    </p:cTn>
+                  </p:par>
+                </p:childTnLst>
+              </p:cTn>
+              <p:prevCondLst>
+                <p:cond evt="onPrev" delay="0">
+                  <p:tgtEl>
+                    <p:sldTgt/>
+                  </p:tgtEl>
+                </p:cond>
+              </p:prevCondLst>
+              <p:nextCondLst>
+                <p:cond evt="onNext" delay="0">
+                  <p:tgtEl>
+                    <p:sldTgt/>
+                  </p:tgtEl>
+                </p:cond>
+              </p:nextCondLst>
+            </p:seq>
+          </p:childTnLst>
+        </p:cTn>
+      </p:par>
+    </p:tnLst>
+    <p:bldLst>
+      <p:bldP spid="9" grpId="0" animBg="1"/>
+      <p:bldP spid="51" grpId="0" animBg="1"/>
+      <p:bldP spid="52" grpId="0" animBg="1"/>
+      <p:bldP spid="53" grpId="0" animBg="1"/>
+    </p:bldLst>
+  </p:timing>
 </p:sld>
 </file>
 
@@ -5881,10 +6318,499 @@
   <p:clrMapOvr>
     <a:masterClrMapping/>
   </p:clrMapOvr>
+  <p:timing>
+    <p:tnLst>
+      <p:par>
+        <p:cTn id="1" dur="indefinite" restart="never" nodeType="tmRoot">
+          <p:childTnLst>
+            <p:seq concurrent="1" nextAc="seek">
+              <p:cTn id="2" dur="indefinite" nodeType="mainSeq">
+                <p:childTnLst>
+                  <p:par>
+                    <p:cTn id="3" fill="hold">
+                      <p:stCondLst>
+                        <p:cond delay="indefinite"/>
+                        <p:cond evt="onBegin" delay="0">
+                          <p:tn val="2"/>
+                        </p:cond>
+                      </p:stCondLst>
+                      <p:childTnLst>
+                        <p:par>
+                          <p:cTn id="4" fill="hold">
+                            <p:stCondLst>
+                              <p:cond delay="0"/>
+                            </p:stCondLst>
+                            <p:childTnLst>
+                              <p:par>
+                                <p:cTn id="5" presetID="42" presetClass="entr" presetSubtype="0" fill="hold" nodeType="withEffect">
+                                  <p:stCondLst>
+                                    <p:cond delay="0"/>
+                                  </p:stCondLst>
+                                  <p:childTnLst>
+                                    <p:set>
+                                      <p:cBhvr>
+                                        <p:cTn id="6" dur="1" fill="hold">
+                                          <p:stCondLst>
+                                            <p:cond delay="0"/>
+                                          </p:stCondLst>
+                                        </p:cTn>
+                                        <p:tgtEl>
+                                          <p:spTgt spid="30"/>
+                                        </p:tgtEl>
+                                        <p:attrNameLst>
+                                          <p:attrName>style.visibility</p:attrName>
+                                        </p:attrNameLst>
+                                      </p:cBhvr>
+                                      <p:to>
+                                        <p:strVal val="visible"/>
+                                      </p:to>
+                                    </p:set>
+                                    <p:animEffect transition="in" filter="fade">
+                                      <p:cBhvr>
+                                        <p:cTn id="7" dur="1000"/>
+                                        <p:tgtEl>
+                                          <p:spTgt spid="30"/>
+                                        </p:tgtEl>
+                                      </p:cBhvr>
+                                    </p:animEffect>
+                                    <p:anim calcmode="lin" valueType="num">
+                                      <p:cBhvr>
+                                        <p:cTn id="8" dur="1000" fill="hold"/>
+                                        <p:tgtEl>
+                                          <p:spTgt spid="30"/>
+                                        </p:tgtEl>
+                                        <p:attrNameLst>
+                                          <p:attrName>ppt_x</p:attrName>
+                                        </p:attrNameLst>
+                                      </p:cBhvr>
+                                      <p:tavLst>
+                                        <p:tav tm="0">
+                                          <p:val>
+                                            <p:strVal val="#ppt_x"/>
+                                          </p:val>
+                                        </p:tav>
+                                        <p:tav tm="100000">
+                                          <p:val>
+                                            <p:strVal val="#ppt_x"/>
+                                          </p:val>
+                                        </p:tav>
+                                      </p:tavLst>
+                                    </p:anim>
+                                    <p:anim calcmode="lin" valueType="num">
+                                      <p:cBhvr>
+                                        <p:cTn id="9" dur="1000" fill="hold"/>
+                                        <p:tgtEl>
+                                          <p:spTgt spid="30"/>
+                                        </p:tgtEl>
+                                        <p:attrNameLst>
+                                          <p:attrName>ppt_y</p:attrName>
+                                        </p:attrNameLst>
+                                      </p:cBhvr>
+                                      <p:tavLst>
+                                        <p:tav tm="0">
+                                          <p:val>
+                                            <p:strVal val="#ppt_y+.1"/>
+                                          </p:val>
+                                        </p:tav>
+                                        <p:tav tm="100000">
+                                          <p:val>
+                                            <p:strVal val="#ppt_y"/>
+                                          </p:val>
+                                        </p:tav>
+                                      </p:tavLst>
+                                    </p:anim>
+                                  </p:childTnLst>
+                                </p:cTn>
+                              </p:par>
+                              <p:par>
+                                <p:cTn id="10" presetID="42" presetClass="entr" presetSubtype="0" fill="hold" nodeType="withEffect">
+                                  <p:stCondLst>
+                                    <p:cond delay="0"/>
+                                  </p:stCondLst>
+                                  <p:childTnLst>
+                                    <p:set>
+                                      <p:cBhvr>
+                                        <p:cTn id="11" dur="1" fill="hold">
+                                          <p:stCondLst>
+                                            <p:cond delay="0"/>
+                                          </p:stCondLst>
+                                        </p:cTn>
+                                        <p:tgtEl>
+                                          <p:spTgt spid="35"/>
+                                        </p:tgtEl>
+                                        <p:attrNameLst>
+                                          <p:attrName>style.visibility</p:attrName>
+                                        </p:attrNameLst>
+                                      </p:cBhvr>
+                                      <p:to>
+                                        <p:strVal val="visible"/>
+                                      </p:to>
+                                    </p:set>
+                                    <p:animEffect transition="in" filter="fade">
+                                      <p:cBhvr>
+                                        <p:cTn id="12" dur="1000"/>
+                                        <p:tgtEl>
+                                          <p:spTgt spid="35"/>
+                                        </p:tgtEl>
+                                      </p:cBhvr>
+                                    </p:animEffect>
+                                    <p:anim calcmode="lin" valueType="num">
+                                      <p:cBhvr>
+                                        <p:cTn id="13" dur="1000" fill="hold"/>
+                                        <p:tgtEl>
+                                          <p:spTgt spid="35"/>
+                                        </p:tgtEl>
+                                        <p:attrNameLst>
+                                          <p:attrName>ppt_x</p:attrName>
+                                        </p:attrNameLst>
+                                      </p:cBhvr>
+                                      <p:tavLst>
+                                        <p:tav tm="0">
+                                          <p:val>
+                                            <p:strVal val="#ppt_x"/>
+                                          </p:val>
+                                        </p:tav>
+                                        <p:tav tm="100000">
+                                          <p:val>
+                                            <p:strVal val="#ppt_x"/>
+                                          </p:val>
+                                        </p:tav>
+                                      </p:tavLst>
+                                    </p:anim>
+                                    <p:anim calcmode="lin" valueType="num">
+                                      <p:cBhvr>
+                                        <p:cTn id="14" dur="1000" fill="hold"/>
+                                        <p:tgtEl>
+                                          <p:spTgt spid="35"/>
+                                        </p:tgtEl>
+                                        <p:attrNameLst>
+                                          <p:attrName>ppt_y</p:attrName>
+                                        </p:attrNameLst>
+                                      </p:cBhvr>
+                                      <p:tavLst>
+                                        <p:tav tm="0">
+                                          <p:val>
+                                            <p:strVal val="#ppt_y+.1"/>
+                                          </p:val>
+                                        </p:tav>
+                                        <p:tav tm="100000">
+                                          <p:val>
+                                            <p:strVal val="#ppt_y"/>
+                                          </p:val>
+                                        </p:tav>
+                                      </p:tavLst>
+                                    </p:anim>
+                                  </p:childTnLst>
+                                </p:cTn>
+                              </p:par>
+                              <p:par>
+                                <p:cTn id="15" presetID="42" presetClass="entr" presetSubtype="0" fill="hold" nodeType="withEffect">
+                                  <p:stCondLst>
+                                    <p:cond delay="0"/>
+                                  </p:stCondLst>
+                                  <p:childTnLst>
+                                    <p:set>
+                                      <p:cBhvr>
+                                        <p:cTn id="16" dur="1" fill="hold">
+                                          <p:stCondLst>
+                                            <p:cond delay="0"/>
+                                          </p:stCondLst>
+                                        </p:cTn>
+                                        <p:tgtEl>
+                                          <p:spTgt spid="49"/>
+                                        </p:tgtEl>
+                                        <p:attrNameLst>
+                                          <p:attrName>style.visibility</p:attrName>
+                                        </p:attrNameLst>
+                                      </p:cBhvr>
+                                      <p:to>
+                                        <p:strVal val="visible"/>
+                                      </p:to>
+                                    </p:set>
+                                    <p:animEffect transition="in" filter="fade">
+                                      <p:cBhvr>
+                                        <p:cTn id="17" dur="1000"/>
+                                        <p:tgtEl>
+                                          <p:spTgt spid="49"/>
+                                        </p:tgtEl>
+                                      </p:cBhvr>
+                                    </p:animEffect>
+                                    <p:anim calcmode="lin" valueType="num">
+                                      <p:cBhvr>
+                                        <p:cTn id="18" dur="1000" fill="hold"/>
+                                        <p:tgtEl>
+                                          <p:spTgt spid="49"/>
+                                        </p:tgtEl>
+                                        <p:attrNameLst>
+                                          <p:attrName>ppt_x</p:attrName>
+                                        </p:attrNameLst>
+                                      </p:cBhvr>
+                                      <p:tavLst>
+                                        <p:tav tm="0">
+                                          <p:val>
+                                            <p:strVal val="#ppt_x"/>
+                                          </p:val>
+                                        </p:tav>
+                                        <p:tav tm="100000">
+                                          <p:val>
+                                            <p:strVal val="#ppt_x"/>
+                                          </p:val>
+                                        </p:tav>
+                                      </p:tavLst>
+                                    </p:anim>
+                                    <p:anim calcmode="lin" valueType="num">
+                                      <p:cBhvr>
+                                        <p:cTn id="19" dur="1000" fill="hold"/>
+                                        <p:tgtEl>
+                                          <p:spTgt spid="49"/>
+                                        </p:tgtEl>
+                                        <p:attrNameLst>
+                                          <p:attrName>ppt_y</p:attrName>
+                                        </p:attrNameLst>
+                                      </p:cBhvr>
+                                      <p:tavLst>
+                                        <p:tav tm="0">
+                                          <p:val>
+                                            <p:strVal val="#ppt_y+.1"/>
+                                          </p:val>
+                                        </p:tav>
+                                        <p:tav tm="100000">
+                                          <p:val>
+                                            <p:strVal val="#ppt_y"/>
+                                          </p:val>
+                                        </p:tav>
+                                      </p:tavLst>
+                                    </p:anim>
+                                  </p:childTnLst>
+                                </p:cTn>
+                              </p:par>
+                            </p:childTnLst>
+                          </p:cTn>
+                        </p:par>
+                      </p:childTnLst>
+                    </p:cTn>
+                  </p:par>
+                </p:childTnLst>
+              </p:cTn>
+              <p:prevCondLst>
+                <p:cond evt="onPrev" delay="0">
+                  <p:tgtEl>
+                    <p:sldTgt/>
+                  </p:tgtEl>
+                </p:cond>
+              </p:prevCondLst>
+              <p:nextCondLst>
+                <p:cond evt="onNext" delay="0">
+                  <p:tgtEl>
+                    <p:sldTgt/>
+                  </p:tgtEl>
+                </p:cond>
+              </p:nextCondLst>
+            </p:seq>
+          </p:childTnLst>
+        </p:cTn>
+      </p:par>
+    </p:tnLst>
+  </p:timing>
 </p:sld>
 </file>
 
 <file path=ppt/slides/slide6.xml><?xml version="1.0" encoding="utf-8"?>
+<p:sld xmlns:a="http://schemas.openxmlformats.org/drawingml/2006/main" xmlns:r="http://schemas.openxmlformats.org/officeDocument/2006/relationships" xmlns:p="http://schemas.openxmlformats.org/presentationml/2006/main">
+  <p:cSld>
+    <p:bg>
+      <p:bgPr>
+        <a:solidFill>
+          <a:schemeClr val="bg1"/>
+        </a:solidFill>
+        <a:effectLst/>
+      </p:bgPr>
+    </p:bg>
+    <p:spTree>
+      <p:nvGrpSpPr>
+        <p:cNvPr id="1" name=""/>
+        <p:cNvGrpSpPr/>
+        <p:nvPr/>
+      </p:nvGrpSpPr>
+      <p:grpSpPr>
+        <a:xfrm>
+          <a:off x="0" y="0"/>
+          <a:ext cx="0" cy="0"/>
+          <a:chOff x="0" y="0"/>
+          <a:chExt cx="0" cy="0"/>
+        </a:xfrm>
+      </p:grpSpPr>
+      <p:sp>
+        <p:nvSpPr>
+          <p:cNvPr id="10" name="Rectangle 9">
+            <a:extLst>
+              <a:ext uri="{FF2B5EF4-FFF2-40B4-BE49-F238E27FC236}">
+                <a16:creationId xmlns:a16="http://schemas.microsoft.com/office/drawing/2014/main" id="{A4AC5506-6312-4701-8D3C-40187889A947}"/>
+              </a:ext>
+              <a:ext uri="{C183D7F6-B498-43B3-948B-1728B52AA6E4}">
+                <adec:decorative xmlns:adec="http://schemas.microsoft.com/office/drawing/2017/decorative" val="1"/>
+              </a:ext>
+            </a:extLst>
+          </p:cNvPr>
+          <p:cNvSpPr>
+            <a:spLocks noGrp="1" noRot="1" noChangeAspect="1" noMove="1" noResize="1" noEditPoints="1" noAdjustHandles="1" noChangeArrowheads="1" noChangeShapeType="1" noTextEdit="1"/>
+          </p:cNvSpPr>
+          <p:nvPr>
+            <p:extLst>
+              <p:ext uri="{386F3935-93C4-4BCD-93E2-E3B085C9AB24}">
+                <p16:designElem xmlns:p16="http://schemas.microsoft.com/office/powerpoint/2015/main" val="1"/>
+              </p:ext>
+            </p:extLst>
+          </p:nvPr>
+        </p:nvSpPr>
+        <p:spPr>
+          <a:xfrm>
+            <a:off x="0" y="651752"/>
+            <a:ext cx="12192000" cy="736551"/>
+          </a:xfrm>
+          <a:prstGeom prst="rect">
+            <a:avLst/>
+          </a:prstGeom>
+          <a:solidFill>
+            <a:schemeClr val="tx1"/>
+          </a:solidFill>
+          <a:ln>
+            <a:noFill/>
+          </a:ln>
+        </p:spPr>
+        <p:style>
+          <a:lnRef idx="2">
+            <a:schemeClr val="accent1">
+              <a:shade val="50000"/>
+            </a:schemeClr>
+          </a:lnRef>
+          <a:fillRef idx="1">
+            <a:schemeClr val="accent1"/>
+          </a:fillRef>
+          <a:effectRef idx="0">
+            <a:schemeClr val="accent1"/>
+          </a:effectRef>
+          <a:fontRef idx="minor">
+            <a:schemeClr val="lt1"/>
+          </a:fontRef>
+        </p:style>
+        <p:txBody>
+          <a:bodyPr rtlCol="0" anchor="ctr"/>
+          <a:lstStyle/>
+          <a:p>
+            <a:pPr algn="ctr"/>
+            <a:endParaRPr lang="en-US"/>
+          </a:p>
+        </p:txBody>
+      </p:sp>
+      <p:sp>
+        <p:nvSpPr>
+          <p:cNvPr id="2" name="Заголовок 1">
+            <a:extLst>
+              <a:ext uri="{FF2B5EF4-FFF2-40B4-BE49-F238E27FC236}">
+                <a16:creationId xmlns:a16="http://schemas.microsoft.com/office/drawing/2014/main" id="{B49B37D4-6D74-4E29-9255-32DC7DAEB757}"/>
+              </a:ext>
+            </a:extLst>
+          </p:cNvPr>
+          <p:cNvSpPr>
+            <a:spLocks noGrp="1"/>
+          </p:cNvSpPr>
+          <p:nvPr>
+            <p:ph type="title"/>
+          </p:nvPr>
+        </p:nvSpPr>
+        <p:spPr>
+          <a:xfrm>
+            <a:off x="556532" y="643467"/>
+            <a:ext cx="11210925" cy="744836"/>
+          </a:xfrm>
+        </p:spPr>
+        <p:txBody>
+          <a:bodyPr vert="horz" lIns="91440" tIns="45720" rIns="91440" bIns="45720" rtlCol="0" anchor="ctr">
+            <a:normAutofit/>
+          </a:bodyPr>
+          <a:lstStyle/>
+          <a:p>
+            <a:pPr algn="ctr"/>
+            <a:r>
+              <a:rPr lang="en-US" sz="3200" kern="1200">
+                <a:solidFill>
+                  <a:schemeClr val="bg1"/>
+                </a:solidFill>
+                <a:latin typeface="+mj-lt"/>
+                <a:ea typeface="+mj-ea"/>
+                <a:cs typeface="+mj-cs"/>
+              </a:rPr>
+              <a:t>Страница очереди</a:t>
+            </a:r>
+          </a:p>
+        </p:txBody>
+      </p:sp>
+      <p:pic>
+        <p:nvPicPr>
+          <p:cNvPr id="5" name="Объект 4" descr="Изображение выглядит как снимок экрана&#10;&#10;Автоматически созданное описание">
+            <a:extLst>
+              <a:ext uri="{FF2B5EF4-FFF2-40B4-BE49-F238E27FC236}">
+                <a16:creationId xmlns:a16="http://schemas.microsoft.com/office/drawing/2014/main" id="{0EC8A776-D485-429A-B19E-29AB235E79EE}"/>
+              </a:ext>
+            </a:extLst>
+          </p:cNvPr>
+          <p:cNvPicPr>
+            <a:picLocks noGrp="1" noChangeAspect="1"/>
+          </p:cNvPicPr>
+          <p:nvPr>
+            <p:ph idx="1"/>
+          </p:nvPr>
+        </p:nvPicPr>
+        <p:blipFill>
+          <a:blip r:embed="rId2">
+            <a:extLst>
+              <a:ext uri="{28A0092B-C50C-407E-A947-70E740481C1C}">
+                <a14:useLocalDpi xmlns:a14="http://schemas.microsoft.com/office/drawing/2010/main" val="0"/>
+              </a:ext>
+            </a:extLst>
+          </a:blip>
+          <a:stretch>
+            <a:fillRect/>
+          </a:stretch>
+        </p:blipFill>
+        <p:spPr>
+          <a:xfrm>
+            <a:off x="1745309" y="1675227"/>
+            <a:ext cx="8701382" cy="4394199"/>
+          </a:xfrm>
+          <a:prstGeom prst="rect">
+            <a:avLst/>
+          </a:prstGeom>
+          <a:effectLst>
+            <a:glow rad="101600">
+              <a:schemeClr val="accent3">
+                <a:satMod val="175000"/>
+                <a:alpha val="40000"/>
+              </a:schemeClr>
+            </a:glow>
+            <a:outerShdw blurRad="50800" dist="38100" dir="2700000" algn="tl" rotWithShape="0">
+              <a:prstClr val="black">
+                <a:alpha val="40000"/>
+              </a:prstClr>
+            </a:outerShdw>
+          </a:effectLst>
+        </p:spPr>
+      </p:pic>
+    </p:spTree>
+    <p:extLst>
+      <p:ext uri="{BB962C8B-B14F-4D97-AF65-F5344CB8AC3E}">
+        <p14:creationId xmlns:p14="http://schemas.microsoft.com/office/powerpoint/2010/main" val="2479078614"/>
+      </p:ext>
+    </p:extLst>
+  </p:cSld>
+  <p:clrMapOvr>
+    <a:masterClrMapping/>
+  </p:clrMapOvr>
+</p:sld>
+</file>
+
+<file path=ppt/slides/slide7.xml><?xml version="1.0" encoding="utf-8"?>
 <p:sld xmlns:a="http://schemas.openxmlformats.org/drawingml/2006/main" xmlns:r="http://schemas.openxmlformats.org/officeDocument/2006/relationships" xmlns:p="http://schemas.openxmlformats.org/presentationml/2006/main">
   <p:cSld>
     <p:bg>
@@ -6699,7 +7625,7 @@
 </p:sld>
 </file>
 
-<file path=ppt/slides/slide7.xml><?xml version="1.0" encoding="utf-8"?>
+<file path=ppt/slides/slide8.xml><?xml version="1.0" encoding="utf-8"?>
 <p:sld xmlns:a="http://schemas.openxmlformats.org/drawingml/2006/main" xmlns:r="http://schemas.openxmlformats.org/officeDocument/2006/relationships" xmlns:p="http://schemas.openxmlformats.org/presentationml/2006/main">
   <p:cSld>
     <p:bg>
@@ -7426,9 +8352,17 @@
 </p:sld>
 </file>
 
-<file path=ppt/slides/slide8.xml><?xml version="1.0" encoding="utf-8"?>
+<file path=ppt/slides/slide9.xml><?xml version="1.0" encoding="utf-8"?>
 <p:sld xmlns:a="http://schemas.openxmlformats.org/drawingml/2006/main" xmlns:r="http://schemas.openxmlformats.org/officeDocument/2006/relationships" xmlns:p="http://schemas.openxmlformats.org/presentationml/2006/main">
   <p:cSld>
+    <p:bg>
+      <p:bgPr>
+        <a:solidFill>
+          <a:schemeClr val="bg1"/>
+        </a:solidFill>
+        <a:effectLst/>
+      </p:bgPr>
+    </p:bg>
     <p:spTree>
       <p:nvGrpSpPr>
         <p:cNvPr id="1" name=""/>
@@ -7445,10 +8379,10 @@
       </p:grpSpPr>
       <p:sp>
         <p:nvSpPr>
-          <p:cNvPr id="2" name="Заголовок 1">
-            <a:extLst>
-              <a:ext uri="{FF2B5EF4-FFF2-40B4-BE49-F238E27FC236}">
-                <a16:creationId xmlns:a16="http://schemas.microsoft.com/office/drawing/2014/main" id="{8C83DA32-7C42-4F9A-BF62-A53F304D868D}"/>
+          <p:cNvPr id="51" name="Заголовок 1">
+            <a:extLst>
+              <a:ext uri="{FF2B5EF4-FFF2-40B4-BE49-F238E27FC236}">
+                <a16:creationId xmlns:a16="http://schemas.microsoft.com/office/drawing/2014/main" id="{BDFAC066-CBCE-447D-95BF-F08E20D9560B}"/>
               </a:ext>
             </a:extLst>
           </p:cNvPr>
@@ -7457,104 +8391,195 @@
           </p:cNvSpPr>
           <p:nvPr>
             <p:ph type="title"/>
-          </p:nvPr>
-        </p:nvSpPr>
-        <p:spPr/>
-        <p:txBody>
-          <a:bodyPr/>
-          <a:lstStyle/>
-          <a:p>
-            <a:pPr algn="ctr"/>
-            <a:r>
-              <a:rPr lang="ru-RU" dirty="0"/>
-              <a:t>Ссылки</a:t>
-            </a:r>
-          </a:p>
-        </p:txBody>
-      </p:sp>
-      <p:sp>
-        <p:nvSpPr>
-          <p:cNvPr id="3" name="Объект 2">
-            <a:extLst>
-              <a:ext uri="{FF2B5EF4-FFF2-40B4-BE49-F238E27FC236}">
-                <a16:creationId xmlns:a16="http://schemas.microsoft.com/office/drawing/2014/main" id="{9396EB23-4167-4AE9-B114-0B3EC2CC586F}"/>
-              </a:ext>
-            </a:extLst>
-          </p:cNvPr>
-          <p:cNvSpPr>
-            <a:spLocks noGrp="1"/>
-          </p:cNvSpPr>
-          <p:nvPr>
-            <p:ph idx="1"/>
           </p:nvPr>
         </p:nvSpPr>
         <p:spPr>
           <a:xfrm>
-            <a:off x="838200" y="3047999"/>
-            <a:ext cx="10515600" cy="3128963"/>
+            <a:off x="481013" y="3752849"/>
+            <a:ext cx="3290887" cy="2452687"/>
           </a:xfrm>
         </p:spPr>
         <p:txBody>
-          <a:bodyPr/>
+          <a:bodyPr vert="horz" lIns="91440" tIns="45720" rIns="91440" bIns="45720" rtlCol="0" anchor="ctr">
+            <a:normAutofit/>
+          </a:bodyPr>
           <a:lstStyle/>
           <a:p>
             <a:r>
-              <a:rPr lang="en-US" dirty="0"/>
-              <a:t>REST API: </a:t>
-            </a:r>
-            <a:r>
-              <a:rPr lang="en-US" dirty="0">
-                <a:hlinkClick r:id="rId2"/>
-              </a:rPr>
-              <a:t>https://github.com/AppLoidx/helios-rest-api</a:t>
-            </a:r>
-            <a:endParaRPr lang="en-US" dirty="0"/>
-          </a:p>
-          <a:p>
-            <a:r>
-              <a:rPr lang="en-US" dirty="0"/>
-              <a:t>Backend: </a:t>
-            </a:r>
-            <a:r>
-              <a:rPr lang="en-US" dirty="0">
-                <a:hlinkClick r:id="rId3"/>
-              </a:rPr>
-              <a:t>https://github.com/AppLoidx/helios-backend</a:t>
-            </a:r>
-            <a:endParaRPr lang="en-US" dirty="0"/>
-          </a:p>
-          <a:p>
-            <a:r>
-              <a:rPr lang="en-US" dirty="0"/>
-              <a:t>Frontend: </a:t>
-            </a:r>
-            <a:r>
-              <a:rPr lang="en-US" dirty="0">
-                <a:hlinkClick r:id="rId4"/>
-              </a:rPr>
-              <a:t>https://github.com/AppLoidx/helios-front-end</a:t>
-            </a:r>
-            <a:endParaRPr lang="en-US" dirty="0"/>
-          </a:p>
-          <a:p>
-            <a:r>
-              <a:rPr lang="en-US" dirty="0"/>
-              <a:t>API Docs: </a:t>
-            </a:r>
-            <a:r>
-              <a:rPr lang="en-US" dirty="0">
-                <a:hlinkClick r:id="rId5"/>
-              </a:rPr>
-              <a:t>https://apploidx.github.io/helios-doc/</a:t>
-            </a:r>
-            <a:endParaRPr lang="ru-RU" dirty="0"/>
+              <a:rPr lang="en-US" sz="3600" dirty="0" err="1"/>
+              <a:t>Oauth</a:t>
+            </a:r>
+            <a:r>
+              <a:rPr lang="en-US" sz="3600" dirty="0"/>
+              <a:t> 2.0</a:t>
+            </a:r>
+          </a:p>
+        </p:txBody>
+      </p:sp>
+      <p:pic>
+        <p:nvPicPr>
+          <p:cNvPr id="11" name="Объект 10">
+            <a:extLst>
+              <a:ext uri="{FF2B5EF4-FFF2-40B4-BE49-F238E27FC236}">
+                <a16:creationId xmlns:a16="http://schemas.microsoft.com/office/drawing/2014/main" id="{D28FE689-3EFF-4552-952C-D066899F2845}"/>
+              </a:ext>
+            </a:extLst>
+          </p:cNvPr>
+          <p:cNvPicPr>
+            <a:picLocks noChangeAspect="1"/>
+          </p:cNvPicPr>
+          <p:nvPr/>
+        </p:nvPicPr>
+        <p:blipFill rotWithShape="1">
+          <a:blip r:embed="rId2">
+            <a:extLst>
+              <a:ext uri="{28A0092B-C50C-407E-A947-70E740481C1C}">
+                <a14:useLocalDpi xmlns:a14="http://schemas.microsoft.com/office/drawing/2010/main" val="0"/>
+              </a:ext>
+            </a:extLst>
+          </a:blip>
+          <a:srcRect t="4169" b="4298"/>
+          <a:stretch/>
+        </p:blipFill>
+        <p:spPr>
+          <a:xfrm>
+            <a:off x="20" y="10"/>
+            <a:ext cx="12191980" cy="3710603"/>
+          </a:xfrm>
+          <a:custGeom>
+            <a:avLst/>
+            <a:gdLst>
+              <a:gd name="connsiteX0" fmla="*/ 0 w 12192000"/>
+              <a:gd name="connsiteY0" fmla="*/ 0 h 3692092"/>
+              <a:gd name="connsiteX1" fmla="*/ 12192000 w 12192000"/>
+              <a:gd name="connsiteY1" fmla="*/ 0 h 3692092"/>
+              <a:gd name="connsiteX2" fmla="*/ 12192000 w 12192000"/>
+              <a:gd name="connsiteY2" fmla="*/ 3504824 h 3692092"/>
+              <a:gd name="connsiteX3" fmla="*/ 12024691 w 12192000"/>
+              <a:gd name="connsiteY3" fmla="*/ 3517794 h 3692092"/>
+              <a:gd name="connsiteX4" fmla="*/ 160485 w 12192000"/>
+              <a:gd name="connsiteY4" fmla="*/ 3663863 h 3692092"/>
+              <a:gd name="connsiteX5" fmla="*/ 0 w 12192000"/>
+              <a:gd name="connsiteY5" fmla="*/ 3692092 h 3692092"/>
+            </a:gdLst>
+            <a:ahLst/>
+            <a:cxnLst>
+              <a:cxn ang="0">
+                <a:pos x="connsiteX0" y="connsiteY0"/>
+              </a:cxn>
+              <a:cxn ang="0">
+                <a:pos x="connsiteX1" y="connsiteY1"/>
+              </a:cxn>
+              <a:cxn ang="0">
+                <a:pos x="connsiteX2" y="connsiteY2"/>
+              </a:cxn>
+              <a:cxn ang="0">
+                <a:pos x="connsiteX3" y="connsiteY3"/>
+              </a:cxn>
+              <a:cxn ang="0">
+                <a:pos x="connsiteX4" y="connsiteY4"/>
+              </a:cxn>
+              <a:cxn ang="0">
+                <a:pos x="connsiteX5" y="connsiteY5"/>
+              </a:cxn>
+            </a:cxnLst>
+            <a:rect l="l" t="t" r="r" b="b"/>
+            <a:pathLst>
+              <a:path w="12192000" h="3692092">
+                <a:moveTo>
+                  <a:pt x="0" y="0"/>
+                </a:moveTo>
+                <a:lnTo>
+                  <a:pt x="12192000" y="0"/>
+                </a:lnTo>
+                <a:lnTo>
+                  <a:pt x="12192000" y="3504824"/>
+                </a:lnTo>
+                <a:lnTo>
+                  <a:pt x="12024691" y="3517794"/>
+                </a:lnTo>
+                <a:cubicBezTo>
+                  <a:pt x="8077523" y="3783195"/>
+                  <a:pt x="4094678" y="3026959"/>
+                  <a:pt x="160485" y="3663863"/>
+                </a:cubicBezTo>
+                <a:lnTo>
+                  <a:pt x="0" y="3692092"/>
+                </a:lnTo>
+                <a:close/>
+              </a:path>
+            </a:pathLst>
+          </a:custGeom>
+        </p:spPr>
+      </p:pic>
+      <p:sp>
+        <p:nvSpPr>
+          <p:cNvPr id="30" name="Content Placeholder 29">
+            <a:extLst>
+              <a:ext uri="{FF2B5EF4-FFF2-40B4-BE49-F238E27FC236}">
+                <a16:creationId xmlns:a16="http://schemas.microsoft.com/office/drawing/2014/main" id="{2FFE4E11-E4C4-4ED4-B780-FA0161D6A746}"/>
+              </a:ext>
+            </a:extLst>
+          </p:cNvPr>
+          <p:cNvSpPr>
+            <a:spLocks noGrp="1"/>
+          </p:cNvSpPr>
+          <p:nvPr>
+            <p:ph idx="1"/>
+          </p:nvPr>
+        </p:nvSpPr>
+        <p:spPr>
+          <a:xfrm>
+            <a:off x="4223982" y="3752850"/>
+            <a:ext cx="7485413" cy="2452687"/>
+          </a:xfrm>
+        </p:spPr>
+        <p:txBody>
+          <a:bodyPr anchor="ctr">
+            <a:normAutofit/>
+          </a:bodyPr>
+          <a:lstStyle/>
+          <a:p>
+            <a:r>
+              <a:rPr lang="ru-RU" sz="1800" dirty="0"/>
+              <a:t>Имплементация известного протокола</a:t>
+            </a:r>
+          </a:p>
+          <a:p>
+            <a:r>
+              <a:rPr lang="ru-RU" sz="1800" dirty="0"/>
+              <a:t>Возможность использования </a:t>
+            </a:r>
+            <a:r>
+              <a:rPr lang="en-US" sz="1800" dirty="0"/>
+              <a:t>API </a:t>
+            </a:r>
+            <a:r>
+              <a:rPr lang="ru-RU" sz="1800" dirty="0"/>
+              <a:t>в сторонних приложениях и сервисах</a:t>
+            </a:r>
+          </a:p>
+          <a:p>
+            <a:r>
+              <a:rPr lang="ru-RU" sz="1800" dirty="0"/>
+              <a:t>Общий </a:t>
+            </a:r>
+            <a:r>
+              <a:rPr lang="en-US" sz="1800" dirty="0"/>
+              <a:t>API </a:t>
+            </a:r>
+            <a:r>
+              <a:rPr lang="ru-RU" sz="1800" dirty="0"/>
+              <a:t>для управления всеми очередями</a:t>
+            </a:r>
+            <a:endParaRPr lang="en-US" sz="1800" dirty="0"/>
           </a:p>
         </p:txBody>
       </p:sp>
     </p:spTree>
     <p:extLst>
       <p:ext uri="{BB962C8B-B14F-4D97-AF65-F5344CB8AC3E}">
-        <p14:creationId xmlns:p14="http://schemas.microsoft.com/office/powerpoint/2010/main" val="949164365"/>
+        <p14:creationId xmlns:p14="http://schemas.microsoft.com/office/powerpoint/2010/main" val="3108850667"/>
       </p:ext>
     </p:extLst>
   </p:cSld>

--- a/Helios.pptx
+++ b/Helios.pptx
@@ -4,6 +4,9 @@
   <p:sldMasterIdLst>
     <p:sldMasterId id="2147483648" r:id="rId1"/>
   </p:sldMasterIdLst>
+  <p:notesMasterIdLst>
+    <p:notesMasterId r:id="rId15"/>
+  </p:notesMasterIdLst>
   <p:sldIdLst>
     <p:sldId id="258" r:id="rId2"/>
     <p:sldId id="256" r:id="rId3"/>
@@ -11,10 +14,13 @@
     <p:sldId id="260" r:id="rId5"/>
     <p:sldId id="261" r:id="rId6"/>
     <p:sldId id="266" r:id="rId7"/>
-    <p:sldId id="262" r:id="rId8"/>
-    <p:sldId id="263" r:id="rId9"/>
-    <p:sldId id="267" r:id="rId10"/>
-    <p:sldId id="264" r:id="rId11"/>
+    <p:sldId id="268" r:id="rId8"/>
+    <p:sldId id="262" r:id="rId9"/>
+    <p:sldId id="263" r:id="rId10"/>
+    <p:sldId id="267" r:id="rId11"/>
+    <p:sldId id="269" r:id="rId12"/>
+    <p:sldId id="270" r:id="rId13"/>
+    <p:sldId id="264" r:id="rId14"/>
   </p:sldIdLst>
   <p:sldSz cx="12192000" cy="6858000"/>
   <p:notesSz cx="6858000" cy="9144000"/>
@@ -121,6 +127,439 @@
 </p:presentation>
 </file>
 
+<file path=ppt/notesMasters/notesMaster1.xml><?xml version="1.0" encoding="utf-8"?>
+<p:notesMaster xmlns:a="http://schemas.openxmlformats.org/drawingml/2006/main" xmlns:r="http://schemas.openxmlformats.org/officeDocument/2006/relationships" xmlns:p="http://schemas.openxmlformats.org/presentationml/2006/main">
+  <p:cSld>
+    <p:bg>
+      <p:bgRef idx="1001">
+        <a:schemeClr val="bg1"/>
+      </p:bgRef>
+    </p:bg>
+    <p:spTree>
+      <p:nvGrpSpPr>
+        <p:cNvPr id="1" name=""/>
+        <p:cNvGrpSpPr/>
+        <p:nvPr/>
+      </p:nvGrpSpPr>
+      <p:grpSpPr>
+        <a:xfrm>
+          <a:off x="0" y="0"/>
+          <a:ext cx="0" cy="0"/>
+          <a:chOff x="0" y="0"/>
+          <a:chExt cx="0" cy="0"/>
+        </a:xfrm>
+      </p:grpSpPr>
+      <p:sp>
+        <p:nvSpPr>
+          <p:cNvPr id="2" name="Верхний колонтитул 1"/>
+          <p:cNvSpPr>
+            <a:spLocks noGrp="1"/>
+          </p:cNvSpPr>
+          <p:nvPr>
+            <p:ph type="hdr" sz="quarter"/>
+          </p:nvPr>
+        </p:nvSpPr>
+        <p:spPr>
+          <a:xfrm>
+            <a:off x="0" y="0"/>
+            <a:ext cx="2971800" cy="458788"/>
+          </a:xfrm>
+          <a:prstGeom prst="rect">
+            <a:avLst/>
+          </a:prstGeom>
+        </p:spPr>
+        <p:txBody>
+          <a:bodyPr vert="horz" lIns="91440" tIns="45720" rIns="91440" bIns="45720" rtlCol="0"/>
+          <a:lstStyle>
+            <a:lvl1pPr algn="l">
+              <a:defRPr sz="1200"/>
+            </a:lvl1pPr>
+          </a:lstStyle>
+          <a:p>
+            <a:endParaRPr lang="ru-RU"/>
+          </a:p>
+        </p:txBody>
+      </p:sp>
+      <p:sp>
+        <p:nvSpPr>
+          <p:cNvPr id="3" name="Дата 2"/>
+          <p:cNvSpPr>
+            <a:spLocks noGrp="1"/>
+          </p:cNvSpPr>
+          <p:nvPr>
+            <p:ph type="dt" idx="1"/>
+          </p:nvPr>
+        </p:nvSpPr>
+        <p:spPr>
+          <a:xfrm>
+            <a:off x="3884613" y="0"/>
+            <a:ext cx="2971800" cy="458788"/>
+          </a:xfrm>
+          <a:prstGeom prst="rect">
+            <a:avLst/>
+          </a:prstGeom>
+        </p:spPr>
+        <p:txBody>
+          <a:bodyPr vert="horz" lIns="91440" tIns="45720" rIns="91440" bIns="45720" rtlCol="0"/>
+          <a:lstStyle>
+            <a:lvl1pPr algn="r">
+              <a:defRPr sz="1200"/>
+            </a:lvl1pPr>
+          </a:lstStyle>
+          <a:p>
+            <a:fld id="{8CA9AB8A-74BD-4C54-B634-A796E412E0C4}" type="datetimeFigureOut">
+              <a:rPr lang="ru-RU" smtClean="0"/>
+              <a:t>13.09.2019</a:t>
+            </a:fld>
+            <a:endParaRPr lang="ru-RU"/>
+          </a:p>
+        </p:txBody>
+      </p:sp>
+      <p:sp>
+        <p:nvSpPr>
+          <p:cNvPr id="4" name="Образ слайда 3"/>
+          <p:cNvSpPr>
+            <a:spLocks noGrp="1" noRot="1" noChangeAspect="1"/>
+          </p:cNvSpPr>
+          <p:nvPr>
+            <p:ph type="sldImg" idx="2"/>
+          </p:nvPr>
+        </p:nvSpPr>
+        <p:spPr>
+          <a:xfrm>
+            <a:off x="685800" y="1143000"/>
+            <a:ext cx="5486400" cy="3086100"/>
+          </a:xfrm>
+          <a:prstGeom prst="rect">
+            <a:avLst/>
+          </a:prstGeom>
+          <a:noFill/>
+          <a:ln w="12700">
+            <a:solidFill>
+              <a:prstClr val="black"/>
+            </a:solidFill>
+          </a:ln>
+        </p:spPr>
+        <p:txBody>
+          <a:bodyPr vert="horz" lIns="91440" tIns="45720" rIns="91440" bIns="45720" rtlCol="0" anchor="ctr"/>
+          <a:lstStyle/>
+          <a:p>
+            <a:endParaRPr lang="ru-RU"/>
+          </a:p>
+        </p:txBody>
+      </p:sp>
+      <p:sp>
+        <p:nvSpPr>
+          <p:cNvPr id="5" name="Заметки 4"/>
+          <p:cNvSpPr>
+            <a:spLocks noGrp="1"/>
+          </p:cNvSpPr>
+          <p:nvPr>
+            <p:ph type="body" sz="quarter" idx="3"/>
+          </p:nvPr>
+        </p:nvSpPr>
+        <p:spPr>
+          <a:xfrm>
+            <a:off x="685800" y="4400550"/>
+            <a:ext cx="5486400" cy="3600450"/>
+          </a:xfrm>
+          <a:prstGeom prst="rect">
+            <a:avLst/>
+          </a:prstGeom>
+        </p:spPr>
+        <p:txBody>
+          <a:bodyPr vert="horz" lIns="91440" tIns="45720" rIns="91440" bIns="45720" rtlCol="0"/>
+          <a:lstStyle/>
+          <a:p>
+            <a:pPr lvl="0"/>
+            <a:r>
+              <a:rPr lang="ru-RU"/>
+              <a:t>Образец текста</a:t>
+            </a:r>
+          </a:p>
+          <a:p>
+            <a:pPr lvl="1"/>
+            <a:r>
+              <a:rPr lang="ru-RU"/>
+              <a:t>Второй уровень</a:t>
+            </a:r>
+          </a:p>
+          <a:p>
+            <a:pPr lvl="2"/>
+            <a:r>
+              <a:rPr lang="ru-RU"/>
+              <a:t>Третий уровень</a:t>
+            </a:r>
+          </a:p>
+          <a:p>
+            <a:pPr lvl="3"/>
+            <a:r>
+              <a:rPr lang="ru-RU"/>
+              <a:t>Четвертый уровень</a:t>
+            </a:r>
+          </a:p>
+          <a:p>
+            <a:pPr lvl="4"/>
+            <a:r>
+              <a:rPr lang="ru-RU"/>
+              <a:t>Пятый уровень</a:t>
+            </a:r>
+          </a:p>
+        </p:txBody>
+      </p:sp>
+      <p:sp>
+        <p:nvSpPr>
+          <p:cNvPr id="6" name="Нижний колонтитул 5"/>
+          <p:cNvSpPr>
+            <a:spLocks noGrp="1"/>
+          </p:cNvSpPr>
+          <p:nvPr>
+            <p:ph type="ftr" sz="quarter" idx="4"/>
+          </p:nvPr>
+        </p:nvSpPr>
+        <p:spPr>
+          <a:xfrm>
+            <a:off x="0" y="8685213"/>
+            <a:ext cx="2971800" cy="458787"/>
+          </a:xfrm>
+          <a:prstGeom prst="rect">
+            <a:avLst/>
+          </a:prstGeom>
+        </p:spPr>
+        <p:txBody>
+          <a:bodyPr vert="horz" lIns="91440" tIns="45720" rIns="91440" bIns="45720" rtlCol="0" anchor="b"/>
+          <a:lstStyle>
+            <a:lvl1pPr algn="l">
+              <a:defRPr sz="1200"/>
+            </a:lvl1pPr>
+          </a:lstStyle>
+          <a:p>
+            <a:endParaRPr lang="ru-RU"/>
+          </a:p>
+        </p:txBody>
+      </p:sp>
+      <p:sp>
+        <p:nvSpPr>
+          <p:cNvPr id="7" name="Номер слайда 6"/>
+          <p:cNvSpPr>
+            <a:spLocks noGrp="1"/>
+          </p:cNvSpPr>
+          <p:nvPr>
+            <p:ph type="sldNum" sz="quarter" idx="5"/>
+          </p:nvPr>
+        </p:nvSpPr>
+        <p:spPr>
+          <a:xfrm>
+            <a:off x="3884613" y="8685213"/>
+            <a:ext cx="2971800" cy="458787"/>
+          </a:xfrm>
+          <a:prstGeom prst="rect">
+            <a:avLst/>
+          </a:prstGeom>
+        </p:spPr>
+        <p:txBody>
+          <a:bodyPr vert="horz" lIns="91440" tIns="45720" rIns="91440" bIns="45720" rtlCol="0" anchor="b"/>
+          <a:lstStyle>
+            <a:lvl1pPr algn="r">
+              <a:defRPr sz="1200"/>
+            </a:lvl1pPr>
+          </a:lstStyle>
+          <a:p>
+            <a:fld id="{6E3F4177-2C27-4681-A326-00D41FF223EC}" type="slidenum">
+              <a:rPr lang="ru-RU" smtClean="0"/>
+              <a:t>‹#›</a:t>
+            </a:fld>
+            <a:endParaRPr lang="ru-RU"/>
+          </a:p>
+        </p:txBody>
+      </p:sp>
+    </p:spTree>
+    <p:extLst>
+      <p:ext uri="{BB962C8B-B14F-4D97-AF65-F5344CB8AC3E}">
+        <p14:creationId xmlns:p14="http://schemas.microsoft.com/office/powerpoint/2010/main" val="1532845598"/>
+      </p:ext>
+    </p:extLst>
+  </p:cSld>
+  <p:clrMap bg1="lt1" tx1="dk1" bg2="lt2" tx2="dk2" accent1="accent1" accent2="accent2" accent3="accent3" accent4="accent4" accent5="accent5" accent6="accent6" hlink="hlink" folHlink="folHlink"/>
+  <p:notesStyle>
+    <a:lvl1pPr marL="0" algn="l" defTabSz="914400" rtl="0" eaLnBrk="1" latinLnBrk="0" hangingPunct="1">
+      <a:defRPr sz="1200" kern="1200">
+        <a:solidFill>
+          <a:schemeClr val="tx1"/>
+        </a:solidFill>
+        <a:latin typeface="+mn-lt"/>
+        <a:ea typeface="+mn-ea"/>
+        <a:cs typeface="+mn-cs"/>
+      </a:defRPr>
+    </a:lvl1pPr>
+    <a:lvl2pPr marL="457200" algn="l" defTabSz="914400" rtl="0" eaLnBrk="1" latinLnBrk="0" hangingPunct="1">
+      <a:defRPr sz="1200" kern="1200">
+        <a:solidFill>
+          <a:schemeClr val="tx1"/>
+        </a:solidFill>
+        <a:latin typeface="+mn-lt"/>
+        <a:ea typeface="+mn-ea"/>
+        <a:cs typeface="+mn-cs"/>
+      </a:defRPr>
+    </a:lvl2pPr>
+    <a:lvl3pPr marL="914400" algn="l" defTabSz="914400" rtl="0" eaLnBrk="1" latinLnBrk="0" hangingPunct="1">
+      <a:defRPr sz="1200" kern="1200">
+        <a:solidFill>
+          <a:schemeClr val="tx1"/>
+        </a:solidFill>
+        <a:latin typeface="+mn-lt"/>
+        <a:ea typeface="+mn-ea"/>
+        <a:cs typeface="+mn-cs"/>
+      </a:defRPr>
+    </a:lvl3pPr>
+    <a:lvl4pPr marL="1371600" algn="l" defTabSz="914400" rtl="0" eaLnBrk="1" latinLnBrk="0" hangingPunct="1">
+      <a:defRPr sz="1200" kern="1200">
+        <a:solidFill>
+          <a:schemeClr val="tx1"/>
+        </a:solidFill>
+        <a:latin typeface="+mn-lt"/>
+        <a:ea typeface="+mn-ea"/>
+        <a:cs typeface="+mn-cs"/>
+      </a:defRPr>
+    </a:lvl4pPr>
+    <a:lvl5pPr marL="1828800" algn="l" defTabSz="914400" rtl="0" eaLnBrk="1" latinLnBrk="0" hangingPunct="1">
+      <a:defRPr sz="1200" kern="1200">
+        <a:solidFill>
+          <a:schemeClr val="tx1"/>
+        </a:solidFill>
+        <a:latin typeface="+mn-lt"/>
+        <a:ea typeface="+mn-ea"/>
+        <a:cs typeface="+mn-cs"/>
+      </a:defRPr>
+    </a:lvl5pPr>
+    <a:lvl6pPr marL="2286000" algn="l" defTabSz="914400" rtl="0" eaLnBrk="1" latinLnBrk="0" hangingPunct="1">
+      <a:defRPr sz="1200" kern="1200">
+        <a:solidFill>
+          <a:schemeClr val="tx1"/>
+        </a:solidFill>
+        <a:latin typeface="+mn-lt"/>
+        <a:ea typeface="+mn-ea"/>
+        <a:cs typeface="+mn-cs"/>
+      </a:defRPr>
+    </a:lvl6pPr>
+    <a:lvl7pPr marL="2743200" algn="l" defTabSz="914400" rtl="0" eaLnBrk="1" latinLnBrk="0" hangingPunct="1">
+      <a:defRPr sz="1200" kern="1200">
+        <a:solidFill>
+          <a:schemeClr val="tx1"/>
+        </a:solidFill>
+        <a:latin typeface="+mn-lt"/>
+        <a:ea typeface="+mn-ea"/>
+        <a:cs typeface="+mn-cs"/>
+      </a:defRPr>
+    </a:lvl7pPr>
+    <a:lvl8pPr marL="3200400" algn="l" defTabSz="914400" rtl="0" eaLnBrk="1" latinLnBrk="0" hangingPunct="1">
+      <a:defRPr sz="1200" kern="1200">
+        <a:solidFill>
+          <a:schemeClr val="tx1"/>
+        </a:solidFill>
+        <a:latin typeface="+mn-lt"/>
+        <a:ea typeface="+mn-ea"/>
+        <a:cs typeface="+mn-cs"/>
+      </a:defRPr>
+    </a:lvl8pPr>
+    <a:lvl9pPr marL="3657600" algn="l" defTabSz="914400" rtl="0" eaLnBrk="1" latinLnBrk="0" hangingPunct="1">
+      <a:defRPr sz="1200" kern="1200">
+        <a:solidFill>
+          <a:schemeClr val="tx1"/>
+        </a:solidFill>
+        <a:latin typeface="+mn-lt"/>
+        <a:ea typeface="+mn-ea"/>
+        <a:cs typeface="+mn-cs"/>
+      </a:defRPr>
+    </a:lvl9pPr>
+  </p:notesStyle>
+</p:notesMaster>
+</file>
+
+<file path=ppt/notesSlides/notesSlide1.xml><?xml version="1.0" encoding="utf-8"?>
+<p:notes xmlns:a="http://schemas.openxmlformats.org/drawingml/2006/main" xmlns:r="http://schemas.openxmlformats.org/officeDocument/2006/relationships" xmlns:p="http://schemas.openxmlformats.org/presentationml/2006/main">
+  <p:cSld>
+    <p:spTree>
+      <p:nvGrpSpPr>
+        <p:cNvPr id="1" name=""/>
+        <p:cNvGrpSpPr/>
+        <p:nvPr/>
+      </p:nvGrpSpPr>
+      <p:grpSpPr>
+        <a:xfrm>
+          <a:off x="0" y="0"/>
+          <a:ext cx="0" cy="0"/>
+          <a:chOff x="0" y="0"/>
+          <a:chExt cx="0" cy="0"/>
+        </a:xfrm>
+      </p:grpSpPr>
+      <p:sp>
+        <p:nvSpPr>
+          <p:cNvPr id="2" name="Образ слайда 1"/>
+          <p:cNvSpPr>
+            <a:spLocks noGrp="1" noRot="1" noChangeAspect="1"/>
+          </p:cNvSpPr>
+          <p:nvPr>
+            <p:ph type="sldImg"/>
+          </p:nvPr>
+        </p:nvSpPr>
+        <p:spPr/>
+      </p:sp>
+      <p:sp>
+        <p:nvSpPr>
+          <p:cNvPr id="3" name="Заметки 2"/>
+          <p:cNvSpPr>
+            <a:spLocks noGrp="1"/>
+          </p:cNvSpPr>
+          <p:nvPr>
+            <p:ph type="body" idx="1"/>
+          </p:nvPr>
+        </p:nvSpPr>
+        <p:spPr/>
+        <p:txBody>
+          <a:bodyPr/>
+          <a:lstStyle/>
+          <a:p>
+            <a:endParaRPr lang="ru-RU" dirty="0"/>
+          </a:p>
+        </p:txBody>
+      </p:sp>
+      <p:sp>
+        <p:nvSpPr>
+          <p:cNvPr id="4" name="Номер слайда 3"/>
+          <p:cNvSpPr>
+            <a:spLocks noGrp="1"/>
+          </p:cNvSpPr>
+          <p:nvPr>
+            <p:ph type="sldNum" sz="quarter" idx="5"/>
+          </p:nvPr>
+        </p:nvSpPr>
+        <p:spPr/>
+        <p:txBody>
+          <a:bodyPr/>
+          <a:lstStyle/>
+          <a:p>
+            <a:fld id="{6E3F4177-2C27-4681-A326-00D41FF223EC}" type="slidenum">
+              <a:rPr lang="ru-RU" smtClean="0"/>
+              <a:t>6</a:t>
+            </a:fld>
+            <a:endParaRPr lang="ru-RU"/>
+          </a:p>
+        </p:txBody>
+      </p:sp>
+    </p:spTree>
+    <p:extLst>
+      <p:ext uri="{BB962C8B-B14F-4D97-AF65-F5344CB8AC3E}">
+        <p14:creationId xmlns:p14="http://schemas.microsoft.com/office/powerpoint/2010/main" val="2123533496"/>
+      </p:ext>
+    </p:extLst>
+  </p:cSld>
+  <p:clrMapOvr>
+    <a:masterClrMapping/>
+  </p:clrMapOvr>
+</p:notes>
+</file>
+
 <file path=ppt/slideLayouts/slideLayout1.xml><?xml version="1.0" encoding="utf-8"?>
 <p:sldLayout xmlns:a="http://schemas.openxmlformats.org/drawingml/2006/main" xmlns:r="http://schemas.openxmlformats.org/officeDocument/2006/relationships" xmlns:p="http://schemas.openxmlformats.org/presentationml/2006/main" type="title" preserve="1">
   <p:cSld name="Титульный слайд">
@@ -268,7 +707,7 @@
           <a:p>
             <a:fld id="{449F65A8-A104-4659-BCA1-741252EC1BE3}" type="datetimeFigureOut">
               <a:rPr lang="ru-RU" smtClean="0"/>
-              <a:t>10.09.2019</a:t>
+              <a:t>13.09.2019</a:t>
             </a:fld>
             <a:endParaRPr lang="ru-RU"/>
           </a:p>
@@ -466,7 +905,7 @@
           <a:p>
             <a:fld id="{449F65A8-A104-4659-BCA1-741252EC1BE3}" type="datetimeFigureOut">
               <a:rPr lang="ru-RU" smtClean="0"/>
-              <a:t>10.09.2019</a:t>
+              <a:t>13.09.2019</a:t>
             </a:fld>
             <a:endParaRPr lang="ru-RU"/>
           </a:p>
@@ -674,7 +1113,7 @@
           <a:p>
             <a:fld id="{449F65A8-A104-4659-BCA1-741252EC1BE3}" type="datetimeFigureOut">
               <a:rPr lang="ru-RU" smtClean="0"/>
-              <a:t>10.09.2019</a:t>
+              <a:t>13.09.2019</a:t>
             </a:fld>
             <a:endParaRPr lang="ru-RU"/>
           </a:p>
@@ -872,7 +1311,7 @@
           <a:p>
             <a:fld id="{449F65A8-A104-4659-BCA1-741252EC1BE3}" type="datetimeFigureOut">
               <a:rPr lang="ru-RU" smtClean="0"/>
-              <a:t>10.09.2019</a:t>
+              <a:t>13.09.2019</a:t>
             </a:fld>
             <a:endParaRPr lang="ru-RU"/>
           </a:p>
@@ -1147,7 +1586,7 @@
           <a:p>
             <a:fld id="{449F65A8-A104-4659-BCA1-741252EC1BE3}" type="datetimeFigureOut">
               <a:rPr lang="ru-RU" smtClean="0"/>
-              <a:t>10.09.2019</a:t>
+              <a:t>13.09.2019</a:t>
             </a:fld>
             <a:endParaRPr lang="ru-RU"/>
           </a:p>
@@ -1412,7 +1851,7 @@
           <a:p>
             <a:fld id="{449F65A8-A104-4659-BCA1-741252EC1BE3}" type="datetimeFigureOut">
               <a:rPr lang="ru-RU" smtClean="0"/>
-              <a:t>10.09.2019</a:t>
+              <a:t>13.09.2019</a:t>
             </a:fld>
             <a:endParaRPr lang="ru-RU"/>
           </a:p>
@@ -1824,7 +2263,7 @@
           <a:p>
             <a:fld id="{449F65A8-A104-4659-BCA1-741252EC1BE3}" type="datetimeFigureOut">
               <a:rPr lang="ru-RU" smtClean="0"/>
-              <a:t>10.09.2019</a:t>
+              <a:t>13.09.2019</a:t>
             </a:fld>
             <a:endParaRPr lang="ru-RU"/>
           </a:p>
@@ -1965,7 +2404,7 @@
           <a:p>
             <a:fld id="{449F65A8-A104-4659-BCA1-741252EC1BE3}" type="datetimeFigureOut">
               <a:rPr lang="ru-RU" smtClean="0"/>
-              <a:t>10.09.2019</a:t>
+              <a:t>13.09.2019</a:t>
             </a:fld>
             <a:endParaRPr lang="ru-RU"/>
           </a:p>
@@ -2078,7 +2517,7 @@
           <a:p>
             <a:fld id="{449F65A8-A104-4659-BCA1-741252EC1BE3}" type="datetimeFigureOut">
               <a:rPr lang="ru-RU" smtClean="0"/>
-              <a:t>10.09.2019</a:t>
+              <a:t>13.09.2019</a:t>
             </a:fld>
             <a:endParaRPr lang="ru-RU"/>
           </a:p>
@@ -2389,7 +2828,7 @@
           <a:p>
             <a:fld id="{449F65A8-A104-4659-BCA1-741252EC1BE3}" type="datetimeFigureOut">
               <a:rPr lang="ru-RU" smtClean="0"/>
-              <a:t>10.09.2019</a:t>
+              <a:t>13.09.2019</a:t>
             </a:fld>
             <a:endParaRPr lang="ru-RU"/>
           </a:p>
@@ -2677,7 +3116,7 @@
           <a:p>
             <a:fld id="{449F65A8-A104-4659-BCA1-741252EC1BE3}" type="datetimeFigureOut">
               <a:rPr lang="ru-RU" smtClean="0"/>
-              <a:t>10.09.2019</a:t>
+              <a:t>13.09.2019</a:t>
             </a:fld>
             <a:endParaRPr lang="ru-RU"/>
           </a:p>
@@ -2918,7 +3357,7 @@
           <a:p>
             <a:fld id="{449F65A8-A104-4659-BCA1-741252EC1BE3}" type="datetimeFigureOut">
               <a:rPr lang="ru-RU" smtClean="0"/>
-              <a:t>10.09.2019</a:t>
+              <a:t>13.09.2019</a:t>
             </a:fld>
             <a:endParaRPr lang="ru-RU"/>
           </a:p>
@@ -3825,6 +4264,1052 @@
 <file path=ppt/slides/slide10.xml><?xml version="1.0" encoding="utf-8"?>
 <p:sld xmlns:a="http://schemas.openxmlformats.org/drawingml/2006/main" xmlns:r="http://schemas.openxmlformats.org/officeDocument/2006/relationships" xmlns:p="http://schemas.openxmlformats.org/presentationml/2006/main">
   <p:cSld>
+    <p:bg>
+      <p:bgPr>
+        <a:solidFill>
+          <a:schemeClr val="bg1"/>
+        </a:solidFill>
+        <a:effectLst/>
+      </p:bgPr>
+    </p:bg>
+    <p:spTree>
+      <p:nvGrpSpPr>
+        <p:cNvPr id="1" name=""/>
+        <p:cNvGrpSpPr/>
+        <p:nvPr/>
+      </p:nvGrpSpPr>
+      <p:grpSpPr>
+        <a:xfrm>
+          <a:off x="0" y="0"/>
+          <a:ext cx="0" cy="0"/>
+          <a:chOff x="0" y="0"/>
+          <a:chExt cx="0" cy="0"/>
+        </a:xfrm>
+      </p:grpSpPr>
+      <p:sp>
+        <p:nvSpPr>
+          <p:cNvPr id="51" name="Заголовок 1">
+            <a:extLst>
+              <a:ext uri="{FF2B5EF4-FFF2-40B4-BE49-F238E27FC236}">
+                <a16:creationId xmlns:a16="http://schemas.microsoft.com/office/drawing/2014/main" id="{BDFAC066-CBCE-447D-95BF-F08E20D9560B}"/>
+              </a:ext>
+            </a:extLst>
+          </p:cNvPr>
+          <p:cNvSpPr>
+            <a:spLocks noGrp="1"/>
+          </p:cNvSpPr>
+          <p:nvPr>
+            <p:ph type="title"/>
+          </p:nvPr>
+        </p:nvSpPr>
+        <p:spPr>
+          <a:xfrm>
+            <a:off x="481013" y="3752849"/>
+            <a:ext cx="3290887" cy="2452687"/>
+          </a:xfrm>
+        </p:spPr>
+        <p:txBody>
+          <a:bodyPr vert="horz" lIns="91440" tIns="45720" rIns="91440" bIns="45720" rtlCol="0" anchor="ctr">
+            <a:normAutofit/>
+          </a:bodyPr>
+          <a:lstStyle/>
+          <a:p>
+            <a:r>
+              <a:rPr lang="en-US" sz="3600" dirty="0" err="1"/>
+              <a:t>Oauth</a:t>
+            </a:r>
+            <a:r>
+              <a:rPr lang="en-US" sz="3600" dirty="0"/>
+              <a:t> 2.0</a:t>
+            </a:r>
+          </a:p>
+        </p:txBody>
+      </p:sp>
+      <p:pic>
+        <p:nvPicPr>
+          <p:cNvPr id="11" name="Объект 10">
+            <a:extLst>
+              <a:ext uri="{FF2B5EF4-FFF2-40B4-BE49-F238E27FC236}">
+                <a16:creationId xmlns:a16="http://schemas.microsoft.com/office/drawing/2014/main" id="{D28FE689-3EFF-4552-952C-D066899F2845}"/>
+              </a:ext>
+            </a:extLst>
+          </p:cNvPr>
+          <p:cNvPicPr>
+            <a:picLocks noChangeAspect="1"/>
+          </p:cNvPicPr>
+          <p:nvPr/>
+        </p:nvPicPr>
+        <p:blipFill rotWithShape="1">
+          <a:blip r:embed="rId2">
+            <a:extLst>
+              <a:ext uri="{28A0092B-C50C-407E-A947-70E740481C1C}">
+                <a14:useLocalDpi xmlns:a14="http://schemas.microsoft.com/office/drawing/2010/main" val="0"/>
+              </a:ext>
+            </a:extLst>
+          </a:blip>
+          <a:srcRect t="4169" b="4298"/>
+          <a:stretch/>
+        </p:blipFill>
+        <p:spPr>
+          <a:xfrm>
+            <a:off x="20" y="10"/>
+            <a:ext cx="12191980" cy="3710603"/>
+          </a:xfrm>
+          <a:custGeom>
+            <a:avLst/>
+            <a:gdLst>
+              <a:gd name="connsiteX0" fmla="*/ 0 w 12192000"/>
+              <a:gd name="connsiteY0" fmla="*/ 0 h 3692092"/>
+              <a:gd name="connsiteX1" fmla="*/ 12192000 w 12192000"/>
+              <a:gd name="connsiteY1" fmla="*/ 0 h 3692092"/>
+              <a:gd name="connsiteX2" fmla="*/ 12192000 w 12192000"/>
+              <a:gd name="connsiteY2" fmla="*/ 3504824 h 3692092"/>
+              <a:gd name="connsiteX3" fmla="*/ 12024691 w 12192000"/>
+              <a:gd name="connsiteY3" fmla="*/ 3517794 h 3692092"/>
+              <a:gd name="connsiteX4" fmla="*/ 160485 w 12192000"/>
+              <a:gd name="connsiteY4" fmla="*/ 3663863 h 3692092"/>
+              <a:gd name="connsiteX5" fmla="*/ 0 w 12192000"/>
+              <a:gd name="connsiteY5" fmla="*/ 3692092 h 3692092"/>
+            </a:gdLst>
+            <a:ahLst/>
+            <a:cxnLst>
+              <a:cxn ang="0">
+                <a:pos x="connsiteX0" y="connsiteY0"/>
+              </a:cxn>
+              <a:cxn ang="0">
+                <a:pos x="connsiteX1" y="connsiteY1"/>
+              </a:cxn>
+              <a:cxn ang="0">
+                <a:pos x="connsiteX2" y="connsiteY2"/>
+              </a:cxn>
+              <a:cxn ang="0">
+                <a:pos x="connsiteX3" y="connsiteY3"/>
+              </a:cxn>
+              <a:cxn ang="0">
+                <a:pos x="connsiteX4" y="connsiteY4"/>
+              </a:cxn>
+              <a:cxn ang="0">
+                <a:pos x="connsiteX5" y="connsiteY5"/>
+              </a:cxn>
+            </a:cxnLst>
+            <a:rect l="l" t="t" r="r" b="b"/>
+            <a:pathLst>
+              <a:path w="12192000" h="3692092">
+                <a:moveTo>
+                  <a:pt x="0" y="0"/>
+                </a:moveTo>
+                <a:lnTo>
+                  <a:pt x="12192000" y="0"/>
+                </a:lnTo>
+                <a:lnTo>
+                  <a:pt x="12192000" y="3504824"/>
+                </a:lnTo>
+                <a:lnTo>
+                  <a:pt x="12024691" y="3517794"/>
+                </a:lnTo>
+                <a:cubicBezTo>
+                  <a:pt x="8077523" y="3783195"/>
+                  <a:pt x="4094678" y="3026959"/>
+                  <a:pt x="160485" y="3663863"/>
+                </a:cubicBezTo>
+                <a:lnTo>
+                  <a:pt x="0" y="3692092"/>
+                </a:lnTo>
+                <a:close/>
+              </a:path>
+            </a:pathLst>
+          </a:custGeom>
+        </p:spPr>
+      </p:pic>
+      <p:sp>
+        <p:nvSpPr>
+          <p:cNvPr id="30" name="Content Placeholder 29">
+            <a:extLst>
+              <a:ext uri="{FF2B5EF4-FFF2-40B4-BE49-F238E27FC236}">
+                <a16:creationId xmlns:a16="http://schemas.microsoft.com/office/drawing/2014/main" id="{2FFE4E11-E4C4-4ED4-B780-FA0161D6A746}"/>
+              </a:ext>
+            </a:extLst>
+          </p:cNvPr>
+          <p:cNvSpPr>
+            <a:spLocks noGrp="1"/>
+          </p:cNvSpPr>
+          <p:nvPr>
+            <p:ph idx="1"/>
+          </p:nvPr>
+        </p:nvSpPr>
+        <p:spPr>
+          <a:xfrm>
+            <a:off x="4223982" y="3752850"/>
+            <a:ext cx="7485413" cy="2452687"/>
+          </a:xfrm>
+        </p:spPr>
+        <p:txBody>
+          <a:bodyPr anchor="ctr">
+            <a:normAutofit/>
+          </a:bodyPr>
+          <a:lstStyle/>
+          <a:p>
+            <a:r>
+              <a:rPr lang="ru-RU" sz="1800" dirty="0"/>
+              <a:t>Имплементация известного протокола</a:t>
+            </a:r>
+          </a:p>
+          <a:p>
+            <a:r>
+              <a:rPr lang="ru-RU" sz="1800" dirty="0"/>
+              <a:t>Возможность использования </a:t>
+            </a:r>
+            <a:r>
+              <a:rPr lang="en-US" sz="1800" dirty="0"/>
+              <a:t>API </a:t>
+            </a:r>
+            <a:r>
+              <a:rPr lang="ru-RU" sz="1800" dirty="0"/>
+              <a:t>в сторонних приложениях и сервисах</a:t>
+            </a:r>
+          </a:p>
+          <a:p>
+            <a:r>
+              <a:rPr lang="ru-RU" sz="1800" dirty="0"/>
+              <a:t>Общий </a:t>
+            </a:r>
+            <a:r>
+              <a:rPr lang="en-US" sz="1800" dirty="0"/>
+              <a:t>API </a:t>
+            </a:r>
+            <a:r>
+              <a:rPr lang="ru-RU" sz="1800" dirty="0"/>
+              <a:t>для управления всеми очередями</a:t>
+            </a:r>
+            <a:endParaRPr lang="en-US" sz="1800" dirty="0"/>
+          </a:p>
+        </p:txBody>
+      </p:sp>
+    </p:spTree>
+    <p:extLst>
+      <p:ext uri="{BB962C8B-B14F-4D97-AF65-F5344CB8AC3E}">
+        <p14:creationId xmlns:p14="http://schemas.microsoft.com/office/powerpoint/2010/main" val="3108850667"/>
+      </p:ext>
+    </p:extLst>
+  </p:cSld>
+  <p:clrMapOvr>
+    <a:masterClrMapping/>
+  </p:clrMapOvr>
+</p:sld>
+</file>
+
+<file path=ppt/slides/slide11.xml><?xml version="1.0" encoding="utf-8"?>
+<p:sld xmlns:a="http://schemas.openxmlformats.org/drawingml/2006/main" xmlns:r="http://schemas.openxmlformats.org/officeDocument/2006/relationships" xmlns:p="http://schemas.openxmlformats.org/presentationml/2006/main">
+  <p:cSld>
+    <p:bg>
+      <p:bgPr>
+        <a:solidFill>
+          <a:schemeClr val="bg1"/>
+        </a:solidFill>
+        <a:effectLst/>
+      </p:bgPr>
+    </p:bg>
+    <p:spTree>
+      <p:nvGrpSpPr>
+        <p:cNvPr id="1" name=""/>
+        <p:cNvGrpSpPr/>
+        <p:nvPr/>
+      </p:nvGrpSpPr>
+      <p:grpSpPr>
+        <a:xfrm>
+          <a:off x="0" y="0"/>
+          <a:ext cx="0" cy="0"/>
+          <a:chOff x="0" y="0"/>
+          <a:chExt cx="0" cy="0"/>
+        </a:xfrm>
+      </p:grpSpPr>
+      <p:sp useBgFill="1">
+        <p:nvSpPr>
+          <p:cNvPr id="21" name="Rectangle 20">
+            <a:extLst>
+              <a:ext uri="{FF2B5EF4-FFF2-40B4-BE49-F238E27FC236}">
+                <a16:creationId xmlns:a16="http://schemas.microsoft.com/office/drawing/2014/main" id="{559AE206-7EBA-4D33-8BC9-9D8158553F0E}"/>
+              </a:ext>
+              <a:ext uri="{C183D7F6-B498-43B3-948B-1728B52AA6E4}">
+                <adec:decorative xmlns:adec="http://schemas.microsoft.com/office/drawing/2017/decorative" val="1"/>
+              </a:ext>
+            </a:extLst>
+          </p:cNvPr>
+          <p:cNvSpPr>
+            <a:spLocks noGrp="1" noRot="1" noChangeAspect="1" noMove="1" noResize="1" noEditPoints="1" noAdjustHandles="1" noChangeArrowheads="1" noChangeShapeType="1" noTextEdit="1"/>
+          </p:cNvSpPr>
+          <p:nvPr>
+            <p:extLst>
+              <p:ext uri="{386F3935-93C4-4BCD-93E2-E3B085C9AB24}">
+                <p16:designElem xmlns:p16="http://schemas.microsoft.com/office/powerpoint/2015/main" val="1"/>
+              </p:ext>
+            </p:extLst>
+          </p:nvPr>
+        </p:nvSpPr>
+        <p:spPr>
+          <a:xfrm>
+            <a:off x="0" y="0"/>
+            <a:ext cx="12192000" cy="6858000"/>
+          </a:xfrm>
+          <a:prstGeom prst="rect">
+            <a:avLst/>
+          </a:prstGeom>
+          <a:ln>
+            <a:noFill/>
+          </a:ln>
+        </p:spPr>
+        <p:style>
+          <a:lnRef idx="2">
+            <a:schemeClr val="accent1">
+              <a:shade val="50000"/>
+            </a:schemeClr>
+          </a:lnRef>
+          <a:fillRef idx="1">
+            <a:schemeClr val="accent1"/>
+          </a:fillRef>
+          <a:effectRef idx="0">
+            <a:schemeClr val="accent1"/>
+          </a:effectRef>
+          <a:fontRef idx="minor">
+            <a:schemeClr val="lt1"/>
+          </a:fontRef>
+        </p:style>
+        <p:txBody>
+          <a:bodyPr rtlCol="0" anchor="ctr"/>
+          <a:lstStyle/>
+          <a:p>
+            <a:pPr algn="ctr"/>
+            <a:endParaRPr lang="en-US"/>
+          </a:p>
+        </p:txBody>
+      </p:sp>
+      <p:sp>
+        <p:nvSpPr>
+          <p:cNvPr id="2" name="Заголовок 1">
+            <a:extLst>
+              <a:ext uri="{FF2B5EF4-FFF2-40B4-BE49-F238E27FC236}">
+                <a16:creationId xmlns:a16="http://schemas.microsoft.com/office/drawing/2014/main" id="{C780BA5B-666E-4864-A15E-31BEF0346923}"/>
+              </a:ext>
+            </a:extLst>
+          </p:cNvPr>
+          <p:cNvSpPr>
+            <a:spLocks noGrp="1"/>
+          </p:cNvSpPr>
+          <p:nvPr>
+            <p:ph type="title"/>
+          </p:nvPr>
+        </p:nvSpPr>
+        <p:spPr>
+          <a:xfrm>
+            <a:off x="218388" y="4525347"/>
+            <a:ext cx="6939722" cy="1737360"/>
+          </a:xfrm>
+        </p:spPr>
+        <p:txBody>
+          <a:bodyPr vert="horz" lIns="91440" tIns="45720" rIns="91440" bIns="45720" rtlCol="0" anchor="ctr">
+            <a:normAutofit/>
+          </a:bodyPr>
+          <a:lstStyle/>
+          <a:p>
+            <a:pPr algn="r"/>
+            <a:r>
+              <a:rPr lang="en-US" sz="4700" dirty="0" err="1"/>
+              <a:t>Весь</a:t>
+            </a:r>
+            <a:r>
+              <a:rPr lang="en-US" sz="4700" dirty="0"/>
+              <a:t> </a:t>
+            </a:r>
+            <a:r>
+              <a:rPr lang="en-US" sz="4700" dirty="0" err="1"/>
+              <a:t>процесс</a:t>
+            </a:r>
+            <a:r>
+              <a:rPr lang="en-US" sz="4700" dirty="0"/>
+              <a:t> </a:t>
+            </a:r>
+            <a:r>
+              <a:rPr lang="en-US" sz="4700" dirty="0" err="1"/>
+              <a:t>разработки</a:t>
+            </a:r>
+            <a:r>
+              <a:rPr lang="en-US" sz="4700" dirty="0"/>
+              <a:t> </a:t>
+            </a:r>
+            <a:r>
+              <a:rPr lang="en-US" sz="4700" dirty="0" err="1"/>
+              <a:t>находится</a:t>
+            </a:r>
+            <a:r>
+              <a:rPr lang="en-US" sz="4700" dirty="0"/>
+              <a:t> в Trello</a:t>
+            </a:r>
+          </a:p>
+        </p:txBody>
+      </p:sp>
+      <p:sp>
+        <p:nvSpPr>
+          <p:cNvPr id="9" name="Content Placeholder 8">
+            <a:extLst>
+              <a:ext uri="{FF2B5EF4-FFF2-40B4-BE49-F238E27FC236}">
+                <a16:creationId xmlns:a16="http://schemas.microsoft.com/office/drawing/2014/main" id="{DFC4B66B-083C-4CF9-B9AE-992E20DD9840}"/>
+              </a:ext>
+            </a:extLst>
+          </p:cNvPr>
+          <p:cNvSpPr>
+            <a:spLocks noGrp="1"/>
+          </p:cNvSpPr>
+          <p:nvPr>
+            <p:ph idx="1"/>
+          </p:nvPr>
+        </p:nvSpPr>
+        <p:spPr>
+          <a:xfrm>
+            <a:off x="7893705" y="4525347"/>
+            <a:ext cx="3656014" cy="1737360"/>
+          </a:xfrm>
+        </p:spPr>
+        <p:txBody>
+          <a:bodyPr vert="horz" lIns="91440" tIns="45720" rIns="91440" bIns="45720" rtlCol="0" anchor="ctr">
+            <a:normAutofit/>
+          </a:bodyPr>
+          <a:lstStyle/>
+          <a:p>
+            <a:pPr marL="0" indent="0">
+              <a:buNone/>
+            </a:pPr>
+            <a:r>
+              <a:rPr lang="en-US" sz="2400" dirty="0">
+                <a:hlinkClick r:id="rId2"/>
+              </a:rPr>
+              <a:t>https://trello.com/b/uPkuRdFG/helios</a:t>
+            </a:r>
+            <a:endParaRPr lang="en-US" sz="2400" dirty="0"/>
+          </a:p>
+        </p:txBody>
+      </p:sp>
+      <p:sp>
+        <p:nvSpPr>
+          <p:cNvPr id="23" name="Oval 22">
+            <a:extLst>
+              <a:ext uri="{FF2B5EF4-FFF2-40B4-BE49-F238E27FC236}">
+                <a16:creationId xmlns:a16="http://schemas.microsoft.com/office/drawing/2014/main" id="{6437D937-A7F1-4011-92B4-328E5BE1B166}"/>
+              </a:ext>
+              <a:ext uri="{C183D7F6-B498-43B3-948B-1728B52AA6E4}">
+                <adec:decorative xmlns:adec="http://schemas.microsoft.com/office/drawing/2017/decorative" val="1"/>
+              </a:ext>
+            </a:extLst>
+          </p:cNvPr>
+          <p:cNvSpPr>
+            <a:spLocks noGrp="1" noRot="1" noChangeAspect="1" noMove="1" noResize="1" noEditPoints="1" noAdjustHandles="1" noChangeArrowheads="1" noChangeShapeType="1" noTextEdit="1"/>
+          </p:cNvSpPr>
+          <p:nvPr>
+            <p:extLst>
+              <p:ext uri="{386F3935-93C4-4BCD-93E2-E3B085C9AB24}">
+                <p16:designElem xmlns:p16="http://schemas.microsoft.com/office/powerpoint/2015/main" val="1"/>
+              </p:ext>
+            </p:extLst>
+          </p:nvPr>
+        </p:nvSpPr>
+        <p:spPr>
+          <a:xfrm>
+            <a:off x="588567" y="620480"/>
+            <a:ext cx="2243800" cy="2243796"/>
+          </a:xfrm>
+          <a:prstGeom prst="ellipse">
+            <a:avLst/>
+          </a:prstGeom>
+          <a:solidFill>
+            <a:srgbClr val="7F7F7F"/>
+          </a:solidFill>
+          <a:ln>
+            <a:noFill/>
+          </a:ln>
+        </p:spPr>
+        <p:style>
+          <a:lnRef idx="2">
+            <a:schemeClr val="accent1">
+              <a:shade val="50000"/>
+            </a:schemeClr>
+          </a:lnRef>
+          <a:fillRef idx="1">
+            <a:schemeClr val="accent1"/>
+          </a:fillRef>
+          <a:effectRef idx="0">
+            <a:schemeClr val="accent1"/>
+          </a:effectRef>
+          <a:fontRef idx="minor">
+            <a:schemeClr val="lt1"/>
+          </a:fontRef>
+        </p:style>
+        <p:txBody>
+          <a:bodyPr rtlCol="0" anchor="ctr"/>
+          <a:lstStyle/>
+          <a:p>
+            <a:pPr algn="ctr"/>
+            <a:endParaRPr lang="en-US"/>
+          </a:p>
+        </p:txBody>
+      </p:sp>
+      <p:sp>
+        <p:nvSpPr>
+          <p:cNvPr id="25" name="Oval 24">
+            <a:extLst>
+              <a:ext uri="{FF2B5EF4-FFF2-40B4-BE49-F238E27FC236}">
+                <a16:creationId xmlns:a16="http://schemas.microsoft.com/office/drawing/2014/main" id="{B672F332-AF08-46C6-94F0-77684310D7B7}"/>
+              </a:ext>
+              <a:ext uri="{C183D7F6-B498-43B3-948B-1728B52AA6E4}">
+                <adec:decorative xmlns:adec="http://schemas.microsoft.com/office/drawing/2017/decorative" val="1"/>
+              </a:ext>
+            </a:extLst>
+          </p:cNvPr>
+          <p:cNvSpPr>
+            <a:spLocks noGrp="1" noRot="1" noChangeAspect="1" noMove="1" noResize="1" noEditPoints="1" noAdjustHandles="1" noChangeArrowheads="1" noChangeShapeType="1" noTextEdit="1"/>
+          </p:cNvSpPr>
+          <p:nvPr>
+            <p:extLst>
+              <p:ext uri="{386F3935-93C4-4BCD-93E2-E3B085C9AB24}">
+                <p16:designElem xmlns:p16="http://schemas.microsoft.com/office/powerpoint/2015/main" val="1"/>
+              </p:ext>
+            </p:extLst>
+          </p:nvPr>
+        </p:nvSpPr>
+        <p:spPr>
+          <a:xfrm>
+            <a:off x="3395001" y="2466604"/>
+            <a:ext cx="962395" cy="962395"/>
+          </a:xfrm>
+          <a:prstGeom prst="ellipse">
+            <a:avLst/>
+          </a:prstGeom>
+          <a:solidFill>
+            <a:srgbClr val="3A3C56"/>
+          </a:solidFill>
+          <a:ln>
+            <a:noFill/>
+          </a:ln>
+        </p:spPr>
+        <p:style>
+          <a:lnRef idx="2">
+            <a:schemeClr val="accent1">
+              <a:shade val="50000"/>
+            </a:schemeClr>
+          </a:lnRef>
+          <a:fillRef idx="1">
+            <a:schemeClr val="accent1"/>
+          </a:fillRef>
+          <a:effectRef idx="0">
+            <a:schemeClr val="accent1"/>
+          </a:effectRef>
+          <a:fontRef idx="minor">
+            <a:schemeClr val="lt1"/>
+          </a:fontRef>
+        </p:style>
+        <p:txBody>
+          <a:bodyPr rtlCol="0" anchor="ctr"/>
+          <a:lstStyle/>
+          <a:p>
+            <a:pPr algn="ctr"/>
+            <a:endParaRPr lang="en-US"/>
+          </a:p>
+        </p:txBody>
+      </p:sp>
+      <p:sp>
+        <p:nvSpPr>
+          <p:cNvPr id="27" name="Oval 26">
+            <a:extLst>
+              <a:ext uri="{FF2B5EF4-FFF2-40B4-BE49-F238E27FC236}">
+                <a16:creationId xmlns:a16="http://schemas.microsoft.com/office/drawing/2014/main" id="{34244EF8-D73A-40E1-BE73-D46E6B4B04ED}"/>
+              </a:ext>
+              <a:ext uri="{C183D7F6-B498-43B3-948B-1728B52AA6E4}">
+                <adec:decorative xmlns:adec="http://schemas.microsoft.com/office/drawing/2017/decorative" val="1"/>
+              </a:ext>
+            </a:extLst>
+          </p:cNvPr>
+          <p:cNvSpPr>
+            <a:spLocks noGrp="1" noRot="1" noChangeAspect="1" noMove="1" noResize="1" noEditPoints="1" noAdjustHandles="1" noChangeArrowheads="1" noChangeShapeType="1" noTextEdit="1"/>
+          </p:cNvSpPr>
+          <p:nvPr>
+            <p:extLst>
+              <p:ext uri="{386F3935-93C4-4BCD-93E2-E3B085C9AB24}">
+                <p16:designElem xmlns:p16="http://schemas.microsoft.com/office/powerpoint/2015/main" val="1"/>
+              </p:ext>
+            </p:extLst>
+          </p:nvPr>
+        </p:nvSpPr>
+        <p:spPr>
+          <a:xfrm>
+            <a:off x="5125829" y="2327988"/>
+            <a:ext cx="293695" cy="293695"/>
+          </a:xfrm>
+          <a:prstGeom prst="ellipse">
+            <a:avLst/>
+          </a:prstGeom>
+          <a:solidFill>
+            <a:srgbClr val="54EA99"/>
+          </a:solidFill>
+          <a:ln>
+            <a:noFill/>
+          </a:ln>
+        </p:spPr>
+        <p:style>
+          <a:lnRef idx="2">
+            <a:schemeClr val="accent1">
+              <a:shade val="50000"/>
+            </a:schemeClr>
+          </a:lnRef>
+          <a:fillRef idx="1">
+            <a:schemeClr val="accent1"/>
+          </a:fillRef>
+          <a:effectRef idx="0">
+            <a:schemeClr val="accent1"/>
+          </a:effectRef>
+          <a:fontRef idx="minor">
+            <a:schemeClr val="lt1"/>
+          </a:fontRef>
+        </p:style>
+        <p:txBody>
+          <a:bodyPr rtlCol="0" anchor="ctr"/>
+          <a:lstStyle/>
+          <a:p>
+            <a:pPr algn="ctr"/>
+            <a:endParaRPr lang="en-US"/>
+          </a:p>
+        </p:txBody>
+      </p:sp>
+      <p:pic>
+        <p:nvPicPr>
+          <p:cNvPr id="5" name="Объект 4" descr="Изображение выглядит как небо, внутренний&#10;&#10;Автоматически созданное описание">
+            <a:extLst>
+              <a:ext uri="{FF2B5EF4-FFF2-40B4-BE49-F238E27FC236}">
+                <a16:creationId xmlns:a16="http://schemas.microsoft.com/office/drawing/2014/main" id="{84B454C7-3F5F-4D4E-B55A-1D5B492EEE9E}"/>
+              </a:ext>
+            </a:extLst>
+          </p:cNvPr>
+          <p:cNvPicPr>
+            <a:picLocks noChangeAspect="1"/>
+          </p:cNvPicPr>
+          <p:nvPr/>
+        </p:nvPicPr>
+        <p:blipFill rotWithShape="1">
+          <a:blip r:embed="rId3">
+            <a:extLst>
+              <a:ext uri="{28A0092B-C50C-407E-A947-70E740481C1C}">
+                <a14:useLocalDpi xmlns:a14="http://schemas.microsoft.com/office/drawing/2010/main" val="0"/>
+              </a:ext>
+            </a:extLst>
+          </a:blip>
+          <a:srcRect l="21292" r="7796" b="-1"/>
+          <a:stretch/>
+        </p:blipFill>
+        <p:spPr>
+          <a:xfrm>
+            <a:off x="6492113" y="10"/>
+            <a:ext cx="5699887" cy="4059234"/>
+          </a:xfrm>
+          <a:custGeom>
+            <a:avLst/>
+            <a:gdLst>
+              <a:gd name="connsiteX0" fmla="*/ 0 w 5699887"/>
+              <a:gd name="connsiteY0" fmla="*/ 0 h 4059244"/>
+              <a:gd name="connsiteX1" fmla="*/ 5699887 w 5699887"/>
+              <a:gd name="connsiteY1" fmla="*/ 0 h 4059244"/>
+              <a:gd name="connsiteX2" fmla="*/ 5699887 w 5699887"/>
+              <a:gd name="connsiteY2" fmla="*/ 3944096 h 4059244"/>
+              <a:gd name="connsiteX3" fmla="*/ 5525775 w 5699887"/>
+              <a:gd name="connsiteY3" fmla="*/ 3980429 h 4059244"/>
+              <a:gd name="connsiteX4" fmla="*/ 4663256 w 5699887"/>
+              <a:gd name="connsiteY4" fmla="*/ 4059244 h 4059244"/>
+              <a:gd name="connsiteX5" fmla="*/ 8566 w 5699887"/>
+              <a:gd name="connsiteY5" fmla="*/ 67422 h 4059244"/>
+            </a:gdLst>
+            <a:ahLst/>
+            <a:cxnLst>
+              <a:cxn ang="0">
+                <a:pos x="connsiteX0" y="connsiteY0"/>
+              </a:cxn>
+              <a:cxn ang="0">
+                <a:pos x="connsiteX1" y="connsiteY1"/>
+              </a:cxn>
+              <a:cxn ang="0">
+                <a:pos x="connsiteX2" y="connsiteY2"/>
+              </a:cxn>
+              <a:cxn ang="0">
+                <a:pos x="connsiteX3" y="connsiteY3"/>
+              </a:cxn>
+              <a:cxn ang="0">
+                <a:pos x="connsiteX4" y="connsiteY4"/>
+              </a:cxn>
+              <a:cxn ang="0">
+                <a:pos x="connsiteX5" y="connsiteY5"/>
+              </a:cxn>
+            </a:cxnLst>
+            <a:rect l="l" t="t" r="r" b="b"/>
+            <a:pathLst>
+              <a:path w="5699887" h="4059244">
+                <a:moveTo>
+                  <a:pt x="0" y="0"/>
+                </a:moveTo>
+                <a:lnTo>
+                  <a:pt x="5699887" y="0"/>
+                </a:lnTo>
+                <a:lnTo>
+                  <a:pt x="5699887" y="3944096"/>
+                </a:lnTo>
+                <a:lnTo>
+                  <a:pt x="5525775" y="3980429"/>
+                </a:lnTo>
+                <a:cubicBezTo>
+                  <a:pt x="5246154" y="4032190"/>
+                  <a:pt x="4957865" y="4059244"/>
+                  <a:pt x="4663256" y="4059244"/>
+                </a:cubicBezTo>
+                <a:cubicBezTo>
+                  <a:pt x="2306390" y="4059244"/>
+                  <a:pt x="353936" y="2327747"/>
+                  <a:pt x="8566" y="67422"/>
+                </a:cubicBezTo>
+                <a:close/>
+              </a:path>
+            </a:pathLst>
+          </a:custGeom>
+        </p:spPr>
+      </p:pic>
+      <p:cxnSp>
+        <p:nvCxnSpPr>
+          <p:cNvPr id="29" name="Straight Connector 28">
+            <a:extLst>
+              <a:ext uri="{FF2B5EF4-FFF2-40B4-BE49-F238E27FC236}">
+                <a16:creationId xmlns:a16="http://schemas.microsoft.com/office/drawing/2014/main" id="{9E8E38ED-369A-44C2-B635-0BED0E48A6E8}"/>
+              </a:ext>
+              <a:ext uri="{C183D7F6-B498-43B3-948B-1728B52AA6E4}">
+                <adec:decorative xmlns:adec="http://schemas.microsoft.com/office/drawing/2017/decorative" val="1"/>
+              </a:ext>
+            </a:extLst>
+          </p:cNvPr>
+          <p:cNvCxnSpPr>
+            <a:cxnSpLocks noGrp="1" noRot="1" noChangeAspect="1" noMove="1" noResize="1" noEditPoints="1" noAdjustHandles="1" noChangeArrowheads="1" noChangeShapeType="1"/>
+          </p:cNvCxnSpPr>
+          <p:nvPr>
+            <p:extLst>
+              <p:ext uri="{386F3935-93C4-4BCD-93E2-E3B085C9AB24}">
+                <p16:designElem xmlns:p16="http://schemas.microsoft.com/office/powerpoint/2015/main" val="1"/>
+              </p:ext>
+            </p:extLst>
+          </p:nvPr>
+        </p:nvCxnSpPr>
+        <p:spPr>
+          <a:xfrm>
+            <a:off x="7800392" y="4525347"/>
+            <a:ext cx="0" cy="1737360"/>
+          </a:xfrm>
+          <a:prstGeom prst="line">
+            <a:avLst/>
+          </a:prstGeom>
+          <a:ln w="19050" cap="sq">
+            <a:solidFill>
+              <a:schemeClr val="tx1"/>
+            </a:solidFill>
+          </a:ln>
+        </p:spPr>
+        <p:style>
+          <a:lnRef idx="1">
+            <a:schemeClr val="accent1"/>
+          </a:lnRef>
+          <a:fillRef idx="0">
+            <a:schemeClr val="accent1"/>
+          </a:fillRef>
+          <a:effectRef idx="0">
+            <a:schemeClr val="accent1"/>
+          </a:effectRef>
+          <a:fontRef idx="minor">
+            <a:schemeClr val="tx1"/>
+          </a:fontRef>
+        </p:style>
+      </p:cxnSp>
+    </p:spTree>
+    <p:extLst>
+      <p:ext uri="{BB962C8B-B14F-4D97-AF65-F5344CB8AC3E}">
+        <p14:creationId xmlns:p14="http://schemas.microsoft.com/office/powerpoint/2010/main" val="1084492545"/>
+      </p:ext>
+    </p:extLst>
+  </p:cSld>
+  <p:clrMapOvr>
+    <a:masterClrMapping/>
+  </p:clrMapOvr>
+</p:sld>
+</file>
+
+<file path=ppt/slides/slide12.xml><?xml version="1.0" encoding="utf-8"?>
+<p:sld xmlns:a="http://schemas.openxmlformats.org/drawingml/2006/main" xmlns:r="http://schemas.openxmlformats.org/officeDocument/2006/relationships" xmlns:p="http://schemas.openxmlformats.org/presentationml/2006/main">
+  <p:cSld>
+    <p:bg>
+      <p:bgPr>
+        <a:solidFill>
+          <a:schemeClr val="bg1"/>
+        </a:solidFill>
+        <a:effectLst/>
+      </p:bgPr>
+    </p:bg>
+    <p:spTree>
+      <p:nvGrpSpPr>
+        <p:cNvPr id="1" name=""/>
+        <p:cNvGrpSpPr/>
+        <p:nvPr/>
+      </p:nvGrpSpPr>
+      <p:grpSpPr>
+        <a:xfrm>
+          <a:off x="0" y="0"/>
+          <a:ext cx="0" cy="0"/>
+          <a:chOff x="0" y="0"/>
+          <a:chExt cx="0" cy="0"/>
+        </a:xfrm>
+      </p:grpSpPr>
+      <p:pic>
+        <p:nvPicPr>
+          <p:cNvPr id="5" name="Объект 4" descr="Изображение выглядит как снимок экрана&#10;&#10;Автоматически созданное описание">
+            <a:extLst>
+              <a:ext uri="{FF2B5EF4-FFF2-40B4-BE49-F238E27FC236}">
+                <a16:creationId xmlns:a16="http://schemas.microsoft.com/office/drawing/2014/main" id="{2D9431B6-557A-41A4-87FD-FB49E1C9E445}"/>
+              </a:ext>
+            </a:extLst>
+          </p:cNvPr>
+          <p:cNvPicPr>
+            <a:picLocks noChangeAspect="1"/>
+          </p:cNvPicPr>
+          <p:nvPr/>
+        </p:nvPicPr>
+        <p:blipFill rotWithShape="1">
+          <a:blip r:embed="rId2">
+            <a:extLst>
+              <a:ext uri="{28A0092B-C50C-407E-A947-70E740481C1C}">
+                <a14:useLocalDpi xmlns:a14="http://schemas.microsoft.com/office/drawing/2010/main" val="0"/>
+              </a:ext>
+            </a:extLst>
+          </a:blip>
+          <a:srcRect l="781" t="3184" r="2219" b="4897"/>
+          <a:stretch/>
+        </p:blipFill>
+        <p:spPr>
+          <a:xfrm>
+            <a:off x="1" y="41124"/>
+            <a:ext cx="12125324" cy="4509913"/>
+          </a:xfrm>
+          <a:prstGeom prst="rect">
+            <a:avLst/>
+          </a:prstGeom>
+        </p:spPr>
+      </p:pic>
+      <p:pic>
+        <p:nvPicPr>
+          <p:cNvPr id="19" name="Picture 18">
+            <a:extLst>
+              <a:ext uri="{FF2B5EF4-FFF2-40B4-BE49-F238E27FC236}">
+                <a16:creationId xmlns:a16="http://schemas.microsoft.com/office/drawing/2014/main" id="{EE09A529-E47C-4634-BB98-0A9526C372B4}"/>
+              </a:ext>
+              <a:ext uri="{C183D7F6-B498-43B3-948B-1728B52AA6E4}">
+                <adec:decorative xmlns:adec="http://schemas.microsoft.com/office/drawing/2017/decorative" val="1"/>
+              </a:ext>
+            </a:extLst>
+          </p:cNvPr>
+          <p:cNvPicPr>
+            <a:picLocks noGrp="1" noRot="1" noChangeAspect="1" noMove="1" noResize="1" noEditPoints="1" noAdjustHandles="1" noChangeArrowheads="1" noChangeShapeType="1" noCrop="1"/>
+          </p:cNvPicPr>
+          <p:nvPr>
+            <p:extLst>
+              <p:ext uri="{386F3935-93C4-4BCD-93E2-E3B085C9AB24}">
+                <p16:designElem xmlns:p16="http://schemas.microsoft.com/office/powerpoint/2015/main" val="1"/>
+              </p:ext>
+            </p:extLst>
+          </p:nvPr>
+        </p:nvPicPr>
+        <p:blipFill>
+          <a:blip r:embed="rId3">
+            <a:extLst>
+              <a:ext uri="{28A0092B-C50C-407E-A947-70E740481C1C}">
+                <a14:useLocalDpi xmlns:a14="http://schemas.microsoft.com/office/drawing/2010/main" val="0"/>
+              </a:ext>
+            </a:extLst>
+          </a:blip>
+          <a:stretch>
+            <a:fillRect/>
+          </a:stretch>
+        </p:blipFill>
+        <p:spPr>
+          <a:xfrm>
+            <a:off x="0" y="0"/>
+            <a:ext cx="12192000" cy="6858000"/>
+          </a:xfrm>
+          <a:prstGeom prst="rect">
+            <a:avLst/>
+          </a:prstGeom>
+        </p:spPr>
+      </p:pic>
+      <p:sp>
+        <p:nvSpPr>
+          <p:cNvPr id="21" name="Oval 20">
+            <a:extLst>
+              <a:ext uri="{FF2B5EF4-FFF2-40B4-BE49-F238E27FC236}">
+                <a16:creationId xmlns:a16="http://schemas.microsoft.com/office/drawing/2014/main" id="{569C1A01-6FB5-43CE-ADCC-936728ACAC0D}"/>
+              </a:ext>
+              <a:ext uri="{C183D7F6-B498-43B3-948B-1728B52AA6E4}">
+                <adec:decorative xmlns:adec="http://schemas.microsoft.com/office/drawing/2017/decorative" val="1"/>
+              </a:ext>
+            </a:extLst>
+          </p:cNvPr>
+          <p:cNvSpPr>
+            <a:spLocks noGrp="1" noRot="1" noChangeAspect="1" noMove="1" noResize="1" noEditPoints="1" noAdjustHandles="1" noChangeArrowheads="1" noChangeShapeType="1" noTextEdit="1"/>
+          </p:cNvSpPr>
+          <p:nvPr>
+            <p:extLst>
+              <p:ext uri="{386F3935-93C4-4BCD-93E2-E3B085C9AB24}">
+                <p16:designElem xmlns:p16="http://schemas.microsoft.com/office/powerpoint/2015/main" val="1"/>
+              </p:ext>
+            </p:extLst>
+          </p:nvPr>
+        </p:nvSpPr>
+        <p:spPr>
+          <a:xfrm>
+            <a:off x="1456267" y="4388303"/>
+            <a:ext cx="824089" cy="702986"/>
+          </a:xfrm>
+          <a:prstGeom prst="ellipse">
+            <a:avLst/>
+          </a:prstGeom>
+          <a:solidFill>
+            <a:srgbClr val="FFFFFF"/>
+          </a:solidFill>
+          <a:ln>
+            <a:noFill/>
+          </a:ln>
+        </p:spPr>
+        <p:style>
+          <a:lnRef idx="2">
+            <a:schemeClr val="accent1">
+              <a:shade val="50000"/>
+            </a:schemeClr>
+          </a:lnRef>
+          <a:fillRef idx="1">
+            <a:schemeClr val="accent1"/>
+          </a:fillRef>
+          <a:effectRef idx="0">
+            <a:schemeClr val="accent1"/>
+          </a:effectRef>
+          <a:fontRef idx="minor">
+            <a:schemeClr val="lt1"/>
+          </a:fontRef>
+        </p:style>
+        <p:txBody>
+          <a:bodyPr rtlCol="0" anchor="ctr"/>
+          <a:lstStyle/>
+          <a:p>
+            <a:pPr algn="ctr"/>
+            <a:endParaRPr lang="en-US"/>
+          </a:p>
+        </p:txBody>
+      </p:sp>
+      <p:sp>
+        <p:nvSpPr>
+          <p:cNvPr id="2" name="Заголовок 1">
+            <a:extLst>
+              <a:ext uri="{FF2B5EF4-FFF2-40B4-BE49-F238E27FC236}">
+                <a16:creationId xmlns:a16="http://schemas.microsoft.com/office/drawing/2014/main" id="{2D277509-D52B-4B8B-ACC4-3B72C009F1CE}"/>
+              </a:ext>
+            </a:extLst>
+          </p:cNvPr>
+          <p:cNvSpPr>
+            <a:spLocks noGrp="1"/>
+          </p:cNvSpPr>
+          <p:nvPr>
+            <p:ph type="title"/>
+          </p:nvPr>
+        </p:nvSpPr>
+        <p:spPr>
+          <a:xfrm>
+            <a:off x="804998" y="4551037"/>
+            <a:ext cx="5021782" cy="1509931"/>
+          </a:xfrm>
+        </p:spPr>
+        <p:txBody>
+          <a:bodyPr vert="horz" lIns="91440" tIns="45720" rIns="91440" bIns="45720" rtlCol="0">
+            <a:normAutofit/>
+          </a:bodyPr>
+          <a:lstStyle/>
+          <a:p>
+            <a:r>
+              <a:rPr lang="en-US" sz="4000" kern="1200">
+                <a:solidFill>
+                  <a:srgbClr val="000000"/>
+                </a:solidFill>
+                <a:latin typeface="+mj-lt"/>
+                <a:ea typeface="+mj-ea"/>
+                <a:cs typeface="+mj-cs"/>
+              </a:rPr>
+              <a:t>Приоритеты</a:t>
+            </a:r>
+          </a:p>
+        </p:txBody>
+      </p:sp>
+      <p:sp>
+        <p:nvSpPr>
+          <p:cNvPr id="16" name="Content Placeholder 15">
+            <a:extLst>
+              <a:ext uri="{FF2B5EF4-FFF2-40B4-BE49-F238E27FC236}">
+                <a16:creationId xmlns:a16="http://schemas.microsoft.com/office/drawing/2014/main" id="{D6AD02CF-239C-4817-B338-19805DBAC988}"/>
+              </a:ext>
+            </a:extLst>
+          </p:cNvPr>
+          <p:cNvSpPr>
+            <a:spLocks noGrp="1"/>
+          </p:cNvSpPr>
+          <p:nvPr>
+            <p:ph idx="1"/>
+          </p:nvPr>
+        </p:nvSpPr>
+        <p:spPr>
+          <a:xfrm>
+            <a:off x="6470247" y="4551037"/>
+            <a:ext cx="4926411" cy="1509935"/>
+          </a:xfrm>
+        </p:spPr>
+        <p:txBody>
+          <a:bodyPr anchor="ctr">
+            <a:normAutofit/>
+          </a:bodyPr>
+          <a:lstStyle/>
+          <a:p>
+            <a:r>
+              <a:rPr lang="ru-RU" sz="1800" dirty="0">
+                <a:solidFill>
+                  <a:srgbClr val="000000"/>
+                </a:solidFill>
+              </a:rPr>
+              <a:t>Приоритет – количественная характеристика показывающая насколько пользователь находится ближе к началу очереди</a:t>
+            </a:r>
+            <a:endParaRPr lang="en-US" sz="1800" dirty="0">
+              <a:solidFill>
+                <a:srgbClr val="000000"/>
+              </a:solidFill>
+            </a:endParaRPr>
+          </a:p>
+        </p:txBody>
+      </p:sp>
+    </p:spTree>
+    <p:extLst>
+      <p:ext uri="{BB962C8B-B14F-4D97-AF65-F5344CB8AC3E}">
+        <p14:creationId xmlns:p14="http://schemas.microsoft.com/office/powerpoint/2010/main" val="3636225152"/>
+      </p:ext>
+    </p:extLst>
+  </p:cSld>
+  <p:clrMapOvr>
+    <a:masterClrMapping/>
+  </p:clrMapOvr>
+</p:sld>
+</file>
+
+<file path=ppt/slides/slide13.xml><?xml version="1.0" encoding="utf-8"?>
+<p:sld xmlns:a="http://schemas.openxmlformats.org/drawingml/2006/main" xmlns:r="http://schemas.openxmlformats.org/officeDocument/2006/relationships" xmlns:p="http://schemas.openxmlformats.org/presentationml/2006/main">
+  <p:cSld>
     <p:spTree>
       <p:nvGrpSpPr>
         <p:cNvPr id="1" name=""/>
@@ -4109,7 +5594,7 @@
         </p:spPr>
         <p:txBody>
           <a:bodyPr vert="horz" lIns="91440" tIns="45720" rIns="91440" bIns="45720" rtlCol="0">
-            <a:normAutofit/>
+            <a:normAutofit lnSpcReduction="10000"/>
           </a:bodyPr>
           <a:lstStyle/>
           <a:p>
@@ -4145,6 +5630,12 @@
           </a:p>
           <a:p>
             <a:endParaRPr lang="ru-RU" sz="1800" dirty="0"/>
+          </a:p>
+          <a:p>
+            <a:r>
+              <a:rPr lang="en-US" sz="1800" dirty="0"/>
+              <a:t>E-mail: apploidyakutsk@gmail.com</a:t>
+            </a:r>
           </a:p>
           <a:p>
             <a:r>
@@ -6642,7 +8133,7 @@
       </p:grpSpPr>
       <p:sp>
         <p:nvSpPr>
-          <p:cNvPr id="10" name="Rectangle 9">
+          <p:cNvPr id="15" name="Rectangle 14">
             <a:extLst>
               <a:ext uri="{FF2B5EF4-FFF2-40B4-BE49-F238E27FC236}">
                 <a16:creationId xmlns:a16="http://schemas.microsoft.com/office/drawing/2014/main" id="{A4AC5506-6312-4701-8D3C-40187889A947}"/>
@@ -6762,39 +8253,25 @@
             <p:ph idx="1"/>
           </p:nvPr>
         </p:nvPicPr>
-        <p:blipFill>
-          <a:blip r:embed="rId2">
+        <p:blipFill rotWithShape="1">
+          <a:blip r:embed="rId3">
             <a:extLst>
               <a:ext uri="{28A0092B-C50C-407E-A947-70E740481C1C}">
                 <a14:useLocalDpi xmlns:a14="http://schemas.microsoft.com/office/drawing/2010/main" val="0"/>
               </a:ext>
             </a:extLst>
           </a:blip>
-          <a:stretch>
-            <a:fillRect/>
-          </a:stretch>
+          <a:srcRect l="19492" t="4820" r="19622" b="24657"/>
+          <a:stretch/>
         </p:blipFill>
         <p:spPr>
           <a:xfrm>
-            <a:off x="1745309" y="1675227"/>
-            <a:ext cx="8701382" cy="4394199"/>
+            <a:off x="1531257" y="1388303"/>
+            <a:ext cx="9129485" cy="5340221"/>
           </a:xfrm>
           <a:prstGeom prst="rect">
             <a:avLst/>
           </a:prstGeom>
-          <a:effectLst>
-            <a:glow rad="101600">
-              <a:schemeClr val="accent3">
-                <a:satMod val="175000"/>
-                <a:alpha val="40000"/>
-              </a:schemeClr>
-            </a:glow>
-            <a:outerShdw blurRad="50800" dist="38100" dir="2700000" algn="tl" rotWithShape="0">
-              <a:prstClr val="black">
-                <a:alpha val="40000"/>
-              </a:prstClr>
-            </a:outerShdw>
-          </a:effectLst>
         </p:spPr>
       </p:pic>
     </p:spTree>
@@ -6811,6 +8288,213 @@
 </file>
 
 <file path=ppt/slides/slide7.xml><?xml version="1.0" encoding="utf-8"?>
+<p:sld xmlns:a="http://schemas.openxmlformats.org/drawingml/2006/main" xmlns:r="http://schemas.openxmlformats.org/officeDocument/2006/relationships" xmlns:p="http://schemas.openxmlformats.org/presentationml/2006/main">
+  <p:cSld>
+    <p:bg>
+      <p:bgPr>
+        <a:solidFill>
+          <a:schemeClr val="bg1"/>
+        </a:solidFill>
+        <a:effectLst/>
+      </p:bgPr>
+    </p:bg>
+    <p:spTree>
+      <p:nvGrpSpPr>
+        <p:cNvPr id="1" name=""/>
+        <p:cNvGrpSpPr/>
+        <p:nvPr/>
+      </p:nvGrpSpPr>
+      <p:grpSpPr>
+        <a:xfrm>
+          <a:off x="0" y="0"/>
+          <a:ext cx="0" cy="0"/>
+          <a:chOff x="0" y="0"/>
+          <a:chExt cx="0" cy="0"/>
+        </a:xfrm>
+      </p:grpSpPr>
+      <p:sp>
+        <p:nvSpPr>
+          <p:cNvPr id="10" name="Rectangle 9">
+            <a:extLst>
+              <a:ext uri="{FF2B5EF4-FFF2-40B4-BE49-F238E27FC236}">
+                <a16:creationId xmlns:a16="http://schemas.microsoft.com/office/drawing/2014/main" id="{01D0AF59-99C3-4251-AB9A-C966C6AD4400}"/>
+              </a:ext>
+              <a:ext uri="{C183D7F6-B498-43B3-948B-1728B52AA6E4}">
+                <adec:decorative xmlns:adec="http://schemas.microsoft.com/office/drawing/2017/decorative" val="1"/>
+              </a:ext>
+            </a:extLst>
+          </p:cNvPr>
+          <p:cNvSpPr>
+            <a:spLocks noGrp="1" noRot="1" noChangeAspect="1" noMove="1" noResize="1" noEditPoints="1" noAdjustHandles="1" noChangeArrowheads="1" noChangeShapeType="1" noTextEdit="1"/>
+          </p:cNvSpPr>
+          <p:nvPr>
+            <p:extLst>
+              <p:ext uri="{386F3935-93C4-4BCD-93E2-E3B085C9AB24}">
+                <p16:designElem xmlns:p16="http://schemas.microsoft.com/office/powerpoint/2015/main" val="1"/>
+              </p:ext>
+            </p:extLst>
+          </p:nvPr>
+        </p:nvSpPr>
+        <p:spPr>
+          <a:xfrm>
+            <a:off x="0" y="0"/>
+            <a:ext cx="12192000" cy="6858000"/>
+          </a:xfrm>
+          <a:prstGeom prst="rect">
+            <a:avLst/>
+          </a:prstGeom>
+          <a:solidFill>
+            <a:schemeClr val="bg2"/>
+          </a:solidFill>
+          <a:ln>
+            <a:noFill/>
+          </a:ln>
+        </p:spPr>
+        <p:style>
+          <a:lnRef idx="2">
+            <a:schemeClr val="accent1">
+              <a:shade val="50000"/>
+            </a:schemeClr>
+          </a:lnRef>
+          <a:fillRef idx="1">
+            <a:schemeClr val="accent1"/>
+          </a:fillRef>
+          <a:effectRef idx="0">
+            <a:schemeClr val="accent1"/>
+          </a:effectRef>
+          <a:fontRef idx="minor">
+            <a:schemeClr val="lt1"/>
+          </a:fontRef>
+        </p:style>
+        <p:txBody>
+          <a:bodyPr rtlCol="0" anchor="ctr"/>
+          <a:lstStyle/>
+          <a:p>
+            <a:pPr algn="ctr"/>
+            <a:endParaRPr lang="en-US"/>
+          </a:p>
+        </p:txBody>
+      </p:sp>
+      <p:sp>
+        <p:nvSpPr>
+          <p:cNvPr id="12" name="Rectangle 11">
+            <a:extLst>
+              <a:ext uri="{FF2B5EF4-FFF2-40B4-BE49-F238E27FC236}">
+                <a16:creationId xmlns:a16="http://schemas.microsoft.com/office/drawing/2014/main" id="{1855405F-37A2-4869-9154-F8BE3BECE6C3}"/>
+              </a:ext>
+              <a:ext uri="{C183D7F6-B498-43B3-948B-1728B52AA6E4}">
+                <adec:decorative xmlns:adec="http://schemas.microsoft.com/office/drawing/2017/decorative" val="1"/>
+              </a:ext>
+            </a:extLst>
+          </p:cNvPr>
+          <p:cNvSpPr>
+            <a:spLocks noGrp="1" noRot="1" noChangeAspect="1" noMove="1" noResize="1" noEditPoints="1" noAdjustHandles="1" noChangeArrowheads="1" noChangeShapeType="1" noTextEdit="1"/>
+          </p:cNvSpPr>
+          <p:nvPr>
+            <p:extLst>
+              <p:ext uri="{386F3935-93C4-4BCD-93E2-E3B085C9AB24}">
+                <p16:designElem xmlns:p16="http://schemas.microsoft.com/office/powerpoint/2015/main" val="1"/>
+              </p:ext>
+            </p:extLst>
+          </p:nvPr>
+        </p:nvSpPr>
+        <p:spPr>
+          <a:xfrm>
+            <a:off x="477012" y="480060"/>
+            <a:ext cx="11237976" cy="5897880"/>
+          </a:xfrm>
+          <a:prstGeom prst="rect">
+            <a:avLst/>
+          </a:prstGeom>
+          <a:solidFill>
+            <a:srgbClr val="FFFFFF"/>
+          </a:solidFill>
+          <a:ln w="9525">
+            <a:noFill/>
+          </a:ln>
+          <a:effectLst>
+            <a:outerShdw blurRad="63500" dist="17780" dir="5400000" algn="t" rotWithShape="0">
+              <a:prstClr val="black">
+                <a:alpha val="43000"/>
+              </a:prstClr>
+            </a:outerShdw>
+          </a:effectLst>
+        </p:spPr>
+        <p:style>
+          <a:lnRef idx="2">
+            <a:schemeClr val="accent1">
+              <a:shade val="50000"/>
+            </a:schemeClr>
+          </a:lnRef>
+          <a:fillRef idx="1">
+            <a:schemeClr val="accent1"/>
+          </a:fillRef>
+          <a:effectRef idx="0">
+            <a:schemeClr val="accent1"/>
+          </a:effectRef>
+          <a:fontRef idx="minor">
+            <a:schemeClr val="lt1"/>
+          </a:fontRef>
+        </p:style>
+        <p:txBody>
+          <a:bodyPr rtlCol="0" anchor="ctr"/>
+          <a:lstStyle/>
+          <a:p>
+            <a:pPr algn="ctr"/>
+            <a:endParaRPr lang="en-US"/>
+          </a:p>
+        </p:txBody>
+      </p:sp>
+      <p:pic>
+        <p:nvPicPr>
+          <p:cNvPr id="5" name="Рисунок 4" descr="Изображение выглядит как снимок экрана, компьютер&#10;&#10;Автоматически созданное описание">
+            <a:extLst>
+              <a:ext uri="{FF2B5EF4-FFF2-40B4-BE49-F238E27FC236}">
+                <a16:creationId xmlns:a16="http://schemas.microsoft.com/office/drawing/2014/main" id="{ECD9BD7A-20BF-4A2E-828B-71308294AC1B}"/>
+              </a:ext>
+            </a:extLst>
+          </p:cNvPr>
+          <p:cNvPicPr>
+            <a:picLocks noChangeAspect="1"/>
+          </p:cNvPicPr>
+          <p:nvPr/>
+        </p:nvPicPr>
+        <p:blipFill>
+          <a:blip r:embed="rId2">
+            <a:extLst>
+              <a:ext uri="{28A0092B-C50C-407E-A947-70E740481C1C}">
+                <a14:useLocalDpi xmlns:a14="http://schemas.microsoft.com/office/drawing/2010/main" val="0"/>
+              </a:ext>
+            </a:extLst>
+          </a:blip>
+          <a:stretch>
+            <a:fillRect/>
+          </a:stretch>
+        </p:blipFill>
+        <p:spPr>
+          <a:xfrm>
+            <a:off x="643467" y="675470"/>
+            <a:ext cx="10905066" cy="5507059"/>
+          </a:xfrm>
+          <a:prstGeom prst="rect">
+            <a:avLst/>
+          </a:prstGeom>
+        </p:spPr>
+      </p:pic>
+    </p:spTree>
+    <p:extLst>
+      <p:ext uri="{BB962C8B-B14F-4D97-AF65-F5344CB8AC3E}">
+        <p14:creationId xmlns:p14="http://schemas.microsoft.com/office/powerpoint/2010/main" val="3131144489"/>
+      </p:ext>
+    </p:extLst>
+  </p:cSld>
+  <p:clrMapOvr>
+    <a:masterClrMapping/>
+  </p:clrMapOvr>
+</p:sld>
+</file>
+
+<file path=ppt/slides/slide8.xml><?xml version="1.0" encoding="utf-8"?>
 <p:sld xmlns:a="http://schemas.openxmlformats.org/drawingml/2006/main" xmlns:r="http://schemas.openxmlformats.org/officeDocument/2006/relationships" xmlns:p="http://schemas.openxmlformats.org/presentationml/2006/main">
   <p:cSld>
     <p:bg>
@@ -7625,7 +9309,7 @@
 </p:sld>
 </file>
 
-<file path=ppt/slides/slide8.xml><?xml version="1.0" encoding="utf-8"?>
+<file path=ppt/slides/slide9.xml><?xml version="1.0" encoding="utf-8"?>
 <p:sld xmlns:a="http://schemas.openxmlformats.org/drawingml/2006/main" xmlns:r="http://schemas.openxmlformats.org/officeDocument/2006/relationships" xmlns:p="http://schemas.openxmlformats.org/presentationml/2006/main">
   <p:cSld>
     <p:bg>
@@ -8352,252 +10036,310 @@
 </p:sld>
 </file>
 
-<file path=ppt/slides/slide9.xml><?xml version="1.0" encoding="utf-8"?>
-<p:sld xmlns:a="http://schemas.openxmlformats.org/drawingml/2006/main" xmlns:r="http://schemas.openxmlformats.org/officeDocument/2006/relationships" xmlns:p="http://schemas.openxmlformats.org/presentationml/2006/main">
-  <p:cSld>
-    <p:bg>
-      <p:bgPr>
-        <a:solidFill>
-          <a:schemeClr val="bg1"/>
-        </a:solidFill>
-        <a:effectLst/>
-      </p:bgPr>
-    </p:bg>
-    <p:spTree>
-      <p:nvGrpSpPr>
-        <p:cNvPr id="1" name=""/>
-        <p:cNvGrpSpPr/>
-        <p:nvPr/>
-      </p:nvGrpSpPr>
-      <p:grpSpPr>
-        <a:xfrm>
-          <a:off x="0" y="0"/>
-          <a:ext cx="0" cy="0"/>
-          <a:chOff x="0" y="0"/>
-          <a:chExt cx="0" cy="0"/>
-        </a:xfrm>
-      </p:grpSpPr>
-      <p:sp>
-        <p:nvSpPr>
-          <p:cNvPr id="51" name="Заголовок 1">
-            <a:extLst>
-              <a:ext uri="{FF2B5EF4-FFF2-40B4-BE49-F238E27FC236}">
-                <a16:creationId xmlns:a16="http://schemas.microsoft.com/office/drawing/2014/main" id="{BDFAC066-CBCE-447D-95BF-F08E20D9560B}"/>
-              </a:ext>
-            </a:extLst>
-          </p:cNvPr>
-          <p:cNvSpPr>
-            <a:spLocks noGrp="1"/>
-          </p:cNvSpPr>
-          <p:nvPr>
-            <p:ph type="title"/>
-          </p:nvPr>
-        </p:nvSpPr>
-        <p:spPr>
-          <a:xfrm>
-            <a:off x="481013" y="3752849"/>
-            <a:ext cx="3290887" cy="2452687"/>
-          </a:xfrm>
-        </p:spPr>
-        <p:txBody>
-          <a:bodyPr vert="horz" lIns="91440" tIns="45720" rIns="91440" bIns="45720" rtlCol="0" anchor="ctr">
-            <a:normAutofit/>
-          </a:bodyPr>
-          <a:lstStyle/>
-          <a:p>
-            <a:r>
-              <a:rPr lang="en-US" sz="3600" dirty="0" err="1"/>
-              <a:t>Oauth</a:t>
-            </a:r>
-            <a:r>
-              <a:rPr lang="en-US" sz="3600" dirty="0"/>
-              <a:t> 2.0</a:t>
-            </a:r>
-          </a:p>
-        </p:txBody>
-      </p:sp>
-      <p:pic>
-        <p:nvPicPr>
-          <p:cNvPr id="11" name="Объект 10">
-            <a:extLst>
-              <a:ext uri="{FF2B5EF4-FFF2-40B4-BE49-F238E27FC236}">
-                <a16:creationId xmlns:a16="http://schemas.microsoft.com/office/drawing/2014/main" id="{D28FE689-3EFF-4552-952C-D066899F2845}"/>
-              </a:ext>
-            </a:extLst>
-          </p:cNvPr>
-          <p:cNvPicPr>
-            <a:picLocks noChangeAspect="1"/>
-          </p:cNvPicPr>
-          <p:nvPr/>
-        </p:nvPicPr>
-        <p:blipFill rotWithShape="1">
-          <a:blip r:embed="rId2">
-            <a:extLst>
-              <a:ext uri="{28A0092B-C50C-407E-A947-70E740481C1C}">
-                <a14:useLocalDpi xmlns:a14="http://schemas.microsoft.com/office/drawing/2010/main" val="0"/>
-              </a:ext>
-            </a:extLst>
-          </a:blip>
-          <a:srcRect t="4169" b="4298"/>
-          <a:stretch/>
-        </p:blipFill>
-        <p:spPr>
-          <a:xfrm>
-            <a:off x="20" y="10"/>
-            <a:ext cx="12191980" cy="3710603"/>
-          </a:xfrm>
-          <a:custGeom>
-            <a:avLst/>
-            <a:gdLst>
-              <a:gd name="connsiteX0" fmla="*/ 0 w 12192000"/>
-              <a:gd name="connsiteY0" fmla="*/ 0 h 3692092"/>
-              <a:gd name="connsiteX1" fmla="*/ 12192000 w 12192000"/>
-              <a:gd name="connsiteY1" fmla="*/ 0 h 3692092"/>
-              <a:gd name="connsiteX2" fmla="*/ 12192000 w 12192000"/>
-              <a:gd name="connsiteY2" fmla="*/ 3504824 h 3692092"/>
-              <a:gd name="connsiteX3" fmla="*/ 12024691 w 12192000"/>
-              <a:gd name="connsiteY3" fmla="*/ 3517794 h 3692092"/>
-              <a:gd name="connsiteX4" fmla="*/ 160485 w 12192000"/>
-              <a:gd name="connsiteY4" fmla="*/ 3663863 h 3692092"/>
-              <a:gd name="connsiteX5" fmla="*/ 0 w 12192000"/>
-              <a:gd name="connsiteY5" fmla="*/ 3692092 h 3692092"/>
-            </a:gdLst>
-            <a:ahLst/>
-            <a:cxnLst>
-              <a:cxn ang="0">
-                <a:pos x="connsiteX0" y="connsiteY0"/>
-              </a:cxn>
-              <a:cxn ang="0">
-                <a:pos x="connsiteX1" y="connsiteY1"/>
-              </a:cxn>
-              <a:cxn ang="0">
-                <a:pos x="connsiteX2" y="connsiteY2"/>
-              </a:cxn>
-              <a:cxn ang="0">
-                <a:pos x="connsiteX3" y="connsiteY3"/>
-              </a:cxn>
-              <a:cxn ang="0">
-                <a:pos x="connsiteX4" y="connsiteY4"/>
-              </a:cxn>
-              <a:cxn ang="0">
-                <a:pos x="connsiteX5" y="connsiteY5"/>
-              </a:cxn>
-            </a:cxnLst>
-            <a:rect l="l" t="t" r="r" b="b"/>
-            <a:pathLst>
-              <a:path w="12192000" h="3692092">
-                <a:moveTo>
-                  <a:pt x="0" y="0"/>
-                </a:moveTo>
-                <a:lnTo>
-                  <a:pt x="12192000" y="0"/>
-                </a:lnTo>
-                <a:lnTo>
-                  <a:pt x="12192000" y="3504824"/>
-                </a:lnTo>
-                <a:lnTo>
-                  <a:pt x="12024691" y="3517794"/>
-                </a:lnTo>
-                <a:cubicBezTo>
-                  <a:pt x="8077523" y="3783195"/>
-                  <a:pt x="4094678" y="3026959"/>
-                  <a:pt x="160485" y="3663863"/>
-                </a:cubicBezTo>
-                <a:lnTo>
-                  <a:pt x="0" y="3692092"/>
-                </a:lnTo>
-                <a:close/>
-              </a:path>
-            </a:pathLst>
-          </a:custGeom>
-        </p:spPr>
-      </p:pic>
-      <p:sp>
-        <p:nvSpPr>
-          <p:cNvPr id="30" name="Content Placeholder 29">
-            <a:extLst>
-              <a:ext uri="{FF2B5EF4-FFF2-40B4-BE49-F238E27FC236}">
-                <a16:creationId xmlns:a16="http://schemas.microsoft.com/office/drawing/2014/main" id="{2FFE4E11-E4C4-4ED4-B780-FA0161D6A746}"/>
-              </a:ext>
-            </a:extLst>
-          </p:cNvPr>
-          <p:cNvSpPr>
-            <a:spLocks noGrp="1"/>
-          </p:cNvSpPr>
-          <p:nvPr>
-            <p:ph idx="1"/>
-          </p:nvPr>
-        </p:nvSpPr>
-        <p:spPr>
-          <a:xfrm>
-            <a:off x="4223982" y="3752850"/>
-            <a:ext cx="7485413" cy="2452687"/>
-          </a:xfrm>
-        </p:spPr>
-        <p:txBody>
-          <a:bodyPr anchor="ctr">
-            <a:normAutofit/>
-          </a:bodyPr>
-          <a:lstStyle/>
-          <a:p>
-            <a:r>
-              <a:rPr lang="ru-RU" sz="1800" dirty="0"/>
-              <a:t>Имплементация известного протокола</a:t>
-            </a:r>
-          </a:p>
-          <a:p>
-            <a:r>
-              <a:rPr lang="ru-RU" sz="1800" dirty="0"/>
-              <a:t>Возможность использования </a:t>
-            </a:r>
-            <a:r>
-              <a:rPr lang="en-US" sz="1800" dirty="0"/>
-              <a:t>API </a:t>
-            </a:r>
-            <a:r>
-              <a:rPr lang="ru-RU" sz="1800" dirty="0"/>
-              <a:t>в сторонних приложениях и сервисах</a:t>
-            </a:r>
-          </a:p>
-          <a:p>
-            <a:r>
-              <a:rPr lang="ru-RU" sz="1800" dirty="0"/>
-              <a:t>Общий </a:t>
-            </a:r>
-            <a:r>
-              <a:rPr lang="en-US" sz="1800" dirty="0"/>
-              <a:t>API </a:t>
-            </a:r>
-            <a:r>
-              <a:rPr lang="ru-RU" sz="1800" dirty="0"/>
-              <a:t>для управления всеми очередями</a:t>
-            </a:r>
-            <a:endParaRPr lang="en-US" sz="1800" dirty="0"/>
-          </a:p>
-        </p:txBody>
-      </p:sp>
-    </p:spTree>
-    <p:extLst>
-      <p:ext uri="{BB962C8B-B14F-4D97-AF65-F5344CB8AC3E}">
-        <p14:creationId xmlns:p14="http://schemas.microsoft.com/office/powerpoint/2010/main" val="3108850667"/>
-      </p:ext>
-    </p:extLst>
-  </p:cSld>
-  <p:clrMapOvr>
-    <a:masterClrMapping/>
-  </p:clrMapOvr>
-</p:sld>
-</file>
-
 <file path=ppt/theme/theme1.xml><?xml version="1.0" encoding="utf-8"?>
 <a:theme xmlns:a="http://schemas.openxmlformats.org/drawingml/2006/main" name="Тема Office">
   <a:themeElements>
     <a:clrScheme name="Стандартная">
       <a:dk1>
-        <a:sysClr val="windowText" lastClr="000000"/>
+        <a:sysClr val="windowText" lastClr="363636"/>
       </a:dk1>
       <a:lt1>
-        <a:sysClr val="window" lastClr="FFFFFF"/>
+        <a:sysClr val="window" lastClr="FCFCFC"/>
+      </a:lt1>
+      <a:dk2>
+        <a:srgbClr val="44546A"/>
+      </a:dk2>
+      <a:lt2>
+        <a:srgbClr val="E7E6E6"/>
+      </a:lt2>
+      <a:accent1>
+        <a:srgbClr val="4472C4"/>
+      </a:accent1>
+      <a:accent2>
+        <a:srgbClr val="ED7D31"/>
+      </a:accent2>
+      <a:accent3>
+        <a:srgbClr val="A5A5A5"/>
+      </a:accent3>
+      <a:accent4>
+        <a:srgbClr val="FFC000"/>
+      </a:accent4>
+      <a:accent5>
+        <a:srgbClr val="5B9BD5"/>
+      </a:accent5>
+      <a:accent6>
+        <a:srgbClr val="70AD47"/>
+      </a:accent6>
+      <a:hlink>
+        <a:srgbClr val="0563C1"/>
+      </a:hlink>
+      <a:folHlink>
+        <a:srgbClr val="954F72"/>
+      </a:folHlink>
+    </a:clrScheme>
+    <a:fontScheme name="Стандартная">
+      <a:majorFont>
+        <a:latin typeface="Calibri Light" panose="020F0302020204030204"/>
+        <a:ea typeface=""/>
+        <a:cs typeface=""/>
+        <a:font script="Jpan" typeface="游ゴシック Light"/>
+        <a:font script="Hang" typeface="맑은 고딕"/>
+        <a:font script="Hans" typeface="等线 Light"/>
+        <a:font script="Hant" typeface="新細明體"/>
+        <a:font script="Arab" typeface="Times New Roman"/>
+        <a:font script="Hebr" typeface="Times New Roman"/>
+        <a:font script="Thai" typeface="Angsana New"/>
+        <a:font script="Ethi" typeface="Nyala"/>
+        <a:font script="Beng" typeface="Vrinda"/>
+        <a:font script="Gujr" typeface="Shruti"/>
+        <a:font script="Khmr" typeface="MoolBoran"/>
+        <a:font script="Knda" typeface="Tunga"/>
+        <a:font script="Guru" typeface="Raavi"/>
+        <a:font script="Cans" typeface="Euphemia"/>
+        <a:font script="Cher" typeface="Plantagenet Cherokee"/>
+        <a:font script="Yiii" typeface="Microsoft Yi Baiti"/>
+        <a:font script="Tibt" typeface="Microsoft Himalaya"/>
+        <a:font script="Thaa" typeface="MV Boli"/>
+        <a:font script="Deva" typeface="Mangal"/>
+        <a:font script="Telu" typeface="Gautami"/>
+        <a:font script="Taml" typeface="Latha"/>
+        <a:font script="Syrc" typeface="Estrangelo Edessa"/>
+        <a:font script="Orya" typeface="Kalinga"/>
+        <a:font script="Mlym" typeface="Kartika"/>
+        <a:font script="Laoo" typeface="DokChampa"/>
+        <a:font script="Sinh" typeface="Iskoola Pota"/>
+        <a:font script="Mong" typeface="Mongolian Baiti"/>
+        <a:font script="Viet" typeface="Times New Roman"/>
+        <a:font script="Uigh" typeface="Microsoft Uighur"/>
+        <a:font script="Geor" typeface="Sylfaen"/>
+        <a:font script="Armn" typeface="Arial"/>
+        <a:font script="Bugi" typeface="Leelawadee UI"/>
+        <a:font script="Bopo" typeface="Microsoft JhengHei"/>
+        <a:font script="Java" typeface="Javanese Text"/>
+        <a:font script="Lisu" typeface="Segoe UI"/>
+        <a:font script="Mymr" typeface="Myanmar Text"/>
+        <a:font script="Nkoo" typeface="Ebrima"/>
+        <a:font script="Olck" typeface="Nirmala UI"/>
+        <a:font script="Osma" typeface="Ebrima"/>
+        <a:font script="Phag" typeface="Phagspa"/>
+        <a:font script="Syrn" typeface="Estrangelo Edessa"/>
+        <a:font script="Syrj" typeface="Estrangelo Edessa"/>
+        <a:font script="Syre" typeface="Estrangelo Edessa"/>
+        <a:font script="Sora" typeface="Nirmala UI"/>
+        <a:font script="Tale" typeface="Microsoft Tai Le"/>
+        <a:font script="Talu" typeface="Microsoft New Tai Lue"/>
+        <a:font script="Tfng" typeface="Ebrima"/>
+      </a:majorFont>
+      <a:minorFont>
+        <a:latin typeface="Calibri" panose="020F0502020204030204"/>
+        <a:ea typeface=""/>
+        <a:cs typeface=""/>
+        <a:font script="Jpan" typeface="游ゴシック"/>
+        <a:font script="Hang" typeface="맑은 고딕"/>
+        <a:font script="Hans" typeface="等线"/>
+        <a:font script="Hant" typeface="新細明體"/>
+        <a:font script="Arab" typeface="Arial"/>
+        <a:font script="Hebr" typeface="Arial"/>
+        <a:font script="Thai" typeface="Cordia New"/>
+        <a:font script="Ethi" typeface="Nyala"/>
+        <a:font script="Beng" typeface="Vrinda"/>
+        <a:font script="Gujr" typeface="Shruti"/>
+        <a:font script="Khmr" typeface="DaunPenh"/>
+        <a:font script="Knda" typeface="Tunga"/>
+        <a:font script="Guru" typeface="Raavi"/>
+        <a:font script="Cans" typeface="Euphemia"/>
+        <a:font script="Cher" typeface="Plantagenet Cherokee"/>
+        <a:font script="Yiii" typeface="Microsoft Yi Baiti"/>
+        <a:font script="Tibt" typeface="Microsoft Himalaya"/>
+        <a:font script="Thaa" typeface="MV Boli"/>
+        <a:font script="Deva" typeface="Mangal"/>
+        <a:font script="Telu" typeface="Gautami"/>
+        <a:font script="Taml" typeface="Latha"/>
+        <a:font script="Syrc" typeface="Estrangelo Edessa"/>
+        <a:font script="Orya" typeface="Kalinga"/>
+        <a:font script="Mlym" typeface="Kartika"/>
+        <a:font script="Laoo" typeface="DokChampa"/>
+        <a:font script="Sinh" typeface="Iskoola Pota"/>
+        <a:font script="Mong" typeface="Mongolian Baiti"/>
+        <a:font script="Viet" typeface="Arial"/>
+        <a:font script="Uigh" typeface="Microsoft Uighur"/>
+        <a:font script="Geor" typeface="Sylfaen"/>
+        <a:font script="Armn" typeface="Arial"/>
+        <a:font script="Bugi" typeface="Leelawadee UI"/>
+        <a:font script="Bopo" typeface="Microsoft JhengHei"/>
+        <a:font script="Java" typeface="Javanese Text"/>
+        <a:font script="Lisu" typeface="Segoe UI"/>
+        <a:font script="Mymr" typeface="Myanmar Text"/>
+        <a:font script="Nkoo" typeface="Ebrima"/>
+        <a:font script="Olck" typeface="Nirmala UI"/>
+        <a:font script="Osma" typeface="Ebrima"/>
+        <a:font script="Phag" typeface="Phagspa"/>
+        <a:font script="Syrn" typeface="Estrangelo Edessa"/>
+        <a:font script="Syrj" typeface="Estrangelo Edessa"/>
+        <a:font script="Syre" typeface="Estrangelo Edessa"/>
+        <a:font script="Sora" typeface="Nirmala UI"/>
+        <a:font script="Tale" typeface="Microsoft Tai Le"/>
+        <a:font script="Talu" typeface="Microsoft New Tai Lue"/>
+        <a:font script="Tfng" typeface="Ebrima"/>
+      </a:minorFont>
+    </a:fontScheme>
+    <a:fmtScheme name="Стандартная">
+      <a:fillStyleLst>
+        <a:solidFill>
+          <a:schemeClr val="phClr"/>
+        </a:solidFill>
+        <a:gradFill rotWithShape="1">
+          <a:gsLst>
+            <a:gs pos="0">
+              <a:schemeClr val="phClr">
+                <a:lumMod val="110000"/>
+                <a:satMod val="105000"/>
+                <a:tint val="67000"/>
+              </a:schemeClr>
+            </a:gs>
+            <a:gs pos="50000">
+              <a:schemeClr val="phClr">
+                <a:lumMod val="105000"/>
+                <a:satMod val="103000"/>
+                <a:tint val="73000"/>
+              </a:schemeClr>
+            </a:gs>
+            <a:gs pos="100000">
+              <a:schemeClr val="phClr">
+                <a:lumMod val="105000"/>
+                <a:satMod val="109000"/>
+                <a:tint val="81000"/>
+              </a:schemeClr>
+            </a:gs>
+          </a:gsLst>
+          <a:lin ang="5400000" scaled="0"/>
+        </a:gradFill>
+        <a:gradFill rotWithShape="1">
+          <a:gsLst>
+            <a:gs pos="0">
+              <a:schemeClr val="phClr">
+                <a:satMod val="103000"/>
+                <a:lumMod val="102000"/>
+                <a:tint val="94000"/>
+              </a:schemeClr>
+            </a:gs>
+            <a:gs pos="50000">
+              <a:schemeClr val="phClr">
+                <a:satMod val="110000"/>
+                <a:lumMod val="100000"/>
+                <a:shade val="100000"/>
+              </a:schemeClr>
+            </a:gs>
+            <a:gs pos="100000">
+              <a:schemeClr val="phClr">
+                <a:lumMod val="99000"/>
+                <a:satMod val="120000"/>
+                <a:shade val="78000"/>
+              </a:schemeClr>
+            </a:gs>
+          </a:gsLst>
+          <a:lin ang="5400000" scaled="0"/>
+        </a:gradFill>
+      </a:fillStyleLst>
+      <a:lnStyleLst>
+        <a:ln w="6350" cap="flat" cmpd="sng" algn="ctr">
+          <a:solidFill>
+            <a:schemeClr val="phClr"/>
+          </a:solidFill>
+          <a:prstDash val="solid"/>
+          <a:miter lim="800000"/>
+        </a:ln>
+        <a:ln w="12700" cap="flat" cmpd="sng" algn="ctr">
+          <a:solidFill>
+            <a:schemeClr val="phClr"/>
+          </a:solidFill>
+          <a:prstDash val="solid"/>
+          <a:miter lim="800000"/>
+        </a:ln>
+        <a:ln w="19050" cap="flat" cmpd="sng" algn="ctr">
+          <a:solidFill>
+            <a:schemeClr val="phClr"/>
+          </a:solidFill>
+          <a:prstDash val="solid"/>
+          <a:miter lim="800000"/>
+        </a:ln>
+      </a:lnStyleLst>
+      <a:effectStyleLst>
+        <a:effectStyle>
+          <a:effectLst/>
+        </a:effectStyle>
+        <a:effectStyle>
+          <a:effectLst/>
+        </a:effectStyle>
+        <a:effectStyle>
+          <a:effectLst>
+            <a:outerShdw blurRad="57150" dist="19050" dir="5400000" algn="ctr" rotWithShape="0">
+              <a:srgbClr val="000000">
+                <a:alpha val="63000"/>
+              </a:srgbClr>
+            </a:outerShdw>
+          </a:effectLst>
+        </a:effectStyle>
+      </a:effectStyleLst>
+      <a:bgFillStyleLst>
+        <a:solidFill>
+          <a:schemeClr val="phClr"/>
+        </a:solidFill>
+        <a:solidFill>
+          <a:schemeClr val="phClr">
+            <a:tint val="95000"/>
+            <a:satMod val="170000"/>
+          </a:schemeClr>
+        </a:solidFill>
+        <a:gradFill rotWithShape="1">
+          <a:gsLst>
+            <a:gs pos="0">
+              <a:schemeClr val="phClr">
+                <a:tint val="93000"/>
+                <a:satMod val="150000"/>
+                <a:shade val="98000"/>
+                <a:lumMod val="102000"/>
+              </a:schemeClr>
+            </a:gs>
+            <a:gs pos="50000">
+              <a:schemeClr val="phClr">
+                <a:tint val="98000"/>
+                <a:satMod val="130000"/>
+                <a:shade val="90000"/>
+                <a:lumMod val="103000"/>
+              </a:schemeClr>
+            </a:gs>
+            <a:gs pos="100000">
+              <a:schemeClr val="phClr">
+                <a:shade val="63000"/>
+                <a:satMod val="120000"/>
+              </a:schemeClr>
+            </a:gs>
+          </a:gsLst>
+          <a:lin ang="5400000" scaled="0"/>
+        </a:gradFill>
+      </a:bgFillStyleLst>
+    </a:fmtScheme>
+  </a:themeElements>
+  <a:objectDefaults/>
+  <a:extraClrSchemeLst/>
+  <a:extLst>
+    <a:ext uri="{05A4C25C-085E-4340-85A3-A5531E510DB2}">
+      <thm15:themeFamily xmlns:thm15="http://schemas.microsoft.com/office/thememl/2012/main" name="Office Theme" id="{62F939B6-93AF-4DB8-9C6B-D6C7DFDC589F}" vid="{4A3C46E8-61CC-4603-A589-7422A47A8E4A}"/>
+    </a:ext>
+  </a:extLst>
+</a:theme>
+</file>
+
+<file path=ppt/theme/theme2.xml><?xml version="1.0" encoding="utf-8"?>
+<a:theme xmlns:a="http://schemas.openxmlformats.org/drawingml/2006/main" name="Тема Office">
+  <a:themeElements>
+    <a:clrScheme name="Стандартная">
+      <a:dk1>
+        <a:sysClr val="windowText" lastClr="363636"/>
+      </a:dk1>
+      <a:lt1>
+        <a:sysClr val="window" lastClr="FCFCFC"/>
       </a:lt1>
       <a:dk2>
         <a:srgbClr val="44546A"/>
